--- a/docs/UI-Server-FIXIMULATOR flow.pptx
+++ b/docs/UI-Server-FIXIMULATOR flow.pptx
@@ -8,10 +8,12 @@
     <p:sldId id="256" r:id="rId2"/>
     <p:sldId id="257" r:id="rId3"/>
     <p:sldId id="258" r:id="rId4"/>
-    <p:sldId id="259" r:id="rId5"/>
-    <p:sldId id="260" r:id="rId6"/>
-    <p:sldId id="261" r:id="rId7"/>
-    <p:sldId id="262" r:id="rId8"/>
+    <p:sldId id="263" r:id="rId5"/>
+    <p:sldId id="259" r:id="rId6"/>
+    <p:sldId id="260" r:id="rId7"/>
+    <p:sldId id="261" r:id="rId8"/>
+    <p:sldId id="262" r:id="rId9"/>
+    <p:sldId id="264" r:id="rId10"/>
   </p:sldIdLst>
   <p:sldSz cx="9144000" cy="6858000" type="screen4x3"/>
   <p:notesSz cx="6858000" cy="9144000"/>
@@ -3364,15 +3366,7 @@
                   <a:schemeClr val="tx1"/>
                 </a:solidFill>
               </a:rPr>
-              <a:t>Wait for </a:t>
-            </a:r>
-            <a:r>
-              <a:rPr lang="de-CH" sz="1000" dirty="0" smtClean="0">
-                <a:solidFill>
-                  <a:schemeClr val="tx1"/>
-                </a:solidFill>
-              </a:rPr>
-              <a:t>heartbeat or order</a:t>
+              <a:t>Wait for heartbeat or order</a:t>
             </a:r>
             <a:endParaRPr lang="it-IT" sz="1000" dirty="0">
               <a:solidFill>
@@ -3391,7 +3385,7 @@
           <p:nvPr>
             <p:extLst>
               <p:ext uri="{D42A27DB-BD31-4B8C-83A1-F6EECF244321}">
-                <p14:modId xmlns:p14="http://schemas.microsoft.com/office/powerpoint/2010/main" val="440942512"/>
+                <p14:modId xmlns:p14="http://schemas.microsoft.com/office/powerpoint/2010/main" val="1108879374"/>
               </p:ext>
             </p:extLst>
           </p:nvPr>
@@ -3430,23 +3424,7 @@
                             <a:schemeClr val="tx1"/>
                           </a:solidFill>
                         </a:rPr>
-                        <a:t> </a:t>
-                      </a:r>
-                      <a:r>
-                        <a:rPr lang="de-CH" sz="1000" b="0" baseline="0" dirty="0" smtClean="0">
-                          <a:solidFill>
-                            <a:schemeClr val="tx1"/>
-                          </a:solidFill>
-                        </a:rPr>
-                        <a:t>or a scheduler send Longon </a:t>
-                      </a:r>
-                      <a:r>
-                        <a:rPr lang="de-CH" sz="1000" b="0" baseline="0" dirty="0" smtClean="0">
-                          <a:solidFill>
-                            <a:schemeClr val="tx1"/>
-                          </a:solidFill>
-                        </a:rPr>
-                        <a:t>request</a:t>
+                        <a:t> or a scheduler activate Longon request</a:t>
                       </a:r>
                       <a:endParaRPr lang="it-IT" sz="1000" b="0" dirty="0">
                         <a:solidFill>
@@ -3576,7 +3554,7 @@
           <p:nvPr>
             <p:extLst>
               <p:ext uri="{D42A27DB-BD31-4B8C-83A1-F6EECF244321}">
-                <p14:modId xmlns:p14="http://schemas.microsoft.com/office/powerpoint/2010/main" val="2399606090"/>
+                <p14:modId xmlns:p14="http://schemas.microsoft.com/office/powerpoint/2010/main" val="2785618827"/>
               </p:ext>
             </p:extLst>
           </p:nvPr>
@@ -3607,7 +3585,7 @@
                             <a:schemeClr val="tx1"/>
                           </a:solidFill>
                         </a:rPr>
-                        <a:t>No reply or refuse</a:t>
+                        <a:t>No reply or rejection</a:t>
                       </a:r>
                       <a:endParaRPr lang="it-IT" sz="1000" b="0" dirty="0">
                         <a:solidFill>
@@ -3737,7 +3715,7 @@
           <p:nvPr>
             <p:extLst>
               <p:ext uri="{D42A27DB-BD31-4B8C-83A1-F6EECF244321}">
-                <p14:modId xmlns:p14="http://schemas.microsoft.com/office/powerpoint/2010/main" val="2348741500"/>
+                <p14:modId xmlns:p14="http://schemas.microsoft.com/office/powerpoint/2010/main" val="74340230"/>
               </p:ext>
             </p:extLst>
           </p:nvPr>
@@ -3833,7 +3811,7 @@
                             <a:schemeClr val="tx1"/>
                           </a:solidFill>
                         </a:rPr>
-                        <a:t>Set Tmeout</a:t>
+                        <a:t>Set Timeout</a:t>
                       </a:r>
                       <a:endParaRPr lang="it-IT" sz="1000" b="0" dirty="0">
                         <a:solidFill>
@@ -4222,8 +4200,8 @@
           </a:graphicData>
         </a:graphic>
       </p:graphicFrame>
-      <mc:AlternateContent xmlns:mc="http://schemas.openxmlformats.org/markup-compatibility/2006">
-        <mc:Choice xmlns:a14="http://schemas.microsoft.com/office/drawing/2010/main" Requires="a14">
+      <mc:AlternateContent xmlns:mc="http://schemas.openxmlformats.org/markup-compatibility/2006" xmlns:a14="http://schemas.microsoft.com/office/drawing/2010/main">
+        <mc:Choice Requires="a14">
           <p:graphicFrame>
             <p:nvGraphicFramePr>
               <p:cNvPr id="14" name="Table 13"/>
@@ -4275,15 +4253,7 @@
                                 <a:schemeClr val="tx1"/>
                               </a:solidFill>
                             </a:rPr>
-                            <a:t>Admin or scheduler </a:t>
-                          </a:r>
-                          <a:r>
-                            <a:rPr lang="de-CH" sz="1000" b="0" dirty="0" smtClean="0">
-                              <a:solidFill>
-                                <a:schemeClr val="tx1"/>
-                              </a:solidFill>
-                            </a:rPr>
-                            <a:t>Logout</a:t>
+                            <a:t>Admin or scheduler Logout</a:t>
                           </a:r>
                           <a:endParaRPr lang="it-IT" sz="1000" b="0" dirty="0">
                             <a:solidFill>
@@ -4416,7 +4386,7 @@
             </a:graphic>
           </p:graphicFrame>
         </mc:Choice>
-        <mc:Fallback>
+        <mc:Fallback xmlns="">
           <p:graphicFrame>
             <p:nvGraphicFramePr>
               <p:cNvPr id="14" name="Table 13"/>
@@ -5078,15 +5048,7 @@
                   <a:schemeClr val="tx1"/>
                 </a:solidFill>
               </a:rPr>
-              <a:t>Wait for </a:t>
-            </a:r>
-            <a:r>
-              <a:rPr lang="de-CH" sz="1000" dirty="0" smtClean="0">
-                <a:solidFill>
-                  <a:schemeClr val="tx1"/>
-                </a:solidFill>
-              </a:rPr>
-              <a:t>heartbeat or order</a:t>
+              <a:t>Wait for heartbeat or order</a:t>
             </a:r>
             <a:endParaRPr lang="it-IT" sz="1000" dirty="0">
               <a:solidFill>
@@ -6268,6 +6230,2578 @@
           <a:p>
             <a:r>
               <a:rPr lang="de-CH" dirty="0" smtClean="0"/>
+              <a:t>UI order creation</a:t>
+            </a:r>
+            <a:endParaRPr lang="it-IT" dirty="0"/>
+          </a:p>
+        </p:txBody>
+      </p:sp>
+      <p:sp>
+        <p:nvSpPr>
+          <p:cNvPr id="5" name="Oval 4"/>
+          <p:cNvSpPr/>
+          <p:nvPr/>
+        </p:nvSpPr>
+        <p:spPr>
+          <a:xfrm>
+            <a:off x="1143000" y="2286000"/>
+            <a:ext cx="1447800" cy="609600"/>
+          </a:xfrm>
+          <a:prstGeom prst="ellipse">
+            <a:avLst/>
+          </a:prstGeom>
+          <a:noFill/>
+          <a:ln>
+            <a:solidFill>
+              <a:schemeClr val="tx1"/>
+            </a:solidFill>
+          </a:ln>
+        </p:spPr>
+        <p:style>
+          <a:lnRef idx="2">
+            <a:schemeClr val="accent1">
+              <a:shade val="50000"/>
+            </a:schemeClr>
+          </a:lnRef>
+          <a:fillRef idx="1">
+            <a:schemeClr val="accent1"/>
+          </a:fillRef>
+          <a:effectRef idx="0">
+            <a:schemeClr val="accent1"/>
+          </a:effectRef>
+          <a:fontRef idx="minor">
+            <a:schemeClr val="lt1"/>
+          </a:fontRef>
+        </p:style>
+        <p:txBody>
+          <a:bodyPr rtlCol="0" anchor="ctr"/>
+          <a:lstStyle/>
+          <a:p>
+            <a:pPr algn="ctr"/>
+            <a:r>
+              <a:rPr lang="de-CH" sz="1000" dirty="0" smtClean="0">
+                <a:solidFill>
+                  <a:schemeClr val="tx1"/>
+                </a:solidFill>
+              </a:rPr>
+              <a:t>Wait for a new user login</a:t>
+            </a:r>
+            <a:endParaRPr lang="it-IT" sz="1000" dirty="0">
+              <a:solidFill>
+                <a:schemeClr val="tx1"/>
+              </a:solidFill>
+            </a:endParaRPr>
+          </a:p>
+        </p:txBody>
+      </p:sp>
+      <p:sp>
+        <p:nvSpPr>
+          <p:cNvPr id="6" name="Oval 5"/>
+          <p:cNvSpPr/>
+          <p:nvPr/>
+        </p:nvSpPr>
+        <p:spPr>
+          <a:xfrm>
+            <a:off x="5361875" y="2286000"/>
+            <a:ext cx="1447800" cy="609600"/>
+          </a:xfrm>
+          <a:prstGeom prst="ellipse">
+            <a:avLst/>
+          </a:prstGeom>
+          <a:noFill/>
+          <a:ln>
+            <a:solidFill>
+              <a:schemeClr val="tx1"/>
+            </a:solidFill>
+          </a:ln>
+        </p:spPr>
+        <p:style>
+          <a:lnRef idx="2">
+            <a:schemeClr val="accent1">
+              <a:shade val="50000"/>
+            </a:schemeClr>
+          </a:lnRef>
+          <a:fillRef idx="1">
+            <a:schemeClr val="accent1"/>
+          </a:fillRef>
+          <a:effectRef idx="0">
+            <a:schemeClr val="accent1"/>
+          </a:effectRef>
+          <a:fontRef idx="minor">
+            <a:schemeClr val="lt1"/>
+          </a:fontRef>
+        </p:style>
+        <p:txBody>
+          <a:bodyPr rtlCol="0" anchor="ctr"/>
+          <a:lstStyle/>
+          <a:p>
+            <a:pPr algn="ctr"/>
+            <a:r>
+              <a:rPr lang="de-CH" sz="1000" dirty="0" smtClean="0">
+                <a:solidFill>
+                  <a:schemeClr val="tx1"/>
+                </a:solidFill>
+              </a:rPr>
+              <a:t>Wait for portfolio selection</a:t>
+            </a:r>
+            <a:endParaRPr lang="it-IT" sz="1000" dirty="0">
+              <a:solidFill>
+                <a:schemeClr val="tx1"/>
+              </a:solidFill>
+            </a:endParaRPr>
+          </a:p>
+        </p:txBody>
+      </p:sp>
+      <p:sp>
+        <p:nvSpPr>
+          <p:cNvPr id="7" name="Oval 6"/>
+          <p:cNvSpPr/>
+          <p:nvPr/>
+        </p:nvSpPr>
+        <p:spPr>
+          <a:xfrm>
+            <a:off x="5281800" y="3886200"/>
+            <a:ext cx="1600200" cy="609600"/>
+          </a:xfrm>
+          <a:prstGeom prst="ellipse">
+            <a:avLst/>
+          </a:prstGeom>
+          <a:noFill/>
+          <a:ln>
+            <a:solidFill>
+              <a:schemeClr val="tx1"/>
+            </a:solidFill>
+          </a:ln>
+        </p:spPr>
+        <p:style>
+          <a:lnRef idx="2">
+            <a:schemeClr val="accent1">
+              <a:shade val="50000"/>
+            </a:schemeClr>
+          </a:lnRef>
+          <a:fillRef idx="1">
+            <a:schemeClr val="accent1"/>
+          </a:fillRef>
+          <a:effectRef idx="0">
+            <a:schemeClr val="accent1"/>
+          </a:effectRef>
+          <a:fontRef idx="minor">
+            <a:schemeClr val="lt1"/>
+          </a:fontRef>
+        </p:style>
+        <p:txBody>
+          <a:bodyPr rtlCol="0" anchor="ctr"/>
+          <a:lstStyle/>
+          <a:p>
+            <a:pPr algn="ctr"/>
+            <a:r>
+              <a:rPr lang="de-CH" sz="1000" dirty="0" smtClean="0">
+                <a:solidFill>
+                  <a:schemeClr val="tx1"/>
+                </a:solidFill>
+              </a:rPr>
+              <a:t>Wait for Asset Class selection</a:t>
+            </a:r>
+            <a:endParaRPr lang="it-IT" sz="1000" dirty="0">
+              <a:solidFill>
+                <a:schemeClr val="tx1"/>
+              </a:solidFill>
+            </a:endParaRPr>
+          </a:p>
+        </p:txBody>
+      </p:sp>
+      <p:graphicFrame>
+        <p:nvGraphicFramePr>
+          <p:cNvPr id="9" name="Table 8"/>
+          <p:cNvGraphicFramePr>
+            <a:graphicFrameLocks noGrp="1"/>
+          </p:cNvGraphicFramePr>
+          <p:nvPr>
+            <p:extLst>
+              <p:ext uri="{D42A27DB-BD31-4B8C-83A1-F6EECF244321}">
+                <p14:modId xmlns:p14="http://schemas.microsoft.com/office/powerpoint/2010/main" val="1624277063"/>
+              </p:ext>
+            </p:extLst>
+          </p:nvPr>
+        </p:nvGraphicFramePr>
+        <p:xfrm>
+          <a:off x="2743200" y="1798320"/>
+          <a:ext cx="2438400" cy="792480"/>
+        </p:xfrm>
+        <a:graphic>
+          <a:graphicData uri="http://schemas.openxmlformats.org/drawingml/2006/table">
+            <a:tbl>
+              <a:tblPr firstRow="1" bandRow="1">
+                <a:tableStyleId>{5C22544A-7EE6-4342-B048-85BDC9FD1C3A}</a:tableStyleId>
+              </a:tblPr>
+              <a:tblGrid>
+                <a:gridCol w="2438400"/>
+              </a:tblGrid>
+              <a:tr h="228600">
+                <a:tc>
+                  <a:txBody>
+                    <a:bodyPr/>
+                    <a:lstStyle/>
+                    <a:p>
+                      <a:pPr algn="ctr"/>
+                      <a:r>
+                        <a:rPr lang="de-CH" sz="1000" b="0" dirty="0" smtClean="0">
+                          <a:solidFill>
+                            <a:schemeClr val="tx1"/>
+                          </a:solidFill>
+                        </a:rPr>
+                        <a:t>Login accepted</a:t>
+                      </a:r>
+                      <a:endParaRPr lang="it-IT" sz="1000" b="0" dirty="0">
+                        <a:solidFill>
+                          <a:schemeClr val="tx1"/>
+                        </a:solidFill>
+                      </a:endParaRPr>
+                    </a:p>
+                  </a:txBody>
+                  <a:tcPr>
+                    <a:lnL w="12700" cap="flat" cmpd="sng" algn="ctr">
+                      <a:noFill/>
+                      <a:prstDash val="solid"/>
+                      <a:round/>
+                      <a:headEnd type="none" w="med" len="med"/>
+                      <a:tailEnd type="none" w="med" len="med"/>
+                    </a:lnL>
+                    <a:lnR w="12700" cap="flat" cmpd="sng" algn="ctr">
+                      <a:noFill/>
+                      <a:prstDash val="solid"/>
+                      <a:round/>
+                      <a:headEnd type="none" w="med" len="med"/>
+                      <a:tailEnd type="none" w="med" len="med"/>
+                    </a:lnR>
+                    <a:lnT w="12700" cap="flat" cmpd="sng" algn="ctr">
+                      <a:noFill/>
+                      <a:prstDash val="solid"/>
+                      <a:round/>
+                      <a:headEnd type="none" w="med" len="med"/>
+                      <a:tailEnd type="none" w="med" len="med"/>
+                    </a:lnT>
+                    <a:lnB w="12700" cap="flat" cmpd="sng" algn="ctr">
+                      <a:solidFill>
+                        <a:schemeClr val="tx1"/>
+                      </a:solidFill>
+                      <a:prstDash val="solid"/>
+                      <a:round/>
+                      <a:headEnd type="none" w="med" len="med"/>
+                      <a:tailEnd type="none" w="med" len="med"/>
+                    </a:lnB>
+                    <a:lnTlToBr w="12700" cmpd="sng">
+                      <a:noFill/>
+                      <a:prstDash val="solid"/>
+                    </a:lnTlToBr>
+                    <a:lnBlToTr w="12700" cmpd="sng">
+                      <a:noFill/>
+                      <a:prstDash val="solid"/>
+                    </a:lnBlToTr>
+                    <a:noFill/>
+                  </a:tcPr>
+                </a:tc>
+              </a:tr>
+              <a:tr h="228600">
+                <a:tc>
+                  <a:txBody>
+                    <a:bodyPr/>
+                    <a:lstStyle/>
+                    <a:p>
+                      <a:pPr algn="ctr"/>
+                      <a:r>
+                        <a:rPr lang="de-CH" sz="1000" b="0" dirty="0" smtClean="0">
+                          <a:solidFill>
+                            <a:schemeClr val="tx1"/>
+                          </a:solidFill>
+                        </a:rPr>
+                        <a:t>Populate the «User» textbox</a:t>
+                      </a:r>
+                    </a:p>
+                    <a:p>
+                      <a:pPr algn="ctr"/>
+                      <a:r>
+                        <a:rPr lang="de-CH" sz="1000" b="0" dirty="0" smtClean="0">
+                          <a:solidFill>
+                            <a:schemeClr val="tx1"/>
+                          </a:solidFill>
+                        </a:rPr>
+                        <a:t>Retrive</a:t>
+                      </a:r>
+                      <a:r>
+                        <a:rPr lang="de-CH" sz="1000" b="0" baseline="0" dirty="0" smtClean="0">
+                          <a:solidFill>
+                            <a:schemeClr val="tx1"/>
+                          </a:solidFill>
+                        </a:rPr>
+                        <a:t> portfolio list from DB UserSchema</a:t>
+                      </a:r>
+                    </a:p>
+                    <a:p>
+                      <a:pPr algn="ctr"/>
+                      <a:r>
+                        <a:rPr lang="de-CH" sz="1000" b="0" baseline="0" dirty="0" smtClean="0">
+                          <a:solidFill>
+                            <a:schemeClr val="tx1"/>
+                          </a:solidFill>
+                        </a:rPr>
+                        <a:t>Populates «Portfolio» dropdown menu</a:t>
+                      </a:r>
+                      <a:endParaRPr lang="it-IT" sz="1000" b="0" dirty="0">
+                        <a:solidFill>
+                          <a:schemeClr val="tx1"/>
+                        </a:solidFill>
+                      </a:endParaRPr>
+                    </a:p>
+                  </a:txBody>
+                  <a:tcPr>
+                    <a:lnL w="12700" cap="flat" cmpd="sng" algn="ctr">
+                      <a:noFill/>
+                      <a:prstDash val="solid"/>
+                      <a:round/>
+                      <a:headEnd type="none" w="med" len="med"/>
+                      <a:tailEnd type="none" w="med" len="med"/>
+                    </a:lnL>
+                    <a:lnR w="12700" cap="flat" cmpd="sng" algn="ctr">
+                      <a:noFill/>
+                      <a:prstDash val="solid"/>
+                      <a:round/>
+                      <a:headEnd type="none" w="med" len="med"/>
+                      <a:tailEnd type="none" w="med" len="med"/>
+                    </a:lnR>
+                    <a:lnT w="12700" cap="flat" cmpd="sng" algn="ctr">
+                      <a:solidFill>
+                        <a:schemeClr val="tx1"/>
+                      </a:solidFill>
+                      <a:prstDash val="solid"/>
+                      <a:round/>
+                      <a:headEnd type="none" w="med" len="med"/>
+                      <a:tailEnd type="none" w="med" len="med"/>
+                    </a:lnT>
+                    <a:lnB w="12700" cap="flat" cmpd="sng" algn="ctr">
+                      <a:noFill/>
+                      <a:prstDash val="solid"/>
+                      <a:round/>
+                      <a:headEnd type="none" w="med" len="med"/>
+                      <a:tailEnd type="none" w="med" len="med"/>
+                    </a:lnB>
+                    <a:lnTlToBr w="12700" cmpd="sng">
+                      <a:noFill/>
+                      <a:prstDash val="solid"/>
+                    </a:lnTlToBr>
+                    <a:lnBlToTr w="12700" cmpd="sng">
+                      <a:noFill/>
+                      <a:prstDash val="solid"/>
+                    </a:lnBlToTr>
+                    <a:noFill/>
+                  </a:tcPr>
+                </a:tc>
+              </a:tr>
+            </a:tbl>
+          </a:graphicData>
+        </a:graphic>
+      </p:graphicFrame>
+      <p:graphicFrame>
+        <p:nvGraphicFramePr>
+          <p:cNvPr id="11" name="Table 10"/>
+          <p:cNvGraphicFramePr>
+            <a:graphicFrameLocks noGrp="1"/>
+          </p:cNvGraphicFramePr>
+          <p:nvPr>
+            <p:extLst>
+              <p:ext uri="{D42A27DB-BD31-4B8C-83A1-F6EECF244321}">
+                <p14:modId xmlns:p14="http://schemas.microsoft.com/office/powerpoint/2010/main" val="3487271806"/>
+              </p:ext>
+            </p:extLst>
+          </p:nvPr>
+        </p:nvGraphicFramePr>
+        <p:xfrm>
+          <a:off x="6161975" y="2895600"/>
+          <a:ext cx="2829625" cy="944880"/>
+        </p:xfrm>
+        <a:graphic>
+          <a:graphicData uri="http://schemas.openxmlformats.org/drawingml/2006/table">
+            <a:tbl>
+              <a:tblPr firstRow="1" bandRow="1">
+                <a:tableStyleId>{5C22544A-7EE6-4342-B048-85BDC9FD1C3A}</a:tableStyleId>
+              </a:tblPr>
+              <a:tblGrid>
+                <a:gridCol w="2829625"/>
+              </a:tblGrid>
+              <a:tr h="228600">
+                <a:tc>
+                  <a:txBody>
+                    <a:bodyPr/>
+                    <a:lstStyle/>
+                    <a:p>
+                      <a:pPr algn="ctr"/>
+                      <a:r>
+                        <a:rPr lang="de-CH" sz="1000" b="0" dirty="0" smtClean="0">
+                          <a:solidFill>
+                            <a:schemeClr val="tx1"/>
+                          </a:solidFill>
+                        </a:rPr>
+                        <a:t>Portfolio selected</a:t>
+                      </a:r>
+                      <a:endParaRPr lang="it-IT" sz="1000" b="0" dirty="0">
+                        <a:solidFill>
+                          <a:schemeClr val="tx1"/>
+                        </a:solidFill>
+                      </a:endParaRPr>
+                    </a:p>
+                  </a:txBody>
+                  <a:tcPr>
+                    <a:lnL w="12700" cap="flat" cmpd="sng" algn="ctr">
+                      <a:noFill/>
+                      <a:prstDash val="solid"/>
+                      <a:round/>
+                      <a:headEnd type="none" w="med" len="med"/>
+                      <a:tailEnd type="none" w="med" len="med"/>
+                    </a:lnL>
+                    <a:lnR w="12700" cap="flat" cmpd="sng" algn="ctr">
+                      <a:noFill/>
+                      <a:prstDash val="solid"/>
+                      <a:round/>
+                      <a:headEnd type="none" w="med" len="med"/>
+                      <a:tailEnd type="none" w="med" len="med"/>
+                    </a:lnR>
+                    <a:lnT w="12700" cap="flat" cmpd="sng" algn="ctr">
+                      <a:noFill/>
+                      <a:prstDash val="solid"/>
+                      <a:round/>
+                      <a:headEnd type="none" w="med" len="med"/>
+                      <a:tailEnd type="none" w="med" len="med"/>
+                    </a:lnT>
+                    <a:lnB w="12700" cap="flat" cmpd="sng" algn="ctr">
+                      <a:solidFill>
+                        <a:schemeClr val="tx1"/>
+                      </a:solidFill>
+                      <a:prstDash val="solid"/>
+                      <a:round/>
+                      <a:headEnd type="none" w="med" len="med"/>
+                      <a:tailEnd type="none" w="med" len="med"/>
+                    </a:lnB>
+                    <a:lnTlToBr w="12700" cmpd="sng">
+                      <a:noFill/>
+                      <a:prstDash val="solid"/>
+                    </a:lnTlToBr>
+                    <a:lnBlToTr w="12700" cmpd="sng">
+                      <a:noFill/>
+                      <a:prstDash val="solid"/>
+                    </a:lnBlToTr>
+                    <a:noFill/>
+                  </a:tcPr>
+                </a:tc>
+              </a:tr>
+              <a:tr h="228600">
+                <a:tc>
+                  <a:txBody>
+                    <a:bodyPr/>
+                    <a:lstStyle/>
+                    <a:p>
+                      <a:pPr marL="0" marR="0" indent="0" algn="ctr" defTabSz="914400" rtl="0" eaLnBrk="1" fontAlgn="auto" latinLnBrk="0" hangingPunct="1">
+                        <a:lnSpc>
+                          <a:spcPct val="100000"/>
+                        </a:lnSpc>
+                        <a:spcBef>
+                          <a:spcPts val="0"/>
+                        </a:spcBef>
+                        <a:spcAft>
+                          <a:spcPts val="0"/>
+                        </a:spcAft>
+                        <a:buClrTx/>
+                        <a:buSzTx/>
+                        <a:buFontTx/>
+                        <a:buNone/>
+                        <a:tabLst/>
+                        <a:defRPr/>
+                      </a:pPr>
+                      <a:r>
+                        <a:rPr lang="de-CH" sz="1000" b="0" dirty="0" smtClean="0">
+                          <a:solidFill>
+                            <a:schemeClr val="tx1"/>
+                          </a:solidFill>
+                        </a:rPr>
+                        <a:t>Retrieve Asset Classes from DB PortfolioSchema</a:t>
+                      </a:r>
+                    </a:p>
+                    <a:p>
+                      <a:pPr marL="0" marR="0" indent="0" algn="ctr" defTabSz="914400" rtl="0" eaLnBrk="1" fontAlgn="auto" latinLnBrk="0" hangingPunct="1">
+                        <a:lnSpc>
+                          <a:spcPct val="100000"/>
+                        </a:lnSpc>
+                        <a:spcBef>
+                          <a:spcPts val="0"/>
+                        </a:spcBef>
+                        <a:spcAft>
+                          <a:spcPts val="0"/>
+                        </a:spcAft>
+                        <a:buClrTx/>
+                        <a:buSzTx/>
+                        <a:buFontTx/>
+                        <a:buNone/>
+                        <a:tabLst/>
+                        <a:defRPr/>
+                      </a:pPr>
+                      <a:r>
+                        <a:rPr lang="de-CH" sz="1000" b="0" dirty="0" smtClean="0">
+                          <a:solidFill>
+                            <a:schemeClr val="tx1"/>
+                          </a:solidFill>
+                        </a:rPr>
+                        <a:t>Populate «Asset class» dropdown menu</a:t>
+                      </a:r>
+                    </a:p>
+                    <a:p>
+                      <a:pPr marL="0" marR="0" indent="0" algn="ctr" defTabSz="914400" rtl="0" eaLnBrk="1" fontAlgn="auto" latinLnBrk="0" hangingPunct="1">
+                        <a:lnSpc>
+                          <a:spcPct val="100000"/>
+                        </a:lnSpc>
+                        <a:spcBef>
+                          <a:spcPts val="0"/>
+                        </a:spcBef>
+                        <a:spcAft>
+                          <a:spcPts val="0"/>
+                        </a:spcAft>
+                        <a:buClrTx/>
+                        <a:buSzTx/>
+                        <a:buFontTx/>
+                        <a:buNone/>
+                        <a:tabLst/>
+                        <a:defRPr/>
+                      </a:pPr>
+                      <a:r>
+                        <a:rPr lang="de-CH" sz="1000" b="0" dirty="0" smtClean="0">
+                          <a:solidFill>
+                            <a:schemeClr val="tx1"/>
+                          </a:solidFill>
+                        </a:rPr>
+                        <a:t>Retrieve account/broker from DB PortfolioSchema</a:t>
+                      </a:r>
+                    </a:p>
+                    <a:p>
+                      <a:pPr marL="0" marR="0" indent="0" algn="ctr" defTabSz="914400" rtl="0" eaLnBrk="1" fontAlgn="auto" latinLnBrk="0" hangingPunct="1">
+                        <a:lnSpc>
+                          <a:spcPct val="100000"/>
+                        </a:lnSpc>
+                        <a:spcBef>
+                          <a:spcPts val="0"/>
+                        </a:spcBef>
+                        <a:spcAft>
+                          <a:spcPts val="0"/>
+                        </a:spcAft>
+                        <a:buClrTx/>
+                        <a:buSzTx/>
+                        <a:buFontTx/>
+                        <a:buNone/>
+                        <a:tabLst/>
+                        <a:defRPr/>
+                      </a:pPr>
+                      <a:r>
+                        <a:rPr lang="de-CH" sz="1000" b="0" dirty="0" smtClean="0">
+                          <a:solidFill>
+                            <a:schemeClr val="tx1"/>
+                          </a:solidFill>
+                        </a:rPr>
+                        <a:t>Populate «Broker» dropdown menu </a:t>
+                      </a:r>
+                      <a:endParaRPr lang="it-IT" sz="1000" b="0" dirty="0">
+                        <a:solidFill>
+                          <a:schemeClr val="tx1"/>
+                        </a:solidFill>
+                      </a:endParaRPr>
+                    </a:p>
+                  </a:txBody>
+                  <a:tcPr>
+                    <a:lnL w="12700" cap="flat" cmpd="sng" algn="ctr">
+                      <a:noFill/>
+                      <a:prstDash val="solid"/>
+                      <a:round/>
+                      <a:headEnd type="none" w="med" len="med"/>
+                      <a:tailEnd type="none" w="med" len="med"/>
+                    </a:lnL>
+                    <a:lnR w="12700" cap="flat" cmpd="sng" algn="ctr">
+                      <a:noFill/>
+                      <a:prstDash val="solid"/>
+                      <a:round/>
+                      <a:headEnd type="none" w="med" len="med"/>
+                      <a:tailEnd type="none" w="med" len="med"/>
+                    </a:lnR>
+                    <a:lnT w="12700" cap="flat" cmpd="sng" algn="ctr">
+                      <a:solidFill>
+                        <a:schemeClr val="tx1"/>
+                      </a:solidFill>
+                      <a:prstDash val="solid"/>
+                      <a:round/>
+                      <a:headEnd type="none" w="med" len="med"/>
+                      <a:tailEnd type="none" w="med" len="med"/>
+                    </a:lnT>
+                    <a:lnB w="12700" cap="flat" cmpd="sng" algn="ctr">
+                      <a:noFill/>
+                      <a:prstDash val="solid"/>
+                      <a:round/>
+                      <a:headEnd type="none" w="med" len="med"/>
+                      <a:tailEnd type="none" w="med" len="med"/>
+                    </a:lnB>
+                    <a:lnTlToBr w="12700" cmpd="sng">
+                      <a:noFill/>
+                      <a:prstDash val="solid"/>
+                    </a:lnTlToBr>
+                    <a:lnBlToTr w="12700" cmpd="sng">
+                      <a:noFill/>
+                      <a:prstDash val="solid"/>
+                    </a:lnBlToTr>
+                    <a:noFill/>
+                  </a:tcPr>
+                </a:tc>
+              </a:tr>
+            </a:tbl>
+          </a:graphicData>
+        </a:graphic>
+      </p:graphicFrame>
+      <p:graphicFrame>
+        <p:nvGraphicFramePr>
+          <p:cNvPr id="13" name="Table 12"/>
+          <p:cNvGraphicFramePr>
+            <a:graphicFrameLocks noGrp="1"/>
+          </p:cNvGraphicFramePr>
+          <p:nvPr>
+            <p:extLst>
+              <p:ext uri="{D42A27DB-BD31-4B8C-83A1-F6EECF244321}">
+                <p14:modId xmlns:p14="http://schemas.microsoft.com/office/powerpoint/2010/main" val="2617057227"/>
+              </p:ext>
+            </p:extLst>
+          </p:nvPr>
+        </p:nvGraphicFramePr>
+        <p:xfrm>
+          <a:off x="2819400" y="3429000"/>
+          <a:ext cx="2438400" cy="792480"/>
+        </p:xfrm>
+        <a:graphic>
+          <a:graphicData uri="http://schemas.openxmlformats.org/drawingml/2006/table">
+            <a:tbl>
+              <a:tblPr firstRow="1" bandRow="1">
+                <a:tableStyleId>{5C22544A-7EE6-4342-B048-85BDC9FD1C3A}</a:tableStyleId>
+              </a:tblPr>
+              <a:tblGrid>
+                <a:gridCol w="2438400"/>
+              </a:tblGrid>
+              <a:tr h="228600">
+                <a:tc>
+                  <a:txBody>
+                    <a:bodyPr/>
+                    <a:lstStyle/>
+                    <a:p>
+                      <a:pPr algn="ctr"/>
+                      <a:r>
+                        <a:rPr lang="de-CH" sz="1000" b="0" dirty="0" smtClean="0">
+                          <a:solidFill>
+                            <a:schemeClr val="tx1"/>
+                          </a:solidFill>
+                        </a:rPr>
+                        <a:t>Asset</a:t>
+                      </a:r>
+                      <a:r>
+                        <a:rPr lang="de-CH" sz="1000" b="0" baseline="0" dirty="0" smtClean="0">
+                          <a:solidFill>
+                            <a:schemeClr val="tx1"/>
+                          </a:solidFill>
+                        </a:rPr>
+                        <a:t> Class Selected</a:t>
+                      </a:r>
+                      <a:endParaRPr lang="it-IT" sz="1000" b="0" dirty="0">
+                        <a:solidFill>
+                          <a:schemeClr val="tx1"/>
+                        </a:solidFill>
+                      </a:endParaRPr>
+                    </a:p>
+                  </a:txBody>
+                  <a:tcPr>
+                    <a:lnL w="12700" cap="flat" cmpd="sng" algn="ctr">
+                      <a:noFill/>
+                      <a:prstDash val="solid"/>
+                      <a:round/>
+                      <a:headEnd type="none" w="med" len="med"/>
+                      <a:tailEnd type="none" w="med" len="med"/>
+                    </a:lnL>
+                    <a:lnR w="12700" cap="flat" cmpd="sng" algn="ctr">
+                      <a:noFill/>
+                      <a:prstDash val="solid"/>
+                      <a:round/>
+                      <a:headEnd type="none" w="med" len="med"/>
+                      <a:tailEnd type="none" w="med" len="med"/>
+                    </a:lnR>
+                    <a:lnT w="12700" cap="flat" cmpd="sng" algn="ctr">
+                      <a:noFill/>
+                      <a:prstDash val="solid"/>
+                      <a:round/>
+                      <a:headEnd type="none" w="med" len="med"/>
+                      <a:tailEnd type="none" w="med" len="med"/>
+                    </a:lnT>
+                    <a:lnB w="12700" cap="flat" cmpd="sng" algn="ctr">
+                      <a:solidFill>
+                        <a:schemeClr val="tx1"/>
+                      </a:solidFill>
+                      <a:prstDash val="solid"/>
+                      <a:round/>
+                      <a:headEnd type="none" w="med" len="med"/>
+                      <a:tailEnd type="none" w="med" len="med"/>
+                    </a:lnB>
+                    <a:lnTlToBr w="12700" cmpd="sng">
+                      <a:noFill/>
+                      <a:prstDash val="solid"/>
+                    </a:lnTlToBr>
+                    <a:lnBlToTr w="12700" cmpd="sng">
+                      <a:noFill/>
+                      <a:prstDash val="solid"/>
+                    </a:lnBlToTr>
+                    <a:noFill/>
+                  </a:tcPr>
+                </a:tc>
+              </a:tr>
+              <a:tr h="228600">
+                <a:tc>
+                  <a:txBody>
+                    <a:bodyPr/>
+                    <a:lstStyle/>
+                    <a:p>
+                      <a:pPr marL="0" marR="0" indent="0" algn="ctr" defTabSz="914400" rtl="0" eaLnBrk="1" fontAlgn="auto" latinLnBrk="0" hangingPunct="1">
+                        <a:lnSpc>
+                          <a:spcPct val="100000"/>
+                        </a:lnSpc>
+                        <a:spcBef>
+                          <a:spcPts val="0"/>
+                        </a:spcBef>
+                        <a:spcAft>
+                          <a:spcPts val="0"/>
+                        </a:spcAft>
+                        <a:buClrTx/>
+                        <a:buSzTx/>
+                        <a:buFontTx/>
+                        <a:buNone/>
+                        <a:tabLst/>
+                        <a:defRPr/>
+                      </a:pPr>
+                      <a:r>
+                        <a:rPr lang="de-CH" sz="1000" b="0" dirty="0" smtClean="0">
+                          <a:solidFill>
+                            <a:schemeClr val="tx1"/>
+                          </a:solidFill>
+                        </a:rPr>
+                        <a:t>Display all controls necessary to create an order according to the portfolio and asset class selection</a:t>
+                      </a:r>
+                      <a:endParaRPr lang="it-IT" sz="1000" b="0" dirty="0">
+                        <a:solidFill>
+                          <a:schemeClr val="tx1"/>
+                        </a:solidFill>
+                      </a:endParaRPr>
+                    </a:p>
+                  </a:txBody>
+                  <a:tcPr>
+                    <a:lnL w="12700" cap="flat" cmpd="sng" algn="ctr">
+                      <a:noFill/>
+                      <a:prstDash val="solid"/>
+                      <a:round/>
+                      <a:headEnd type="none" w="med" len="med"/>
+                      <a:tailEnd type="none" w="med" len="med"/>
+                    </a:lnL>
+                    <a:lnR w="12700" cap="flat" cmpd="sng" algn="ctr">
+                      <a:noFill/>
+                      <a:prstDash val="solid"/>
+                      <a:round/>
+                      <a:headEnd type="none" w="med" len="med"/>
+                      <a:tailEnd type="none" w="med" len="med"/>
+                    </a:lnR>
+                    <a:lnT w="12700" cap="flat" cmpd="sng" algn="ctr">
+                      <a:solidFill>
+                        <a:schemeClr val="tx1"/>
+                      </a:solidFill>
+                      <a:prstDash val="solid"/>
+                      <a:round/>
+                      <a:headEnd type="none" w="med" len="med"/>
+                      <a:tailEnd type="none" w="med" len="med"/>
+                    </a:lnT>
+                    <a:lnB w="12700" cap="flat" cmpd="sng" algn="ctr">
+                      <a:noFill/>
+                      <a:prstDash val="solid"/>
+                      <a:round/>
+                      <a:headEnd type="none" w="med" len="med"/>
+                      <a:tailEnd type="none" w="med" len="med"/>
+                    </a:lnB>
+                    <a:lnTlToBr w="12700" cmpd="sng">
+                      <a:noFill/>
+                      <a:prstDash val="solid"/>
+                    </a:lnTlToBr>
+                    <a:lnBlToTr w="12700" cmpd="sng">
+                      <a:noFill/>
+                      <a:prstDash val="solid"/>
+                    </a:lnBlToTr>
+                    <a:noFill/>
+                  </a:tcPr>
+                </a:tc>
+              </a:tr>
+            </a:tbl>
+          </a:graphicData>
+        </a:graphic>
+      </p:graphicFrame>
+      <p:cxnSp>
+        <p:nvCxnSpPr>
+          <p:cNvPr id="21" name="Straight Arrow Connector 20"/>
+          <p:cNvCxnSpPr>
+            <a:stCxn id="6" idx="4"/>
+            <a:endCxn id="7" idx="0"/>
+          </p:cNvCxnSpPr>
+          <p:nvPr/>
+        </p:nvCxnSpPr>
+        <p:spPr>
+          <a:xfrm flipH="1">
+            <a:off x="6081900" y="2895600"/>
+            <a:ext cx="3875" cy="990600"/>
+          </a:xfrm>
+          <a:prstGeom prst="straightConnector1">
+            <a:avLst/>
+          </a:prstGeom>
+          <a:ln>
+            <a:solidFill>
+              <a:schemeClr val="tx1"/>
+            </a:solidFill>
+            <a:tailEnd type="triangle"/>
+          </a:ln>
+        </p:spPr>
+        <p:style>
+          <a:lnRef idx="1">
+            <a:schemeClr val="accent1"/>
+          </a:lnRef>
+          <a:fillRef idx="0">
+            <a:schemeClr val="accent1"/>
+          </a:fillRef>
+          <a:effectRef idx="0">
+            <a:schemeClr val="accent1"/>
+          </a:effectRef>
+          <a:fontRef idx="minor">
+            <a:schemeClr val="tx1"/>
+          </a:fontRef>
+        </p:style>
+      </p:cxnSp>
+      <p:cxnSp>
+        <p:nvCxnSpPr>
+          <p:cNvPr id="33" name="Straight Arrow Connector 32"/>
+          <p:cNvCxnSpPr>
+            <a:endCxn id="5" idx="2"/>
+          </p:cNvCxnSpPr>
+          <p:nvPr/>
+        </p:nvCxnSpPr>
+        <p:spPr>
+          <a:xfrm>
+            <a:off x="609600" y="2590800"/>
+            <a:ext cx="533400" cy="0"/>
+          </a:xfrm>
+          <a:prstGeom prst="straightConnector1">
+            <a:avLst/>
+          </a:prstGeom>
+          <a:ln>
+            <a:solidFill>
+              <a:schemeClr val="tx1"/>
+            </a:solidFill>
+            <a:tailEnd type="triangle"/>
+          </a:ln>
+        </p:spPr>
+        <p:style>
+          <a:lnRef idx="1">
+            <a:schemeClr val="accent1"/>
+          </a:lnRef>
+          <a:fillRef idx="0">
+            <a:schemeClr val="accent1"/>
+          </a:fillRef>
+          <a:effectRef idx="0">
+            <a:schemeClr val="accent1"/>
+          </a:effectRef>
+          <a:fontRef idx="minor">
+            <a:schemeClr val="tx1"/>
+          </a:fontRef>
+        </p:style>
+      </p:cxnSp>
+      <p:cxnSp>
+        <p:nvCxnSpPr>
+          <p:cNvPr id="8" name="Curved Connector 7"/>
+          <p:cNvCxnSpPr>
+            <a:stCxn id="5" idx="1"/>
+            <a:endCxn id="5" idx="0"/>
+          </p:cNvCxnSpPr>
+          <p:nvPr/>
+        </p:nvCxnSpPr>
+        <p:spPr>
+          <a:xfrm rot="5400000" flipH="1" flipV="1">
+            <a:off x="1566325" y="2074700"/>
+            <a:ext cx="89274" cy="511875"/>
+          </a:xfrm>
+          <a:prstGeom prst="curvedConnector3">
+            <a:avLst>
+              <a:gd name="adj1" fmla="val 503629"/>
+            </a:avLst>
+          </a:prstGeom>
+          <a:ln>
+            <a:solidFill>
+              <a:schemeClr val="tx1"/>
+            </a:solidFill>
+            <a:tailEnd type="triangle"/>
+          </a:ln>
+        </p:spPr>
+        <p:style>
+          <a:lnRef idx="1">
+            <a:schemeClr val="accent1"/>
+          </a:lnRef>
+          <a:fillRef idx="0">
+            <a:schemeClr val="accent1"/>
+          </a:fillRef>
+          <a:effectRef idx="0">
+            <a:schemeClr val="accent1"/>
+          </a:effectRef>
+          <a:fontRef idx="minor">
+            <a:schemeClr val="tx1"/>
+          </a:fontRef>
+        </p:style>
+      </p:cxnSp>
+      <p:graphicFrame>
+        <p:nvGraphicFramePr>
+          <p:cNvPr id="18" name="Table 17"/>
+          <p:cNvGraphicFramePr>
+            <a:graphicFrameLocks noGrp="1"/>
+          </p:cNvGraphicFramePr>
+          <p:nvPr>
+            <p:extLst>
+              <p:ext uri="{D42A27DB-BD31-4B8C-83A1-F6EECF244321}">
+                <p14:modId xmlns:p14="http://schemas.microsoft.com/office/powerpoint/2010/main" val="3188673114"/>
+              </p:ext>
+            </p:extLst>
+          </p:nvPr>
+        </p:nvGraphicFramePr>
+        <p:xfrm>
+          <a:off x="876300" y="1447800"/>
+          <a:ext cx="1081221" cy="487680"/>
+        </p:xfrm>
+        <a:graphic>
+          <a:graphicData uri="http://schemas.openxmlformats.org/drawingml/2006/table">
+            <a:tbl>
+              <a:tblPr firstRow="1" bandRow="1">
+                <a:tableStyleId>{5C22544A-7EE6-4342-B048-85BDC9FD1C3A}</a:tableStyleId>
+              </a:tblPr>
+              <a:tblGrid>
+                <a:gridCol w="1081221"/>
+              </a:tblGrid>
+              <a:tr h="228600">
+                <a:tc>
+                  <a:txBody>
+                    <a:bodyPr/>
+                    <a:lstStyle/>
+                    <a:p>
+                      <a:pPr algn="ctr"/>
+                      <a:r>
+                        <a:rPr lang="de-CH" sz="1000" b="0" dirty="0" smtClean="0">
+                          <a:solidFill>
+                            <a:schemeClr val="tx1"/>
+                          </a:solidFill>
+                        </a:rPr>
+                        <a:t>Login rejected</a:t>
+                      </a:r>
+                      <a:endParaRPr lang="it-IT" sz="1000" b="0" dirty="0">
+                        <a:solidFill>
+                          <a:schemeClr val="tx1"/>
+                        </a:solidFill>
+                      </a:endParaRPr>
+                    </a:p>
+                  </a:txBody>
+                  <a:tcPr>
+                    <a:lnL w="12700" cap="flat" cmpd="sng" algn="ctr">
+                      <a:noFill/>
+                      <a:prstDash val="solid"/>
+                      <a:round/>
+                      <a:headEnd type="none" w="med" len="med"/>
+                      <a:tailEnd type="none" w="med" len="med"/>
+                    </a:lnL>
+                    <a:lnR w="12700" cap="flat" cmpd="sng" algn="ctr">
+                      <a:noFill/>
+                      <a:prstDash val="solid"/>
+                      <a:round/>
+                      <a:headEnd type="none" w="med" len="med"/>
+                      <a:tailEnd type="none" w="med" len="med"/>
+                    </a:lnR>
+                    <a:lnT w="12700" cap="flat" cmpd="sng" algn="ctr">
+                      <a:noFill/>
+                      <a:prstDash val="solid"/>
+                      <a:round/>
+                      <a:headEnd type="none" w="med" len="med"/>
+                      <a:tailEnd type="none" w="med" len="med"/>
+                    </a:lnT>
+                    <a:lnB w="12700" cap="flat" cmpd="sng" algn="ctr">
+                      <a:solidFill>
+                        <a:schemeClr val="tx1"/>
+                      </a:solidFill>
+                      <a:prstDash val="solid"/>
+                      <a:round/>
+                      <a:headEnd type="none" w="med" len="med"/>
+                      <a:tailEnd type="none" w="med" len="med"/>
+                    </a:lnB>
+                    <a:lnTlToBr w="12700" cmpd="sng">
+                      <a:noFill/>
+                      <a:prstDash val="solid"/>
+                    </a:lnTlToBr>
+                    <a:lnBlToTr w="12700" cmpd="sng">
+                      <a:noFill/>
+                      <a:prstDash val="solid"/>
+                    </a:lnBlToTr>
+                    <a:noFill/>
+                  </a:tcPr>
+                </a:tc>
+              </a:tr>
+              <a:tr h="228600">
+                <a:tc>
+                  <a:txBody>
+                    <a:bodyPr/>
+                    <a:lstStyle/>
+                    <a:p>
+                      <a:pPr algn="ctr"/>
+                      <a:r>
+                        <a:rPr lang="de-CH" sz="1000" b="0" dirty="0" smtClean="0">
+                          <a:solidFill>
+                            <a:schemeClr val="tx1"/>
+                          </a:solidFill>
+                        </a:rPr>
+                        <a:t>Emit</a:t>
+                      </a:r>
+                      <a:r>
+                        <a:rPr lang="de-CH" sz="1000" b="0" baseline="0" dirty="0" smtClean="0">
+                          <a:solidFill>
+                            <a:schemeClr val="tx1"/>
+                          </a:solidFill>
+                        </a:rPr>
+                        <a:t> a message</a:t>
+                      </a:r>
+                      <a:endParaRPr lang="it-IT" sz="1000" b="0" dirty="0">
+                        <a:solidFill>
+                          <a:schemeClr val="tx1"/>
+                        </a:solidFill>
+                      </a:endParaRPr>
+                    </a:p>
+                  </a:txBody>
+                  <a:tcPr>
+                    <a:lnL w="12700" cap="flat" cmpd="sng" algn="ctr">
+                      <a:noFill/>
+                      <a:prstDash val="solid"/>
+                      <a:round/>
+                      <a:headEnd type="none" w="med" len="med"/>
+                      <a:tailEnd type="none" w="med" len="med"/>
+                    </a:lnL>
+                    <a:lnR w="12700" cap="flat" cmpd="sng" algn="ctr">
+                      <a:noFill/>
+                      <a:prstDash val="solid"/>
+                      <a:round/>
+                      <a:headEnd type="none" w="med" len="med"/>
+                      <a:tailEnd type="none" w="med" len="med"/>
+                    </a:lnR>
+                    <a:lnT w="12700" cap="flat" cmpd="sng" algn="ctr">
+                      <a:solidFill>
+                        <a:schemeClr val="tx1"/>
+                      </a:solidFill>
+                      <a:prstDash val="solid"/>
+                      <a:round/>
+                      <a:headEnd type="none" w="med" len="med"/>
+                      <a:tailEnd type="none" w="med" len="med"/>
+                    </a:lnT>
+                    <a:lnB w="12700" cap="flat" cmpd="sng" algn="ctr">
+                      <a:noFill/>
+                      <a:prstDash val="solid"/>
+                      <a:round/>
+                      <a:headEnd type="none" w="med" len="med"/>
+                      <a:tailEnd type="none" w="med" len="med"/>
+                    </a:lnB>
+                    <a:lnTlToBr w="12700" cmpd="sng">
+                      <a:noFill/>
+                      <a:prstDash val="solid"/>
+                    </a:lnTlToBr>
+                    <a:lnBlToTr w="12700" cmpd="sng">
+                      <a:noFill/>
+                      <a:prstDash val="solid"/>
+                    </a:lnBlToTr>
+                    <a:noFill/>
+                  </a:tcPr>
+                </a:tc>
+              </a:tr>
+            </a:tbl>
+          </a:graphicData>
+        </a:graphic>
+      </p:graphicFrame>
+      <p:sp>
+        <p:nvSpPr>
+          <p:cNvPr id="24" name="Oval 23"/>
+          <p:cNvSpPr/>
+          <p:nvPr/>
+        </p:nvSpPr>
+        <p:spPr>
+          <a:xfrm>
+            <a:off x="876300" y="3886200"/>
+            <a:ext cx="1844298" cy="609600"/>
+          </a:xfrm>
+          <a:prstGeom prst="ellipse">
+            <a:avLst/>
+          </a:prstGeom>
+          <a:noFill/>
+          <a:ln>
+            <a:solidFill>
+              <a:schemeClr val="tx1"/>
+            </a:solidFill>
+          </a:ln>
+        </p:spPr>
+        <p:style>
+          <a:lnRef idx="2">
+            <a:schemeClr val="accent1">
+              <a:shade val="50000"/>
+            </a:schemeClr>
+          </a:lnRef>
+          <a:fillRef idx="1">
+            <a:schemeClr val="accent1"/>
+          </a:fillRef>
+          <a:effectRef idx="0">
+            <a:schemeClr val="accent1"/>
+          </a:effectRef>
+          <a:fontRef idx="minor">
+            <a:schemeClr val="lt1"/>
+          </a:fontRef>
+        </p:style>
+        <p:txBody>
+          <a:bodyPr rtlCol="0" anchor="ctr"/>
+          <a:lstStyle/>
+          <a:p>
+            <a:pPr algn="ctr"/>
+            <a:r>
+              <a:rPr lang="de-CH" sz="1000" dirty="0" smtClean="0">
+                <a:solidFill>
+                  <a:schemeClr val="tx1"/>
+                </a:solidFill>
+              </a:rPr>
+              <a:t>Wait for order proposal creation/amendation</a:t>
+            </a:r>
+            <a:endParaRPr lang="it-IT" sz="1000" dirty="0">
+              <a:solidFill>
+                <a:schemeClr val="tx1"/>
+              </a:solidFill>
+            </a:endParaRPr>
+          </a:p>
+        </p:txBody>
+      </p:sp>
+      <p:cxnSp>
+        <p:nvCxnSpPr>
+          <p:cNvPr id="23" name="Straight Arrow Connector 22"/>
+          <p:cNvCxnSpPr>
+            <a:stCxn id="7" idx="2"/>
+            <a:endCxn id="24" idx="6"/>
+          </p:cNvCxnSpPr>
+          <p:nvPr/>
+        </p:nvCxnSpPr>
+        <p:spPr>
+          <a:xfrm flipH="1">
+            <a:off x="2720598" y="4191000"/>
+            <a:ext cx="2561202" cy="0"/>
+          </a:xfrm>
+          <a:prstGeom prst="straightConnector1">
+            <a:avLst/>
+          </a:prstGeom>
+          <a:ln>
+            <a:solidFill>
+              <a:schemeClr val="tx1"/>
+            </a:solidFill>
+            <a:tailEnd type="triangle"/>
+          </a:ln>
+        </p:spPr>
+        <p:style>
+          <a:lnRef idx="1">
+            <a:schemeClr val="accent1"/>
+          </a:lnRef>
+          <a:fillRef idx="0">
+            <a:schemeClr val="accent1"/>
+          </a:fillRef>
+          <a:effectRef idx="0">
+            <a:schemeClr val="accent1"/>
+          </a:effectRef>
+          <a:fontRef idx="minor">
+            <a:schemeClr val="tx1"/>
+          </a:fontRef>
+        </p:style>
+      </p:cxnSp>
+      <p:cxnSp>
+        <p:nvCxnSpPr>
+          <p:cNvPr id="26" name="Straight Arrow Connector 25"/>
+          <p:cNvCxnSpPr>
+            <a:stCxn id="5" idx="6"/>
+            <a:endCxn id="6" idx="2"/>
+          </p:cNvCxnSpPr>
+          <p:nvPr/>
+        </p:nvCxnSpPr>
+        <p:spPr>
+          <a:xfrm>
+            <a:off x="2590800" y="2590800"/>
+            <a:ext cx="2771075" cy="0"/>
+          </a:xfrm>
+          <a:prstGeom prst="straightConnector1">
+            <a:avLst/>
+          </a:prstGeom>
+          <a:ln>
+            <a:solidFill>
+              <a:schemeClr val="tx1"/>
+            </a:solidFill>
+            <a:tailEnd type="triangle"/>
+          </a:ln>
+        </p:spPr>
+        <p:style>
+          <a:lnRef idx="1">
+            <a:schemeClr val="accent1"/>
+          </a:lnRef>
+          <a:fillRef idx="0">
+            <a:schemeClr val="accent1"/>
+          </a:fillRef>
+          <a:effectRef idx="0">
+            <a:schemeClr val="accent1"/>
+          </a:effectRef>
+          <a:fontRef idx="minor">
+            <a:schemeClr val="tx1"/>
+          </a:fontRef>
+        </p:style>
+      </p:cxnSp>
+      <p:graphicFrame>
+        <p:nvGraphicFramePr>
+          <p:cNvPr id="32" name="Table 31"/>
+          <p:cNvGraphicFramePr>
+            <a:graphicFrameLocks noGrp="1"/>
+          </p:cNvGraphicFramePr>
+          <p:nvPr>
+            <p:extLst>
+              <p:ext uri="{D42A27DB-BD31-4B8C-83A1-F6EECF244321}">
+                <p14:modId xmlns:p14="http://schemas.microsoft.com/office/powerpoint/2010/main" val="1146150211"/>
+              </p:ext>
+            </p:extLst>
+          </p:nvPr>
+        </p:nvGraphicFramePr>
+        <p:xfrm>
+          <a:off x="1005346" y="3200400"/>
+          <a:ext cx="1081221" cy="640080"/>
+        </p:xfrm>
+        <a:graphic>
+          <a:graphicData uri="http://schemas.openxmlformats.org/drawingml/2006/table">
+            <a:tbl>
+              <a:tblPr firstRow="1" bandRow="1">
+                <a:tableStyleId>{5C22544A-7EE6-4342-B048-85BDC9FD1C3A}</a:tableStyleId>
+              </a:tblPr>
+              <a:tblGrid>
+                <a:gridCol w="1081221"/>
+              </a:tblGrid>
+              <a:tr h="228600">
+                <a:tc>
+                  <a:txBody>
+                    <a:bodyPr/>
+                    <a:lstStyle/>
+                    <a:p>
+                      <a:pPr algn="ctr"/>
+                      <a:r>
+                        <a:rPr lang="de-CH" sz="1000" b="0" dirty="0" smtClean="0">
+                          <a:solidFill>
+                            <a:schemeClr val="tx1"/>
+                          </a:solidFill>
+                        </a:rPr>
+                        <a:t>Push BUY/SELL</a:t>
+                      </a:r>
+                    </a:p>
+                    <a:p>
+                      <a:pPr algn="ctr"/>
+                      <a:r>
+                        <a:rPr lang="de-CH" sz="1000" b="0" dirty="0" smtClean="0">
+                          <a:solidFill>
+                            <a:schemeClr val="tx1"/>
+                          </a:solidFill>
+                        </a:rPr>
+                        <a:t>Order rejected</a:t>
+                      </a:r>
+                      <a:endParaRPr lang="it-IT" sz="1000" b="0" dirty="0">
+                        <a:solidFill>
+                          <a:schemeClr val="tx1"/>
+                        </a:solidFill>
+                      </a:endParaRPr>
+                    </a:p>
+                  </a:txBody>
+                  <a:tcPr>
+                    <a:lnL w="12700" cap="flat" cmpd="sng" algn="ctr">
+                      <a:noFill/>
+                      <a:prstDash val="solid"/>
+                      <a:round/>
+                      <a:headEnd type="none" w="med" len="med"/>
+                      <a:tailEnd type="none" w="med" len="med"/>
+                    </a:lnL>
+                    <a:lnR w="12700" cap="flat" cmpd="sng" algn="ctr">
+                      <a:noFill/>
+                      <a:prstDash val="solid"/>
+                      <a:round/>
+                      <a:headEnd type="none" w="med" len="med"/>
+                      <a:tailEnd type="none" w="med" len="med"/>
+                    </a:lnR>
+                    <a:lnT w="12700" cap="flat" cmpd="sng" algn="ctr">
+                      <a:noFill/>
+                      <a:prstDash val="solid"/>
+                      <a:round/>
+                      <a:headEnd type="none" w="med" len="med"/>
+                      <a:tailEnd type="none" w="med" len="med"/>
+                    </a:lnT>
+                    <a:lnB w="12700" cap="flat" cmpd="sng" algn="ctr">
+                      <a:solidFill>
+                        <a:schemeClr val="tx1"/>
+                      </a:solidFill>
+                      <a:prstDash val="solid"/>
+                      <a:round/>
+                      <a:headEnd type="none" w="med" len="med"/>
+                      <a:tailEnd type="none" w="med" len="med"/>
+                    </a:lnB>
+                    <a:lnTlToBr w="12700" cmpd="sng">
+                      <a:noFill/>
+                      <a:prstDash val="solid"/>
+                    </a:lnTlToBr>
+                    <a:lnBlToTr w="12700" cmpd="sng">
+                      <a:noFill/>
+                      <a:prstDash val="solid"/>
+                    </a:lnBlToTr>
+                    <a:noFill/>
+                  </a:tcPr>
+                </a:tc>
+              </a:tr>
+              <a:tr h="228600">
+                <a:tc>
+                  <a:txBody>
+                    <a:bodyPr/>
+                    <a:lstStyle/>
+                    <a:p>
+                      <a:pPr algn="ctr"/>
+                      <a:r>
+                        <a:rPr lang="de-CH" sz="1000" b="0" dirty="0" smtClean="0">
+                          <a:solidFill>
+                            <a:schemeClr val="tx1"/>
+                          </a:solidFill>
+                        </a:rPr>
+                        <a:t>Emit</a:t>
+                      </a:r>
+                      <a:r>
+                        <a:rPr lang="de-CH" sz="1000" b="0" baseline="0" dirty="0" smtClean="0">
+                          <a:solidFill>
+                            <a:schemeClr val="tx1"/>
+                          </a:solidFill>
+                        </a:rPr>
+                        <a:t> a message</a:t>
+                      </a:r>
+                      <a:endParaRPr lang="it-IT" sz="1000" b="0" dirty="0">
+                        <a:solidFill>
+                          <a:schemeClr val="tx1"/>
+                        </a:solidFill>
+                      </a:endParaRPr>
+                    </a:p>
+                  </a:txBody>
+                  <a:tcPr>
+                    <a:lnL w="12700" cap="flat" cmpd="sng" algn="ctr">
+                      <a:noFill/>
+                      <a:prstDash val="solid"/>
+                      <a:round/>
+                      <a:headEnd type="none" w="med" len="med"/>
+                      <a:tailEnd type="none" w="med" len="med"/>
+                    </a:lnL>
+                    <a:lnR w="12700" cap="flat" cmpd="sng" algn="ctr">
+                      <a:noFill/>
+                      <a:prstDash val="solid"/>
+                      <a:round/>
+                      <a:headEnd type="none" w="med" len="med"/>
+                      <a:tailEnd type="none" w="med" len="med"/>
+                    </a:lnR>
+                    <a:lnT w="12700" cap="flat" cmpd="sng" algn="ctr">
+                      <a:solidFill>
+                        <a:schemeClr val="tx1"/>
+                      </a:solidFill>
+                      <a:prstDash val="solid"/>
+                      <a:round/>
+                      <a:headEnd type="none" w="med" len="med"/>
+                      <a:tailEnd type="none" w="med" len="med"/>
+                    </a:lnT>
+                    <a:lnB w="12700" cap="flat" cmpd="sng" algn="ctr">
+                      <a:noFill/>
+                      <a:prstDash val="solid"/>
+                      <a:round/>
+                      <a:headEnd type="none" w="med" len="med"/>
+                      <a:tailEnd type="none" w="med" len="med"/>
+                    </a:lnB>
+                    <a:lnTlToBr w="12700" cmpd="sng">
+                      <a:noFill/>
+                      <a:prstDash val="solid"/>
+                    </a:lnTlToBr>
+                    <a:lnBlToTr w="12700" cmpd="sng">
+                      <a:noFill/>
+                      <a:prstDash val="solid"/>
+                    </a:lnBlToTr>
+                    <a:noFill/>
+                  </a:tcPr>
+                </a:tc>
+              </a:tr>
+            </a:tbl>
+          </a:graphicData>
+        </a:graphic>
+      </p:graphicFrame>
+      <p:cxnSp>
+        <p:nvCxnSpPr>
+          <p:cNvPr id="34" name="Curved Connector 33"/>
+          <p:cNvCxnSpPr>
+            <a:stCxn id="24" idx="3"/>
+            <a:endCxn id="24" idx="1"/>
+          </p:cNvCxnSpPr>
+          <p:nvPr/>
+        </p:nvCxnSpPr>
+        <p:spPr>
+          <a:xfrm rot="5400000" flipH="1">
+            <a:off x="930865" y="4191000"/>
+            <a:ext cx="431052" cy="12700"/>
+          </a:xfrm>
+          <a:prstGeom prst="curvedConnector5">
+            <a:avLst>
+              <a:gd name="adj1" fmla="val -53033"/>
+              <a:gd name="adj2" fmla="val 3883465"/>
+              <a:gd name="adj3" fmla="val 153033"/>
+            </a:avLst>
+          </a:prstGeom>
+          <a:ln>
+            <a:solidFill>
+              <a:schemeClr val="tx1"/>
+            </a:solidFill>
+            <a:tailEnd type="triangle"/>
+          </a:ln>
+        </p:spPr>
+        <p:style>
+          <a:lnRef idx="1">
+            <a:schemeClr val="accent1"/>
+          </a:lnRef>
+          <a:fillRef idx="0">
+            <a:schemeClr val="accent1"/>
+          </a:fillRef>
+          <a:effectRef idx="0">
+            <a:schemeClr val="accent1"/>
+          </a:effectRef>
+          <a:fontRef idx="minor">
+            <a:schemeClr val="tx1"/>
+          </a:fontRef>
+        </p:style>
+      </p:cxnSp>
+      <p:sp>
+        <p:nvSpPr>
+          <p:cNvPr id="44" name="Oval 43"/>
+          <p:cNvSpPr/>
+          <p:nvPr/>
+        </p:nvSpPr>
+        <p:spPr>
+          <a:xfrm>
+            <a:off x="3079050" y="5638800"/>
+            <a:ext cx="1844298" cy="609600"/>
+          </a:xfrm>
+          <a:prstGeom prst="ellipse">
+            <a:avLst/>
+          </a:prstGeom>
+          <a:noFill/>
+          <a:ln>
+            <a:solidFill>
+              <a:schemeClr val="tx1"/>
+            </a:solidFill>
+          </a:ln>
+        </p:spPr>
+        <p:style>
+          <a:lnRef idx="2">
+            <a:schemeClr val="accent1">
+              <a:shade val="50000"/>
+            </a:schemeClr>
+          </a:lnRef>
+          <a:fillRef idx="1">
+            <a:schemeClr val="accent1"/>
+          </a:fillRef>
+          <a:effectRef idx="0">
+            <a:schemeClr val="accent1"/>
+          </a:effectRef>
+          <a:fontRef idx="minor">
+            <a:schemeClr val="lt1"/>
+          </a:fontRef>
+        </p:style>
+        <p:txBody>
+          <a:bodyPr rtlCol="0" anchor="ctr"/>
+          <a:lstStyle/>
+          <a:p>
+            <a:pPr algn="ctr"/>
+            <a:r>
+              <a:rPr lang="de-CH" sz="1000" dirty="0" smtClean="0">
+                <a:solidFill>
+                  <a:schemeClr val="tx1"/>
+                </a:solidFill>
+              </a:rPr>
+              <a:t>Wait for order proposal change</a:t>
+            </a:r>
+            <a:endParaRPr lang="it-IT" sz="1000" dirty="0">
+              <a:solidFill>
+                <a:schemeClr val="tx1"/>
+              </a:solidFill>
+            </a:endParaRPr>
+          </a:p>
+        </p:txBody>
+      </p:sp>
+      <p:graphicFrame>
+        <p:nvGraphicFramePr>
+          <p:cNvPr id="45" name="Table 44"/>
+          <p:cNvGraphicFramePr>
+            <a:graphicFrameLocks noGrp="1"/>
+          </p:cNvGraphicFramePr>
+          <p:nvPr>
+            <p:extLst>
+              <p:ext uri="{D42A27DB-BD31-4B8C-83A1-F6EECF244321}">
+                <p14:modId xmlns:p14="http://schemas.microsoft.com/office/powerpoint/2010/main" val="138214670"/>
+              </p:ext>
+            </p:extLst>
+          </p:nvPr>
+        </p:nvGraphicFramePr>
+        <p:xfrm>
+          <a:off x="2905258" y="4571999"/>
+          <a:ext cx="1081221" cy="792480"/>
+        </p:xfrm>
+        <a:graphic>
+          <a:graphicData uri="http://schemas.openxmlformats.org/drawingml/2006/table">
+            <a:tbl>
+              <a:tblPr firstRow="1" bandRow="1">
+                <a:tableStyleId>{5C22544A-7EE6-4342-B048-85BDC9FD1C3A}</a:tableStyleId>
+              </a:tblPr>
+              <a:tblGrid>
+                <a:gridCol w="1081221"/>
+              </a:tblGrid>
+              <a:tr h="228600">
+                <a:tc>
+                  <a:txBody>
+                    <a:bodyPr/>
+                    <a:lstStyle/>
+                    <a:p>
+                      <a:pPr algn="ctr"/>
+                      <a:r>
+                        <a:rPr lang="de-CH" sz="1000" b="0" dirty="0" smtClean="0">
+                          <a:solidFill>
+                            <a:schemeClr val="tx1"/>
+                          </a:solidFill>
+                        </a:rPr>
+                        <a:t>Push BUY/SELL</a:t>
+                      </a:r>
+                    </a:p>
+                    <a:p>
+                      <a:pPr algn="ctr"/>
+                      <a:r>
+                        <a:rPr lang="de-CH" sz="1000" b="0" dirty="0" smtClean="0">
+                          <a:solidFill>
+                            <a:schemeClr val="tx1"/>
+                          </a:solidFill>
+                        </a:rPr>
+                        <a:t>Order accepted</a:t>
+                      </a:r>
+                      <a:endParaRPr lang="it-IT" sz="1000" b="0" dirty="0">
+                        <a:solidFill>
+                          <a:schemeClr val="tx1"/>
+                        </a:solidFill>
+                      </a:endParaRPr>
+                    </a:p>
+                  </a:txBody>
+                  <a:tcPr>
+                    <a:lnL w="12700" cap="flat" cmpd="sng" algn="ctr">
+                      <a:noFill/>
+                      <a:prstDash val="solid"/>
+                      <a:round/>
+                      <a:headEnd type="none" w="med" len="med"/>
+                      <a:tailEnd type="none" w="med" len="med"/>
+                    </a:lnL>
+                    <a:lnR w="12700" cap="flat" cmpd="sng" algn="ctr">
+                      <a:noFill/>
+                      <a:prstDash val="solid"/>
+                      <a:round/>
+                      <a:headEnd type="none" w="med" len="med"/>
+                      <a:tailEnd type="none" w="med" len="med"/>
+                    </a:lnR>
+                    <a:lnT w="12700" cap="flat" cmpd="sng" algn="ctr">
+                      <a:noFill/>
+                      <a:prstDash val="solid"/>
+                      <a:round/>
+                      <a:headEnd type="none" w="med" len="med"/>
+                      <a:tailEnd type="none" w="med" len="med"/>
+                    </a:lnT>
+                    <a:lnB w="12700" cap="flat" cmpd="sng" algn="ctr">
+                      <a:solidFill>
+                        <a:schemeClr val="tx1"/>
+                      </a:solidFill>
+                      <a:prstDash val="solid"/>
+                      <a:round/>
+                      <a:headEnd type="none" w="med" len="med"/>
+                      <a:tailEnd type="none" w="med" len="med"/>
+                    </a:lnB>
+                    <a:lnTlToBr w="12700" cmpd="sng">
+                      <a:noFill/>
+                      <a:prstDash val="solid"/>
+                    </a:lnTlToBr>
+                    <a:lnBlToTr w="12700" cmpd="sng">
+                      <a:noFill/>
+                      <a:prstDash val="solid"/>
+                    </a:lnBlToTr>
+                    <a:noFill/>
+                  </a:tcPr>
+                </a:tc>
+              </a:tr>
+              <a:tr h="228600">
+                <a:tc>
+                  <a:txBody>
+                    <a:bodyPr/>
+                    <a:lstStyle/>
+                    <a:p>
+                      <a:pPr algn="ctr"/>
+                      <a:r>
+                        <a:rPr lang="de-CH" sz="1000" b="0" dirty="0" smtClean="0">
+                          <a:solidFill>
+                            <a:schemeClr val="tx1"/>
+                          </a:solidFill>
+                        </a:rPr>
+                        <a:t>Display it in the Blotter</a:t>
+                      </a:r>
+                      <a:endParaRPr lang="it-IT" sz="1000" b="0" dirty="0">
+                        <a:solidFill>
+                          <a:schemeClr val="tx1"/>
+                        </a:solidFill>
+                      </a:endParaRPr>
+                    </a:p>
+                  </a:txBody>
+                  <a:tcPr>
+                    <a:lnL w="12700" cap="flat" cmpd="sng" algn="ctr">
+                      <a:noFill/>
+                      <a:prstDash val="solid"/>
+                      <a:round/>
+                      <a:headEnd type="none" w="med" len="med"/>
+                      <a:tailEnd type="none" w="med" len="med"/>
+                    </a:lnL>
+                    <a:lnR w="12700" cap="flat" cmpd="sng" algn="ctr">
+                      <a:noFill/>
+                      <a:prstDash val="solid"/>
+                      <a:round/>
+                      <a:headEnd type="none" w="med" len="med"/>
+                      <a:tailEnd type="none" w="med" len="med"/>
+                    </a:lnR>
+                    <a:lnT w="12700" cap="flat" cmpd="sng" algn="ctr">
+                      <a:solidFill>
+                        <a:schemeClr val="tx1"/>
+                      </a:solidFill>
+                      <a:prstDash val="solid"/>
+                      <a:round/>
+                      <a:headEnd type="none" w="med" len="med"/>
+                      <a:tailEnd type="none" w="med" len="med"/>
+                    </a:lnT>
+                    <a:lnB w="12700" cap="flat" cmpd="sng" algn="ctr">
+                      <a:noFill/>
+                      <a:prstDash val="solid"/>
+                      <a:round/>
+                      <a:headEnd type="none" w="med" len="med"/>
+                      <a:tailEnd type="none" w="med" len="med"/>
+                    </a:lnB>
+                    <a:lnTlToBr w="12700" cmpd="sng">
+                      <a:noFill/>
+                      <a:prstDash val="solid"/>
+                    </a:lnTlToBr>
+                    <a:lnBlToTr w="12700" cmpd="sng">
+                      <a:noFill/>
+                      <a:prstDash val="solid"/>
+                    </a:lnBlToTr>
+                    <a:noFill/>
+                  </a:tcPr>
+                </a:tc>
+              </a:tr>
+            </a:tbl>
+          </a:graphicData>
+        </a:graphic>
+      </p:graphicFrame>
+      <p:graphicFrame>
+        <p:nvGraphicFramePr>
+          <p:cNvPr id="49" name="Table 48"/>
+          <p:cNvGraphicFramePr>
+            <a:graphicFrameLocks noGrp="1"/>
+          </p:cNvGraphicFramePr>
+          <p:nvPr>
+            <p:extLst>
+              <p:ext uri="{D42A27DB-BD31-4B8C-83A1-F6EECF244321}">
+                <p14:modId xmlns:p14="http://schemas.microsoft.com/office/powerpoint/2010/main" val="3117918939"/>
+              </p:ext>
+            </p:extLst>
+          </p:nvPr>
+        </p:nvGraphicFramePr>
+        <p:xfrm>
+          <a:off x="1610962" y="5052318"/>
+          <a:ext cx="1437038" cy="640080"/>
+        </p:xfrm>
+        <a:graphic>
+          <a:graphicData uri="http://schemas.openxmlformats.org/drawingml/2006/table">
+            <a:tbl>
+              <a:tblPr firstRow="1" bandRow="1">
+                <a:tableStyleId>{5C22544A-7EE6-4342-B048-85BDC9FD1C3A}</a:tableStyleId>
+              </a:tblPr>
+              <a:tblGrid>
+                <a:gridCol w="1437038"/>
+              </a:tblGrid>
+              <a:tr h="228600">
+                <a:tc>
+                  <a:txBody>
+                    <a:bodyPr/>
+                    <a:lstStyle/>
+                    <a:p>
+                      <a:pPr algn="ctr"/>
+                      <a:r>
+                        <a:rPr lang="de-CH" sz="1000" b="0" dirty="0" smtClean="0">
+                          <a:solidFill>
+                            <a:schemeClr val="tx1"/>
+                          </a:solidFill>
+                        </a:rPr>
+                        <a:t>Push «Remove» button</a:t>
+                      </a:r>
+                      <a:endParaRPr lang="it-IT" sz="1000" b="0" dirty="0">
+                        <a:solidFill>
+                          <a:schemeClr val="tx1"/>
+                        </a:solidFill>
+                      </a:endParaRPr>
+                    </a:p>
+                  </a:txBody>
+                  <a:tcPr>
+                    <a:lnL w="12700" cap="flat" cmpd="sng" algn="ctr">
+                      <a:noFill/>
+                      <a:prstDash val="solid"/>
+                      <a:round/>
+                      <a:headEnd type="none" w="med" len="med"/>
+                      <a:tailEnd type="none" w="med" len="med"/>
+                    </a:lnL>
+                    <a:lnR w="12700" cap="flat" cmpd="sng" algn="ctr">
+                      <a:noFill/>
+                      <a:prstDash val="solid"/>
+                      <a:round/>
+                      <a:headEnd type="none" w="med" len="med"/>
+                      <a:tailEnd type="none" w="med" len="med"/>
+                    </a:lnR>
+                    <a:lnT w="12700" cap="flat" cmpd="sng" algn="ctr">
+                      <a:noFill/>
+                      <a:prstDash val="solid"/>
+                      <a:round/>
+                      <a:headEnd type="none" w="med" len="med"/>
+                      <a:tailEnd type="none" w="med" len="med"/>
+                    </a:lnT>
+                    <a:lnB w="12700" cap="flat" cmpd="sng" algn="ctr">
+                      <a:solidFill>
+                        <a:schemeClr val="tx1"/>
+                      </a:solidFill>
+                      <a:prstDash val="solid"/>
+                      <a:round/>
+                      <a:headEnd type="none" w="med" len="med"/>
+                      <a:tailEnd type="none" w="med" len="med"/>
+                    </a:lnB>
+                    <a:lnTlToBr w="12700" cmpd="sng">
+                      <a:noFill/>
+                      <a:prstDash val="solid"/>
+                    </a:lnTlToBr>
+                    <a:lnBlToTr w="12700" cmpd="sng">
+                      <a:noFill/>
+                      <a:prstDash val="solid"/>
+                    </a:lnBlToTr>
+                    <a:noFill/>
+                  </a:tcPr>
+                </a:tc>
+              </a:tr>
+              <a:tr h="228600">
+                <a:tc>
+                  <a:txBody>
+                    <a:bodyPr/>
+                    <a:lstStyle/>
+                    <a:p>
+                      <a:pPr algn="ctr"/>
+                      <a:r>
+                        <a:rPr lang="de-CH" sz="1000" b="0" dirty="0" smtClean="0">
+                          <a:solidFill>
+                            <a:schemeClr val="tx1"/>
+                          </a:solidFill>
+                        </a:rPr>
+                        <a:t>Cancel the order</a:t>
+                      </a:r>
+                      <a:r>
+                        <a:rPr lang="de-CH" sz="1000" b="0" baseline="0" dirty="0" smtClean="0">
+                          <a:solidFill>
+                            <a:schemeClr val="tx1"/>
+                          </a:solidFill>
+                        </a:rPr>
+                        <a:t> from </a:t>
+                      </a:r>
+                      <a:r>
+                        <a:rPr lang="de-CH" sz="1000" b="0" dirty="0" smtClean="0">
+                          <a:solidFill>
+                            <a:schemeClr val="tx1"/>
+                          </a:solidFill>
+                        </a:rPr>
+                        <a:t>Blotter</a:t>
+                      </a:r>
+                      <a:endParaRPr lang="it-IT" sz="1000" b="0" dirty="0">
+                        <a:solidFill>
+                          <a:schemeClr val="tx1"/>
+                        </a:solidFill>
+                      </a:endParaRPr>
+                    </a:p>
+                  </a:txBody>
+                  <a:tcPr>
+                    <a:lnL w="12700" cap="flat" cmpd="sng" algn="ctr">
+                      <a:noFill/>
+                      <a:prstDash val="solid"/>
+                      <a:round/>
+                      <a:headEnd type="none" w="med" len="med"/>
+                      <a:tailEnd type="none" w="med" len="med"/>
+                    </a:lnL>
+                    <a:lnR w="12700" cap="flat" cmpd="sng" algn="ctr">
+                      <a:noFill/>
+                      <a:prstDash val="solid"/>
+                      <a:round/>
+                      <a:headEnd type="none" w="med" len="med"/>
+                      <a:tailEnd type="none" w="med" len="med"/>
+                    </a:lnR>
+                    <a:lnT w="12700" cap="flat" cmpd="sng" algn="ctr">
+                      <a:solidFill>
+                        <a:schemeClr val="tx1"/>
+                      </a:solidFill>
+                      <a:prstDash val="solid"/>
+                      <a:round/>
+                      <a:headEnd type="none" w="med" len="med"/>
+                      <a:tailEnd type="none" w="med" len="med"/>
+                    </a:lnT>
+                    <a:lnB w="12700" cap="flat" cmpd="sng" algn="ctr">
+                      <a:noFill/>
+                      <a:prstDash val="solid"/>
+                      <a:round/>
+                      <a:headEnd type="none" w="med" len="med"/>
+                      <a:tailEnd type="none" w="med" len="med"/>
+                    </a:lnB>
+                    <a:lnTlToBr w="12700" cmpd="sng">
+                      <a:noFill/>
+                      <a:prstDash val="solid"/>
+                    </a:lnTlToBr>
+                    <a:lnBlToTr w="12700" cmpd="sng">
+                      <a:noFill/>
+                      <a:prstDash val="solid"/>
+                    </a:lnBlToTr>
+                    <a:noFill/>
+                  </a:tcPr>
+                </a:tc>
+              </a:tr>
+            </a:tbl>
+          </a:graphicData>
+        </a:graphic>
+      </p:graphicFrame>
+      <p:graphicFrame>
+        <p:nvGraphicFramePr>
+          <p:cNvPr id="50" name="Table 49"/>
+          <p:cNvGraphicFramePr>
+            <a:graphicFrameLocks noGrp="1"/>
+          </p:cNvGraphicFramePr>
+          <p:nvPr>
+            <p:extLst>
+              <p:ext uri="{D42A27DB-BD31-4B8C-83A1-F6EECF244321}">
+                <p14:modId xmlns:p14="http://schemas.microsoft.com/office/powerpoint/2010/main" val="126655557"/>
+              </p:ext>
+            </p:extLst>
+          </p:nvPr>
+        </p:nvGraphicFramePr>
+        <p:xfrm>
+          <a:off x="718625" y="5699760"/>
+          <a:ext cx="1272798" cy="487680"/>
+        </p:xfrm>
+        <a:graphic>
+          <a:graphicData uri="http://schemas.openxmlformats.org/drawingml/2006/table">
+            <a:tbl>
+              <a:tblPr firstRow="1" bandRow="1">
+                <a:tableStyleId>{5C22544A-7EE6-4342-B048-85BDC9FD1C3A}</a:tableStyleId>
+              </a:tblPr>
+              <a:tblGrid>
+                <a:gridCol w="1272798"/>
+              </a:tblGrid>
+              <a:tr h="228600">
+                <a:tc>
+                  <a:txBody>
+                    <a:bodyPr/>
+                    <a:lstStyle/>
+                    <a:p>
+                      <a:pPr algn="ctr"/>
+                      <a:r>
+                        <a:rPr lang="de-CH" sz="1000" b="0" dirty="0" smtClean="0">
+                          <a:solidFill>
+                            <a:schemeClr val="tx1"/>
+                          </a:solidFill>
+                        </a:rPr>
+                        <a:t>Push «Edit» button</a:t>
+                      </a:r>
+                      <a:endParaRPr lang="it-IT" sz="1000" b="0" dirty="0">
+                        <a:solidFill>
+                          <a:schemeClr val="tx1"/>
+                        </a:solidFill>
+                      </a:endParaRPr>
+                    </a:p>
+                  </a:txBody>
+                  <a:tcPr>
+                    <a:lnL w="12700" cap="flat" cmpd="sng" algn="ctr">
+                      <a:noFill/>
+                      <a:prstDash val="solid"/>
+                      <a:round/>
+                      <a:headEnd type="none" w="med" len="med"/>
+                      <a:tailEnd type="none" w="med" len="med"/>
+                    </a:lnL>
+                    <a:lnR w="12700" cap="flat" cmpd="sng" algn="ctr">
+                      <a:noFill/>
+                      <a:prstDash val="solid"/>
+                      <a:round/>
+                      <a:headEnd type="none" w="med" len="med"/>
+                      <a:tailEnd type="none" w="med" len="med"/>
+                    </a:lnR>
+                    <a:lnT w="12700" cap="flat" cmpd="sng" algn="ctr">
+                      <a:noFill/>
+                      <a:prstDash val="solid"/>
+                      <a:round/>
+                      <a:headEnd type="none" w="med" len="med"/>
+                      <a:tailEnd type="none" w="med" len="med"/>
+                    </a:lnT>
+                    <a:lnB w="12700" cap="flat" cmpd="sng" algn="ctr">
+                      <a:solidFill>
+                        <a:schemeClr val="tx1"/>
+                      </a:solidFill>
+                      <a:prstDash val="solid"/>
+                      <a:round/>
+                      <a:headEnd type="none" w="med" len="med"/>
+                      <a:tailEnd type="none" w="med" len="med"/>
+                    </a:lnB>
+                    <a:lnTlToBr w="12700" cmpd="sng">
+                      <a:noFill/>
+                      <a:prstDash val="solid"/>
+                    </a:lnTlToBr>
+                    <a:lnBlToTr w="12700" cmpd="sng">
+                      <a:noFill/>
+                      <a:prstDash val="solid"/>
+                    </a:lnBlToTr>
+                    <a:noFill/>
+                  </a:tcPr>
+                </a:tc>
+              </a:tr>
+              <a:tr h="228600">
+                <a:tc>
+                  <a:txBody>
+                    <a:bodyPr/>
+                    <a:lstStyle/>
+                    <a:p>
+                      <a:pPr algn="ctr"/>
+                      <a:r>
+                        <a:rPr lang="de-CH" sz="1000" b="0" dirty="0" smtClean="0">
+                          <a:solidFill>
+                            <a:schemeClr val="tx1"/>
+                          </a:solidFill>
+                        </a:rPr>
+                        <a:t>Display edit mode</a:t>
+                      </a:r>
+                      <a:endParaRPr lang="it-IT" sz="1000" b="0" dirty="0">
+                        <a:solidFill>
+                          <a:schemeClr val="tx1"/>
+                        </a:solidFill>
+                      </a:endParaRPr>
+                    </a:p>
+                  </a:txBody>
+                  <a:tcPr>
+                    <a:lnL w="12700" cap="flat" cmpd="sng" algn="ctr">
+                      <a:noFill/>
+                      <a:prstDash val="solid"/>
+                      <a:round/>
+                      <a:headEnd type="none" w="med" len="med"/>
+                      <a:tailEnd type="none" w="med" len="med"/>
+                    </a:lnL>
+                    <a:lnR w="12700" cap="flat" cmpd="sng" algn="ctr">
+                      <a:noFill/>
+                      <a:prstDash val="solid"/>
+                      <a:round/>
+                      <a:headEnd type="none" w="med" len="med"/>
+                      <a:tailEnd type="none" w="med" len="med"/>
+                    </a:lnR>
+                    <a:lnT w="12700" cap="flat" cmpd="sng" algn="ctr">
+                      <a:solidFill>
+                        <a:schemeClr val="tx1"/>
+                      </a:solidFill>
+                      <a:prstDash val="solid"/>
+                      <a:round/>
+                      <a:headEnd type="none" w="med" len="med"/>
+                      <a:tailEnd type="none" w="med" len="med"/>
+                    </a:lnT>
+                    <a:lnB w="12700" cap="flat" cmpd="sng" algn="ctr">
+                      <a:noFill/>
+                      <a:prstDash val="solid"/>
+                      <a:round/>
+                      <a:headEnd type="none" w="med" len="med"/>
+                      <a:tailEnd type="none" w="med" len="med"/>
+                    </a:lnB>
+                    <a:lnTlToBr w="12700" cmpd="sng">
+                      <a:noFill/>
+                      <a:prstDash val="solid"/>
+                    </a:lnTlToBr>
+                    <a:lnBlToTr w="12700" cmpd="sng">
+                      <a:noFill/>
+                      <a:prstDash val="solid"/>
+                    </a:lnBlToTr>
+                    <a:noFill/>
+                  </a:tcPr>
+                </a:tc>
+              </a:tr>
+            </a:tbl>
+          </a:graphicData>
+        </a:graphic>
+      </p:graphicFrame>
+      <p:cxnSp>
+        <p:nvCxnSpPr>
+          <p:cNvPr id="52" name="Curved Connector 51"/>
+          <p:cNvCxnSpPr>
+            <a:stCxn id="24" idx="5"/>
+            <a:endCxn id="45" idx="0"/>
+          </p:cNvCxnSpPr>
+          <p:nvPr/>
+        </p:nvCxnSpPr>
+        <p:spPr>
+          <a:xfrm rot="16200000" flipH="1">
+            <a:off x="2865451" y="3991581"/>
+            <a:ext cx="165473" cy="995361"/>
+          </a:xfrm>
+          <a:prstGeom prst="curvedConnector3">
+            <a:avLst/>
+          </a:prstGeom>
+          <a:ln>
+            <a:solidFill>
+              <a:schemeClr val="tx1"/>
+            </a:solidFill>
+          </a:ln>
+        </p:spPr>
+        <p:style>
+          <a:lnRef idx="1">
+            <a:schemeClr val="accent1"/>
+          </a:lnRef>
+          <a:fillRef idx="0">
+            <a:schemeClr val="accent1"/>
+          </a:fillRef>
+          <a:effectRef idx="0">
+            <a:schemeClr val="accent1"/>
+          </a:effectRef>
+          <a:fontRef idx="minor">
+            <a:schemeClr val="tx1"/>
+          </a:fontRef>
+        </p:style>
+      </p:cxnSp>
+      <p:cxnSp>
+        <p:nvCxnSpPr>
+          <p:cNvPr id="54" name="Curved Connector 53"/>
+          <p:cNvCxnSpPr>
+            <a:stCxn id="45" idx="2"/>
+            <a:endCxn id="44" idx="0"/>
+          </p:cNvCxnSpPr>
+          <p:nvPr/>
+        </p:nvCxnSpPr>
+        <p:spPr>
+          <a:xfrm rot="16200000" flipH="1">
+            <a:off x="3586373" y="5223973"/>
+            <a:ext cx="274321" cy="555331"/>
+          </a:xfrm>
+          <a:prstGeom prst="curvedConnector3">
+            <a:avLst>
+              <a:gd name="adj1" fmla="val 50000"/>
+            </a:avLst>
+          </a:prstGeom>
+          <a:ln>
+            <a:solidFill>
+              <a:schemeClr val="tx1"/>
+            </a:solidFill>
+            <a:tailEnd type="triangle"/>
+          </a:ln>
+        </p:spPr>
+        <p:style>
+          <a:lnRef idx="1">
+            <a:schemeClr val="accent1"/>
+          </a:lnRef>
+          <a:fillRef idx="0">
+            <a:schemeClr val="accent1"/>
+          </a:fillRef>
+          <a:effectRef idx="0">
+            <a:schemeClr val="accent1"/>
+          </a:effectRef>
+          <a:fontRef idx="minor">
+            <a:schemeClr val="tx1"/>
+          </a:fontRef>
+        </p:style>
+      </p:cxnSp>
+      <p:cxnSp>
+        <p:nvCxnSpPr>
+          <p:cNvPr id="57" name="Curved Connector 56"/>
+          <p:cNvCxnSpPr>
+            <a:stCxn id="44" idx="2"/>
+            <a:endCxn id="49" idx="2"/>
+          </p:cNvCxnSpPr>
+          <p:nvPr/>
+        </p:nvCxnSpPr>
+        <p:spPr>
+          <a:xfrm rot="10800000">
+            <a:off x="2329482" y="5692398"/>
+            <a:ext cx="749569" cy="251202"/>
+          </a:xfrm>
+          <a:prstGeom prst="curvedConnector2">
+            <a:avLst/>
+          </a:prstGeom>
+          <a:ln>
+            <a:solidFill>
+              <a:schemeClr val="tx1"/>
+            </a:solidFill>
+          </a:ln>
+        </p:spPr>
+        <p:style>
+          <a:lnRef idx="1">
+            <a:schemeClr val="accent1"/>
+          </a:lnRef>
+          <a:fillRef idx="0">
+            <a:schemeClr val="accent1"/>
+          </a:fillRef>
+          <a:effectRef idx="0">
+            <a:schemeClr val="accent1"/>
+          </a:effectRef>
+          <a:fontRef idx="minor">
+            <a:schemeClr val="tx1"/>
+          </a:fontRef>
+        </p:style>
+      </p:cxnSp>
+      <p:cxnSp>
+        <p:nvCxnSpPr>
+          <p:cNvPr id="59" name="Curved Connector 58"/>
+          <p:cNvCxnSpPr>
+            <a:stCxn id="49" idx="0"/>
+            <a:endCxn id="24" idx="4"/>
+          </p:cNvCxnSpPr>
+          <p:nvPr/>
+        </p:nvCxnSpPr>
+        <p:spPr>
+          <a:xfrm rot="16200000" flipV="1">
+            <a:off x="1785706" y="4508543"/>
+            <a:ext cx="556518" cy="531032"/>
+          </a:xfrm>
+          <a:prstGeom prst="curvedConnector3">
+            <a:avLst/>
+          </a:prstGeom>
+          <a:ln>
+            <a:solidFill>
+              <a:schemeClr val="tx1"/>
+            </a:solidFill>
+            <a:tailEnd type="triangle"/>
+          </a:ln>
+        </p:spPr>
+        <p:style>
+          <a:lnRef idx="1">
+            <a:schemeClr val="accent1"/>
+          </a:lnRef>
+          <a:fillRef idx="0">
+            <a:schemeClr val="accent1"/>
+          </a:fillRef>
+          <a:effectRef idx="0">
+            <a:schemeClr val="accent1"/>
+          </a:effectRef>
+          <a:fontRef idx="minor">
+            <a:schemeClr val="tx1"/>
+          </a:fontRef>
+        </p:style>
+      </p:cxnSp>
+      <p:cxnSp>
+        <p:nvCxnSpPr>
+          <p:cNvPr id="62" name="Curved Connector 61"/>
+          <p:cNvCxnSpPr>
+            <a:stCxn id="44" idx="3"/>
+            <a:endCxn id="50" idx="2"/>
+          </p:cNvCxnSpPr>
+          <p:nvPr/>
+        </p:nvCxnSpPr>
+        <p:spPr>
+          <a:xfrm rot="5400000">
+            <a:off x="2337926" y="5176225"/>
+            <a:ext cx="28314" cy="1994117"/>
+          </a:xfrm>
+          <a:prstGeom prst="curvedConnector3">
+            <a:avLst>
+              <a:gd name="adj1" fmla="val 1122674"/>
+            </a:avLst>
+          </a:prstGeom>
+          <a:ln>
+            <a:solidFill>
+              <a:schemeClr val="tx1"/>
+            </a:solidFill>
+          </a:ln>
+        </p:spPr>
+        <p:style>
+          <a:lnRef idx="1">
+            <a:schemeClr val="accent1"/>
+          </a:lnRef>
+          <a:fillRef idx="0">
+            <a:schemeClr val="accent1"/>
+          </a:fillRef>
+          <a:effectRef idx="0">
+            <a:schemeClr val="accent1"/>
+          </a:effectRef>
+          <a:fontRef idx="minor">
+            <a:schemeClr val="tx1"/>
+          </a:fontRef>
+        </p:style>
+      </p:cxnSp>
+      <p:cxnSp>
+        <p:nvCxnSpPr>
+          <p:cNvPr id="68" name="Straight Arrow Connector 67"/>
+          <p:cNvCxnSpPr>
+            <a:stCxn id="50" idx="0"/>
+          </p:cNvCxnSpPr>
+          <p:nvPr/>
+        </p:nvCxnSpPr>
+        <p:spPr>
+          <a:xfrm flipV="1">
+            <a:off x="1355024" y="4489262"/>
+            <a:ext cx="0" cy="1210498"/>
+          </a:xfrm>
+          <a:prstGeom prst="straightConnector1">
+            <a:avLst/>
+          </a:prstGeom>
+          <a:ln>
+            <a:solidFill>
+              <a:schemeClr val="tx1"/>
+            </a:solidFill>
+            <a:tailEnd type="triangle"/>
+          </a:ln>
+        </p:spPr>
+        <p:style>
+          <a:lnRef idx="1">
+            <a:schemeClr val="accent1"/>
+          </a:lnRef>
+          <a:fillRef idx="0">
+            <a:schemeClr val="accent1"/>
+          </a:fillRef>
+          <a:effectRef idx="0">
+            <a:schemeClr val="accent1"/>
+          </a:effectRef>
+          <a:fontRef idx="minor">
+            <a:schemeClr val="tx1"/>
+          </a:fontRef>
+        </p:style>
+      </p:cxnSp>
+      <p:graphicFrame>
+        <p:nvGraphicFramePr>
+          <p:cNvPr id="71" name="Table 70"/>
+          <p:cNvGraphicFramePr>
+            <a:graphicFrameLocks noGrp="1"/>
+          </p:cNvGraphicFramePr>
+          <p:nvPr>
+            <p:extLst>
+              <p:ext uri="{D42A27DB-BD31-4B8C-83A1-F6EECF244321}">
+                <p14:modId xmlns:p14="http://schemas.microsoft.com/office/powerpoint/2010/main" val="2370056511"/>
+              </p:ext>
+            </p:extLst>
+          </p:nvPr>
+        </p:nvGraphicFramePr>
+        <p:xfrm>
+          <a:off x="5791200" y="5547360"/>
+          <a:ext cx="1665638" cy="792480"/>
+        </p:xfrm>
+        <a:graphic>
+          <a:graphicData uri="http://schemas.openxmlformats.org/drawingml/2006/table">
+            <a:tbl>
+              <a:tblPr firstRow="1" bandRow="1">
+                <a:tableStyleId>{5C22544A-7EE6-4342-B048-85BDC9FD1C3A}</a:tableStyleId>
+              </a:tblPr>
+              <a:tblGrid>
+                <a:gridCol w="1665638"/>
+              </a:tblGrid>
+              <a:tr h="228600">
+                <a:tc>
+                  <a:txBody>
+                    <a:bodyPr/>
+                    <a:lstStyle/>
+                    <a:p>
+                      <a:pPr algn="ctr"/>
+                      <a:r>
+                        <a:rPr lang="de-CH" sz="1000" b="0" dirty="0" smtClean="0">
+                          <a:solidFill>
+                            <a:schemeClr val="tx1"/>
+                          </a:solidFill>
+                        </a:rPr>
+                        <a:t>Push «Send» button</a:t>
+                      </a:r>
+                      <a:endParaRPr lang="it-IT" sz="1000" b="0" dirty="0">
+                        <a:solidFill>
+                          <a:schemeClr val="tx1"/>
+                        </a:solidFill>
+                      </a:endParaRPr>
+                    </a:p>
+                  </a:txBody>
+                  <a:tcPr>
+                    <a:lnL w="12700" cap="flat" cmpd="sng" algn="ctr">
+                      <a:noFill/>
+                      <a:prstDash val="solid"/>
+                      <a:round/>
+                      <a:headEnd type="none" w="med" len="med"/>
+                      <a:tailEnd type="none" w="med" len="med"/>
+                    </a:lnL>
+                    <a:lnR w="12700" cap="flat" cmpd="sng" algn="ctr">
+                      <a:noFill/>
+                      <a:prstDash val="solid"/>
+                      <a:round/>
+                      <a:headEnd type="none" w="med" len="med"/>
+                      <a:tailEnd type="none" w="med" len="med"/>
+                    </a:lnR>
+                    <a:lnT w="12700" cap="flat" cmpd="sng" algn="ctr">
+                      <a:noFill/>
+                      <a:prstDash val="solid"/>
+                      <a:round/>
+                      <a:headEnd type="none" w="med" len="med"/>
+                      <a:tailEnd type="none" w="med" len="med"/>
+                    </a:lnT>
+                    <a:lnB w="12700" cap="flat" cmpd="sng" algn="ctr">
+                      <a:solidFill>
+                        <a:schemeClr val="tx1"/>
+                      </a:solidFill>
+                      <a:prstDash val="solid"/>
+                      <a:round/>
+                      <a:headEnd type="none" w="med" len="med"/>
+                      <a:tailEnd type="none" w="med" len="med"/>
+                    </a:lnB>
+                    <a:lnTlToBr w="12700" cmpd="sng">
+                      <a:noFill/>
+                      <a:prstDash val="solid"/>
+                    </a:lnTlToBr>
+                    <a:lnBlToTr w="12700" cmpd="sng">
+                      <a:noFill/>
+                      <a:prstDash val="solid"/>
+                    </a:lnBlToTr>
+                    <a:noFill/>
+                  </a:tcPr>
+                </a:tc>
+              </a:tr>
+              <a:tr h="228600">
+                <a:tc>
+                  <a:txBody>
+                    <a:bodyPr/>
+                    <a:lstStyle/>
+                    <a:p>
+                      <a:pPr algn="ctr"/>
+                      <a:r>
+                        <a:rPr lang="de-CH" sz="1000" b="0" dirty="0" smtClean="0">
+                          <a:solidFill>
+                            <a:schemeClr val="tx1"/>
+                          </a:solidFill>
+                        </a:rPr>
+                        <a:t>Send order to the server</a:t>
+                      </a:r>
+                    </a:p>
+                    <a:p>
+                      <a:pPr algn="ctr"/>
+                      <a:r>
+                        <a:rPr lang="de-CH" sz="1000" b="0" dirty="0" smtClean="0">
+                          <a:solidFill>
+                            <a:schemeClr val="tx1"/>
+                          </a:solidFill>
+                        </a:rPr>
+                        <a:t>Cancel the order</a:t>
+                      </a:r>
+                      <a:r>
+                        <a:rPr lang="de-CH" sz="1000" b="0" baseline="0" dirty="0" smtClean="0">
+                          <a:solidFill>
+                            <a:schemeClr val="tx1"/>
+                          </a:solidFill>
+                        </a:rPr>
+                        <a:t> from </a:t>
+                      </a:r>
+                      <a:r>
+                        <a:rPr lang="de-CH" sz="1000" b="0" dirty="0" smtClean="0">
+                          <a:solidFill>
+                            <a:schemeClr val="tx1"/>
+                          </a:solidFill>
+                        </a:rPr>
+                        <a:t>Builder/Order</a:t>
+                      </a:r>
+                      <a:endParaRPr lang="it-IT" sz="1000" b="0" dirty="0">
+                        <a:solidFill>
+                          <a:schemeClr val="tx1"/>
+                        </a:solidFill>
+                      </a:endParaRPr>
+                    </a:p>
+                  </a:txBody>
+                  <a:tcPr>
+                    <a:lnL w="12700" cap="flat" cmpd="sng" algn="ctr">
+                      <a:noFill/>
+                      <a:prstDash val="solid"/>
+                      <a:round/>
+                      <a:headEnd type="none" w="med" len="med"/>
+                      <a:tailEnd type="none" w="med" len="med"/>
+                    </a:lnL>
+                    <a:lnR w="12700" cap="flat" cmpd="sng" algn="ctr">
+                      <a:noFill/>
+                      <a:prstDash val="solid"/>
+                      <a:round/>
+                      <a:headEnd type="none" w="med" len="med"/>
+                      <a:tailEnd type="none" w="med" len="med"/>
+                    </a:lnR>
+                    <a:lnT w="12700" cap="flat" cmpd="sng" algn="ctr">
+                      <a:solidFill>
+                        <a:schemeClr val="tx1"/>
+                      </a:solidFill>
+                      <a:prstDash val="solid"/>
+                      <a:round/>
+                      <a:headEnd type="none" w="med" len="med"/>
+                      <a:tailEnd type="none" w="med" len="med"/>
+                    </a:lnT>
+                    <a:lnB w="12700" cap="flat" cmpd="sng" algn="ctr">
+                      <a:noFill/>
+                      <a:prstDash val="solid"/>
+                      <a:round/>
+                      <a:headEnd type="none" w="med" len="med"/>
+                      <a:tailEnd type="none" w="med" len="med"/>
+                    </a:lnB>
+                    <a:lnTlToBr w="12700" cmpd="sng">
+                      <a:noFill/>
+                      <a:prstDash val="solid"/>
+                    </a:lnTlToBr>
+                    <a:lnBlToTr w="12700" cmpd="sng">
+                      <a:noFill/>
+                      <a:prstDash val="solid"/>
+                    </a:lnBlToTr>
+                    <a:noFill/>
+                  </a:tcPr>
+                </a:tc>
+              </a:tr>
+            </a:tbl>
+          </a:graphicData>
+        </a:graphic>
+      </p:graphicFrame>
+      <p:cxnSp>
+        <p:nvCxnSpPr>
+          <p:cNvPr id="74" name="Straight Arrow Connector 73"/>
+          <p:cNvCxnSpPr>
+            <a:stCxn id="44" idx="6"/>
+            <a:endCxn id="71" idx="1"/>
+          </p:cNvCxnSpPr>
+          <p:nvPr/>
+        </p:nvCxnSpPr>
+        <p:spPr>
+          <a:xfrm>
+            <a:off x="4923348" y="5943600"/>
+            <a:ext cx="867852" cy="0"/>
+          </a:xfrm>
+          <a:prstGeom prst="straightConnector1">
+            <a:avLst/>
+          </a:prstGeom>
+          <a:ln>
+            <a:solidFill>
+              <a:schemeClr val="tx1"/>
+            </a:solidFill>
+            <a:tailEnd type="triangle"/>
+          </a:ln>
+        </p:spPr>
+        <p:style>
+          <a:lnRef idx="1">
+            <a:schemeClr val="accent1"/>
+          </a:lnRef>
+          <a:fillRef idx="0">
+            <a:schemeClr val="accent1"/>
+          </a:fillRef>
+          <a:effectRef idx="0">
+            <a:schemeClr val="accent1"/>
+          </a:effectRef>
+          <a:fontRef idx="minor">
+            <a:schemeClr val="tx1"/>
+          </a:fontRef>
+        </p:style>
+      </p:cxnSp>
+      <p:cxnSp>
+        <p:nvCxnSpPr>
+          <p:cNvPr id="76" name="Straight Arrow Connector 75"/>
+          <p:cNvCxnSpPr/>
+          <p:nvPr/>
+        </p:nvCxnSpPr>
+        <p:spPr>
+          <a:xfrm>
+            <a:off x="7543800" y="5943600"/>
+            <a:ext cx="990600" cy="0"/>
+          </a:xfrm>
+          <a:prstGeom prst="straightConnector1">
+            <a:avLst/>
+          </a:prstGeom>
+          <a:ln>
+            <a:solidFill>
+              <a:schemeClr val="tx1"/>
+            </a:solidFill>
+            <a:tailEnd type="triangle"/>
+          </a:ln>
+        </p:spPr>
+        <p:style>
+          <a:lnRef idx="1">
+            <a:schemeClr val="accent1"/>
+          </a:lnRef>
+          <a:fillRef idx="0">
+            <a:schemeClr val="accent1"/>
+          </a:fillRef>
+          <a:effectRef idx="0">
+            <a:schemeClr val="accent1"/>
+          </a:effectRef>
+          <a:fontRef idx="minor">
+            <a:schemeClr val="tx1"/>
+          </a:fontRef>
+        </p:style>
+      </p:cxnSp>
+    </p:spTree>
+    <p:extLst>
+      <p:ext uri="{BB962C8B-B14F-4D97-AF65-F5344CB8AC3E}">
+        <p14:creationId xmlns:p14="http://schemas.microsoft.com/office/powerpoint/2010/main" val="1201217433"/>
+      </p:ext>
+    </p:extLst>
+  </p:cSld>
+  <p:clrMapOvr>
+    <a:masterClrMapping/>
+  </p:clrMapOvr>
+</p:sld>
+</file>
+
+<file path=ppt/slides/slide5.xml><?xml version="1.0" encoding="utf-8"?>
+<p:sld xmlns:a="http://schemas.openxmlformats.org/drawingml/2006/main" xmlns:r="http://schemas.openxmlformats.org/officeDocument/2006/relationships" xmlns:p="http://schemas.openxmlformats.org/presentationml/2006/main">
+  <p:cSld>
+    <p:spTree>
+      <p:nvGrpSpPr>
+        <p:cNvPr id="1" name=""/>
+        <p:cNvGrpSpPr/>
+        <p:nvPr/>
+      </p:nvGrpSpPr>
+      <p:grpSpPr>
+        <a:xfrm>
+          <a:off x="0" y="0"/>
+          <a:ext cx="0" cy="0"/>
+          <a:chOff x="0" y="0"/>
+          <a:chExt cx="0" cy="0"/>
+        </a:xfrm>
+      </p:grpSpPr>
+      <p:sp>
+        <p:nvSpPr>
+          <p:cNvPr id="2" name="Title 1"/>
+          <p:cNvSpPr>
+            <a:spLocks noGrp="1"/>
+          </p:cNvSpPr>
+          <p:nvPr>
+            <p:ph type="title"/>
+          </p:nvPr>
+        </p:nvSpPr>
+        <p:spPr/>
+        <p:txBody>
+          <a:bodyPr/>
+          <a:lstStyle/>
+          <a:p>
+            <a:r>
+              <a:rPr lang="de-CH" dirty="0" smtClean="0"/>
               <a:t>Sending a new order: client (UI)</a:t>
             </a:r>
             <a:endParaRPr lang="it-IT" dirty="0"/>
@@ -6322,15 +8856,7 @@
                   <a:schemeClr val="tx1"/>
                 </a:solidFill>
               </a:rPr>
-              <a:t>Wait for a </a:t>
-            </a:r>
-            <a:r>
-              <a:rPr lang="de-CH" sz="1000" dirty="0" smtClean="0">
-                <a:solidFill>
-                  <a:schemeClr val="tx1"/>
-                </a:solidFill>
-              </a:rPr>
-              <a:t>new order from user</a:t>
+              <a:t>Wait for a new order from user</a:t>
             </a:r>
             <a:endParaRPr lang="it-IT" sz="1000" dirty="0">
               <a:solidFill>
@@ -6388,15 +8914,7 @@
                   <a:schemeClr val="tx1"/>
                 </a:solidFill>
               </a:rPr>
-              <a:t>Wait for </a:t>
-            </a:r>
-            <a:r>
-              <a:rPr lang="de-CH" sz="1000" dirty="0" smtClean="0">
-                <a:solidFill>
-                  <a:schemeClr val="tx1"/>
-                </a:solidFill>
-              </a:rPr>
-              <a:t>ACK from server</a:t>
+              <a:t>Wait for ACK from server</a:t>
             </a:r>
             <a:endParaRPr lang="it-IT" sz="1000" dirty="0">
               <a:solidFill>
@@ -6454,15 +8972,7 @@
                   <a:schemeClr val="tx1"/>
                 </a:solidFill>
               </a:rPr>
-              <a:t>Wait for </a:t>
-            </a:r>
-            <a:r>
-              <a:rPr lang="de-CH" sz="1000" dirty="0" smtClean="0">
-                <a:solidFill>
-                  <a:schemeClr val="tx1"/>
-                </a:solidFill>
-              </a:rPr>
-              <a:t>execution from server</a:t>
+              <a:t>Wait for execution from server</a:t>
             </a:r>
             <a:endParaRPr lang="it-IT" sz="1000" dirty="0">
               <a:solidFill>
@@ -6661,7 +9171,7 @@
           <p:nvPr>
             <p:extLst>
               <p:ext uri="{D42A27DB-BD31-4B8C-83A1-F6EECF244321}">
-                <p14:modId xmlns:p14="http://schemas.microsoft.com/office/powerpoint/2010/main" val="200137713"/>
+                <p14:modId xmlns:p14="http://schemas.microsoft.com/office/powerpoint/2010/main" val="3998043399"/>
               </p:ext>
             </p:extLst>
           </p:nvPr>
@@ -6695,22 +9205,6 @@
                         <a:t>Order rejected</a:t>
                       </a:r>
                     </a:p>
-                    <a:p>
-                      <a:pPr algn="ctr"/>
-                      <a:r>
-                        <a:rPr lang="de-CH" sz="1000" b="0" dirty="0" smtClean="0">
-                          <a:solidFill>
-                            <a:schemeClr val="tx1"/>
-                          </a:solidFill>
-                        </a:rPr>
-                        <a:t>Details received from server</a:t>
-                      </a:r>
-                      <a:endParaRPr lang="it-IT" sz="1000" b="0" dirty="0">
-                        <a:solidFill>
-                          <a:schemeClr val="tx1"/>
-                        </a:solidFill>
-                      </a:endParaRPr>
-                    </a:p>
                   </a:txBody>
                   <a:tcPr>
                     <a:lnL w="12700" cap="flat" cmpd="sng" algn="ctr">
@@ -6760,6 +9254,33 @@
                   <a:txBody>
                     <a:bodyPr/>
                     <a:lstStyle/>
+                    <a:p>
+                      <a:pPr marL="0" marR="0" indent="0" algn="ctr" defTabSz="914400" rtl="0" eaLnBrk="1" fontAlgn="auto" latinLnBrk="0" hangingPunct="1">
+                        <a:lnSpc>
+                          <a:spcPct val="100000"/>
+                        </a:lnSpc>
+                        <a:spcBef>
+                          <a:spcPts val="0"/>
+                        </a:spcBef>
+                        <a:spcAft>
+                          <a:spcPts val="0"/>
+                        </a:spcAft>
+                        <a:buClrTx/>
+                        <a:buSzTx/>
+                        <a:buFontTx/>
+                        <a:buNone/>
+                        <a:tabLst/>
+                        <a:defRPr/>
+                      </a:pPr>
+                      <a:r>
+                        <a:rPr lang="de-CH" sz="1000" b="0" dirty="0" smtClean="0">
+                          <a:solidFill>
+                            <a:schemeClr val="tx1"/>
+                          </a:solidFill>
+                        </a:rPr>
+                        <a:t>Details received from server</a:t>
+                      </a:r>
+                    </a:p>
                     <a:p>
                       <a:pPr algn="ctr"/>
                       <a:r>
@@ -6833,7 +9354,7 @@
           <p:nvPr>
             <p:extLst>
               <p:ext uri="{D42A27DB-BD31-4B8C-83A1-F6EECF244321}">
-                <p14:modId xmlns:p14="http://schemas.microsoft.com/office/powerpoint/2010/main" val="2870332254"/>
+                <p14:modId xmlns:p14="http://schemas.microsoft.com/office/powerpoint/2010/main" val="3646984664"/>
               </p:ext>
             </p:extLst>
           </p:nvPr>
@@ -6867,22 +9388,6 @@
                         <a:t>Order accepted</a:t>
                       </a:r>
                     </a:p>
-                    <a:p>
-                      <a:pPr algn="ctr"/>
-                      <a:r>
-                        <a:rPr lang="de-CH" sz="1000" b="0" dirty="0" smtClean="0">
-                          <a:solidFill>
-                            <a:schemeClr val="tx1"/>
-                          </a:solidFill>
-                        </a:rPr>
-                        <a:t>Details received from server</a:t>
-                      </a:r>
-                      <a:endParaRPr lang="it-IT" sz="1000" b="0" dirty="0">
-                        <a:solidFill>
-                          <a:schemeClr val="tx1"/>
-                        </a:solidFill>
-                      </a:endParaRPr>
-                    </a:p>
                   </a:txBody>
                   <a:tcPr>
                     <a:lnL w="12700" cap="flat" cmpd="sng" algn="ctr">
@@ -6932,6 +9437,33 @@
                   <a:txBody>
                     <a:bodyPr/>
                     <a:lstStyle/>
+                    <a:p>
+                      <a:pPr marL="0" marR="0" indent="0" algn="ctr" defTabSz="914400" rtl="0" eaLnBrk="1" fontAlgn="auto" latinLnBrk="0" hangingPunct="1">
+                        <a:lnSpc>
+                          <a:spcPct val="100000"/>
+                        </a:lnSpc>
+                        <a:spcBef>
+                          <a:spcPts val="0"/>
+                        </a:spcBef>
+                        <a:spcAft>
+                          <a:spcPts val="0"/>
+                        </a:spcAft>
+                        <a:buClrTx/>
+                        <a:buSzTx/>
+                        <a:buFontTx/>
+                        <a:buNone/>
+                        <a:tabLst/>
+                        <a:defRPr/>
+                      </a:pPr>
+                      <a:r>
+                        <a:rPr lang="de-CH" sz="1000" b="0" dirty="0" smtClean="0">
+                          <a:solidFill>
+                            <a:schemeClr val="tx1"/>
+                          </a:solidFill>
+                        </a:rPr>
+                        <a:t>Details received from server</a:t>
+                      </a:r>
+                    </a:p>
                     <a:p>
                       <a:pPr algn="ctr"/>
                       <a:r>
@@ -7400,7 +9932,7 @@
 </p:sld>
 </file>
 
-<file path=ppt/slides/slide5.xml><?xml version="1.0" encoding="utf-8"?>
+<file path=ppt/slides/slide6.xml><?xml version="1.0" encoding="utf-8"?>
 <p:sld xmlns:a="http://schemas.openxmlformats.org/drawingml/2006/main" xmlns:r="http://schemas.openxmlformats.org/officeDocument/2006/relationships" xmlns:p="http://schemas.openxmlformats.org/presentationml/2006/main">
   <p:cSld>
     <p:spTree>
@@ -7488,15 +10020,7 @@
                   <a:schemeClr val="tx1"/>
                 </a:solidFill>
               </a:rPr>
-              <a:t>Wait for a </a:t>
-            </a:r>
-            <a:r>
-              <a:rPr lang="de-CH" sz="1000" dirty="0" smtClean="0">
-                <a:solidFill>
-                  <a:schemeClr val="tx1"/>
-                </a:solidFill>
-              </a:rPr>
-              <a:t>new order from client</a:t>
+              <a:t>Wait for a new order from client</a:t>
             </a:r>
             <a:endParaRPr lang="it-IT" sz="1000" dirty="0">
               <a:solidFill>
@@ -7554,15 +10078,7 @@
                   <a:schemeClr val="tx1"/>
                 </a:solidFill>
               </a:rPr>
-              <a:t>Wait for </a:t>
-            </a:r>
-            <a:r>
-              <a:rPr lang="de-CH" sz="1000" dirty="0" smtClean="0">
-                <a:solidFill>
-                  <a:schemeClr val="tx1"/>
-                </a:solidFill>
-              </a:rPr>
-              <a:t>ACK from acceptor</a:t>
+              <a:t>Wait for ACK from acceptor</a:t>
             </a:r>
             <a:endParaRPr lang="it-IT" sz="1000" dirty="0">
               <a:solidFill>
@@ -7620,15 +10136,7 @@
                   <a:schemeClr val="tx1"/>
                 </a:solidFill>
               </a:rPr>
-              <a:t>Wait for </a:t>
-            </a:r>
-            <a:r>
-              <a:rPr lang="de-CH" sz="1000" dirty="0" smtClean="0">
-                <a:solidFill>
-                  <a:schemeClr val="tx1"/>
-                </a:solidFill>
-              </a:rPr>
-              <a:t>execution report from acceptor</a:t>
+              <a:t>Wait for execution report from acceptor</a:t>
             </a:r>
             <a:endParaRPr lang="it-IT" sz="1000" dirty="0">
               <a:solidFill>
@@ -8084,15 +10592,7 @@
                             <a:schemeClr val="tx1"/>
                           </a:solidFill>
                         </a:rPr>
-                        <a:t>Order </a:t>
-                      </a:r>
-                      <a:r>
-                        <a:rPr lang="de-CH" sz="1000" b="0" dirty="0" smtClean="0">
-                          <a:solidFill>
-                            <a:schemeClr val="tx1"/>
-                          </a:solidFill>
-                        </a:rPr>
-                        <a:t>accepted</a:t>
+                        <a:t>Order accepted</a:t>
                       </a:r>
                       <a:endParaRPr lang="it-IT" sz="1000" b="0" dirty="0">
                         <a:solidFill>
@@ -8268,14 +10768,14 @@
           <p:nvPr>
             <p:extLst>
               <p:ext uri="{D42A27DB-BD31-4B8C-83A1-F6EECF244321}">
-                <p14:modId xmlns:p14="http://schemas.microsoft.com/office/powerpoint/2010/main" val="2868421809"/>
+                <p14:modId xmlns:p14="http://schemas.microsoft.com/office/powerpoint/2010/main" val="3582901427"/>
               </p:ext>
             </p:extLst>
           </p:nvPr>
         </p:nvGraphicFramePr>
         <p:xfrm>
           <a:off x="2590800" y="4419600"/>
-          <a:ext cx="2438400" cy="944880"/>
+          <a:ext cx="2438400" cy="1097280"/>
         </p:xfrm>
         <a:graphic>
           <a:graphicData uri="http://schemas.openxmlformats.org/drawingml/2006/table">
@@ -8423,6 +10923,17 @@
                         </a:rPr>
                         <a:t>Insert the filled order in DB Book</a:t>
                       </a:r>
+                    </a:p>
+                    <a:p>
+                      <a:pPr algn="ctr"/>
+                      <a:r>
+                        <a:rPr lang="de-CH" sz="1000" b="0" baseline="0" dirty="0" smtClean="0">
+                          <a:solidFill>
+                            <a:schemeClr val="tx1"/>
+                          </a:solidFill>
+                        </a:rPr>
+                        <a:t>Send execution message to Analytics</a:t>
+                      </a:r>
                       <a:endParaRPr lang="it-IT" sz="1000" b="0" dirty="0">
                         <a:solidFill>
                           <a:schemeClr val="tx1"/>
@@ -8690,7 +11201,7 @@
 </p:sld>
 </file>
 
-<file path=ppt/slides/slide6.xml><?xml version="1.0" encoding="utf-8"?>
+<file path=ppt/slides/slide7.xml><?xml version="1.0" encoding="utf-8"?>
 <p:sld xmlns:a="http://schemas.openxmlformats.org/drawingml/2006/main" xmlns:r="http://schemas.openxmlformats.org/officeDocument/2006/relationships" xmlns:p="http://schemas.openxmlformats.org/presentationml/2006/main">
   <p:cSld>
     <p:spTree>
@@ -8778,15 +11289,7 @@
                   <a:schemeClr val="tx1"/>
                 </a:solidFill>
               </a:rPr>
-              <a:t>Wait for a </a:t>
-            </a:r>
-            <a:r>
-              <a:rPr lang="de-CH" sz="1000" dirty="0" smtClean="0">
-                <a:solidFill>
-                  <a:schemeClr val="tx1"/>
-                </a:solidFill>
-              </a:rPr>
-              <a:t>new order from server</a:t>
+              <a:t>Wait for a new order from server</a:t>
             </a:r>
             <a:endParaRPr lang="it-IT" sz="1000" dirty="0">
               <a:solidFill>
@@ -8902,15 +11405,7 @@
                   <a:schemeClr val="tx1"/>
                 </a:solidFill>
               </a:rPr>
-              <a:t>Wait for </a:t>
-            </a:r>
-            <a:r>
-              <a:rPr lang="de-CH" sz="1000" dirty="0" smtClean="0">
-                <a:solidFill>
-                  <a:schemeClr val="tx1"/>
-                </a:solidFill>
-              </a:rPr>
-              <a:t>execution from market</a:t>
+              <a:t>Wait for execution from market</a:t>
             </a:r>
             <a:endParaRPr lang="it-IT" sz="1000" dirty="0">
               <a:solidFill>
@@ -8920,8 +11415,8 @@
           </a:p>
         </p:txBody>
       </p:sp>
-      <mc:AlternateContent xmlns:mc="http://schemas.openxmlformats.org/markup-compatibility/2006">
-        <mc:Choice xmlns:a14="http://schemas.microsoft.com/office/drawing/2010/main" Requires="a14">
+      <mc:AlternateContent xmlns:mc="http://schemas.openxmlformats.org/markup-compatibility/2006" xmlns:a14="http://schemas.microsoft.com/office/drawing/2010/main">
+        <mc:Choice Requires="a14">
           <p:graphicFrame>
             <p:nvGraphicFramePr>
               <p:cNvPr id="9" name="Table 8"/>
@@ -9103,7 +11598,7 @@
             </a:graphic>
           </p:graphicFrame>
         </mc:Choice>
-        <mc:Fallback>
+        <mc:Fallback xmlns="">
           <p:graphicFrame>
             <p:nvGraphicFramePr>
               <p:cNvPr id="9" name="Table 8"/>
@@ -9468,15 +11963,7 @@
                             <a:schemeClr val="tx1"/>
                           </a:solidFill>
                         </a:rPr>
-                        <a:t>Order </a:t>
-                      </a:r>
-                      <a:r>
-                        <a:rPr lang="de-CH" sz="1000" b="0" dirty="0" smtClean="0">
-                          <a:solidFill>
-                            <a:schemeClr val="tx1"/>
-                          </a:solidFill>
-                        </a:rPr>
-                        <a:t>accepted</a:t>
+                        <a:t>Order accepted</a:t>
                       </a:r>
                       <a:endParaRPr lang="it-IT" sz="1000" b="0" dirty="0">
                         <a:solidFill>
@@ -10038,7 +12525,7 @@
 </p:sld>
 </file>
 
-<file path=ppt/slides/slide7.xml><?xml version="1.0" encoding="utf-8"?>
+<file path=ppt/slides/slide8.xml><?xml version="1.0" encoding="utf-8"?>
 <p:sld xmlns:a="http://schemas.openxmlformats.org/drawingml/2006/main" xmlns:r="http://schemas.openxmlformats.org/officeDocument/2006/relationships" xmlns:p="http://schemas.openxmlformats.org/presentationml/2006/main">
   <p:cSld>
     <p:spTree>
@@ -10086,7 +12573,7 @@
         </p:nvSpPr>
         <p:spPr>
           <a:xfrm>
-            <a:off x="914400" y="1981200"/>
+            <a:off x="1371600" y="1981200"/>
             <a:ext cx="914400" cy="533400"/>
           </a:xfrm>
           <a:prstGeom prst="rect">
@@ -10220,7 +12707,7 @@
         </p:nvCxnSpPr>
         <p:spPr>
           <a:xfrm>
-            <a:off x="1371600" y="2514600"/>
+            <a:off x="1828800" y="2514600"/>
             <a:ext cx="0" cy="3657600"/>
           </a:xfrm>
           <a:prstGeom prst="straightConnector1">
@@ -10315,35 +12802,6 @@
           </a:fontRef>
         </p:style>
       </p:cxnSp>
-      <p:sp>
-        <p:nvSpPr>
-          <p:cNvPr id="13" name="TextBox 12"/>
-          <p:cNvSpPr txBox="1"/>
-          <p:nvPr/>
-        </p:nvSpPr>
-        <p:spPr>
-          <a:xfrm>
-            <a:off x="685800" y="2713910"/>
-            <a:ext cx="734496" cy="246221"/>
-          </a:xfrm>
-          <a:prstGeom prst="rect">
-            <a:avLst/>
-          </a:prstGeom>
-          <a:noFill/>
-        </p:spPr>
-        <p:txBody>
-          <a:bodyPr wrap="none" rtlCol="0">
-            <a:spAutoFit/>
-          </a:bodyPr>
-          <a:lstStyle/>
-          <a:p>
-            <a:r>
-              <a:rPr lang="de-CH" sz="1000" b="1" dirty="0" smtClean="0"/>
-              <a:t>Push Send</a:t>
-            </a:r>
-          </a:p>
-        </p:txBody>
-      </p:sp>
       <p:cxnSp>
         <p:nvCxnSpPr>
           <p:cNvPr id="15" name="Straight Arrow Connector 14"/>
@@ -10352,8 +12810,8 @@
         </p:nvCxnSpPr>
         <p:spPr>
           <a:xfrm>
-            <a:off x="1371600" y="2837020"/>
-            <a:ext cx="3200400" cy="0"/>
+            <a:off x="1828800" y="2837020"/>
+            <a:ext cx="2743200" cy="0"/>
           </a:xfrm>
           <a:prstGeom prst="straightConnector1">
             <a:avLst/>
@@ -10470,36 +12928,6 @@
           </a:p>
         </p:txBody>
       </p:sp>
-      <p:sp>
-        <p:nvSpPr>
-          <p:cNvPr id="20" name="TextBox 19"/>
-          <p:cNvSpPr txBox="1"/>
-          <p:nvPr/>
-        </p:nvSpPr>
-        <p:spPr>
-          <a:xfrm>
-            <a:off x="3733800" y="2960131"/>
-            <a:ext cx="1733167" cy="246221"/>
-          </a:xfrm>
-          <a:prstGeom prst="rect">
-            <a:avLst/>
-          </a:prstGeom>
-          <a:noFill/>
-        </p:spPr>
-        <p:txBody>
-          <a:bodyPr wrap="none" rtlCol="0">
-            <a:spAutoFit/>
-          </a:bodyPr>
-          <a:lstStyle/>
-          <a:p>
-            <a:r>
-              <a:rPr lang="de-CH" sz="1000" b="1" dirty="0" smtClean="0"/>
-              <a:t>Store order in BlotterSchema</a:t>
-            </a:r>
-            <a:endParaRPr lang="it-IT" sz="1000" b="1" dirty="0"/>
-          </a:p>
-        </p:txBody>
-      </p:sp>
       <p:cxnSp>
         <p:nvCxnSpPr>
           <p:cNvPr id="22" name="Straight Arrow Connector 21"/>
@@ -10563,36 +12991,6 @@
           </a:p>
         </p:txBody>
       </p:sp>
-      <p:sp>
-        <p:nvSpPr>
-          <p:cNvPr id="26" name="TextBox 25"/>
-          <p:cNvSpPr txBox="1"/>
-          <p:nvPr/>
-        </p:nvSpPr>
-        <p:spPr>
-          <a:xfrm>
-            <a:off x="3875882" y="4020979"/>
-            <a:ext cx="1481496" cy="246221"/>
-          </a:xfrm>
-          <a:prstGeom prst="rect">
-            <a:avLst/>
-          </a:prstGeom>
-          <a:noFill/>
-        </p:spPr>
-        <p:txBody>
-          <a:bodyPr wrap="none" rtlCol="0">
-            <a:spAutoFit/>
-          </a:bodyPr>
-          <a:lstStyle/>
-          <a:p>
-            <a:r>
-              <a:rPr lang="de-CH" sz="1000" b="1" dirty="0" smtClean="0"/>
-              <a:t>Stored in BlotterSchema</a:t>
-            </a:r>
-            <a:endParaRPr lang="it-IT" sz="1000" b="1" dirty="0"/>
-          </a:p>
-        </p:txBody>
-      </p:sp>
       <p:cxnSp>
         <p:nvCxnSpPr>
           <p:cNvPr id="28" name="Straight Arrow Connector 27"/>
@@ -10601,8 +12999,8 @@
         </p:nvCxnSpPr>
         <p:spPr>
           <a:xfrm flipH="1">
-            <a:off x="1371600" y="4317736"/>
-            <a:ext cx="3200400" cy="0"/>
+            <a:off x="1828800" y="4317736"/>
+            <a:ext cx="2743200" cy="0"/>
           </a:xfrm>
           <a:prstGeom prst="straightConnector1">
             <a:avLst/>
@@ -10634,8 +13032,8 @@
         </p:nvSpPr>
         <p:spPr>
           <a:xfrm>
-            <a:off x="1371600" y="4097179"/>
-            <a:ext cx="1653017" cy="246221"/>
+            <a:off x="2133600" y="4097179"/>
+            <a:ext cx="1300356" cy="246221"/>
           </a:xfrm>
           <a:prstGeom prst="rect">
             <a:avLst/>
@@ -10650,37 +13048,11 @@
           <a:p>
             <a:r>
               <a:rPr lang="de-CH" sz="1000" dirty="0" smtClean="0"/>
-              <a:t>Accepted = populate Blotter</a:t>
+              <a:t>Accepted </a:t>
             </a:r>
-            <a:endParaRPr lang="it-IT" sz="1000" dirty="0"/>
-          </a:p>
-        </p:txBody>
-      </p:sp>
-      <p:sp>
-        <p:nvSpPr>
-          <p:cNvPr id="35" name="TextBox 34"/>
-          <p:cNvSpPr txBox="1"/>
-          <p:nvPr/>
-        </p:nvSpPr>
-        <p:spPr>
-          <a:xfrm>
-            <a:off x="1379889" y="4315518"/>
-            <a:ext cx="1630575" cy="246221"/>
-          </a:xfrm>
-          <a:prstGeom prst="rect">
-            <a:avLst/>
-          </a:prstGeom>
-          <a:noFill/>
-        </p:spPr>
-        <p:txBody>
-          <a:bodyPr wrap="none" rtlCol="0">
-            <a:spAutoFit/>
-          </a:bodyPr>
-          <a:lstStyle/>
-          <a:p>
             <a:r>
               <a:rPr lang="de-CH" sz="1000" dirty="0" smtClean="0"/>
-              <a:t>Rejected = populate History</a:t>
+              <a:t>or Rejected</a:t>
             </a:r>
             <a:endParaRPr lang="it-IT" sz="1000" dirty="0"/>
           </a:p>
@@ -10749,46 +13121,6 @@
           </a:p>
         </p:txBody>
       </p:sp>
-      <p:sp>
-        <p:nvSpPr>
-          <p:cNvPr id="40" name="TextBox 39"/>
-          <p:cNvSpPr txBox="1"/>
-          <p:nvPr/>
-        </p:nvSpPr>
-        <p:spPr>
-          <a:xfrm>
-            <a:off x="3913005" y="5238690"/>
-            <a:ext cx="1317990" cy="400110"/>
-          </a:xfrm>
-          <a:prstGeom prst="rect">
-            <a:avLst/>
-          </a:prstGeom>
-          <a:noFill/>
-        </p:spPr>
-        <p:txBody>
-          <a:bodyPr wrap="none" rtlCol="0">
-            <a:spAutoFit/>
-          </a:bodyPr>
-          <a:lstStyle/>
-          <a:p>
-            <a:r>
-              <a:rPr lang="de-CH" sz="1000" b="1" dirty="0" smtClean="0"/>
-              <a:t>Store in BookSchema</a:t>
-            </a:r>
-          </a:p>
-          <a:p>
-            <a:r>
-              <a:rPr lang="de-CH" sz="1000" b="1" dirty="0"/>
-              <a:t>a</a:t>
-            </a:r>
-            <a:r>
-              <a:rPr lang="de-CH" sz="1000" b="1" dirty="0" smtClean="0"/>
-              <a:t>nd in BlotterSchema</a:t>
-            </a:r>
-            <a:endParaRPr lang="it-IT" sz="1000" b="1" dirty="0"/>
-          </a:p>
-        </p:txBody>
-      </p:sp>
       <p:cxnSp>
         <p:nvCxnSpPr>
           <p:cNvPr id="42" name="Straight Arrow Connector 41"/>
@@ -10797,8 +13129,8 @@
         </p:nvCxnSpPr>
         <p:spPr>
           <a:xfrm flipH="1">
-            <a:off x="1371600" y="5638800"/>
-            <a:ext cx="3200400" cy="0"/>
+            <a:off x="1828800" y="5638800"/>
+            <a:ext cx="2743200" cy="5898"/>
           </a:xfrm>
           <a:prstGeom prst="straightConnector1">
             <a:avLst/>
@@ -10822,42 +13154,6 @@
           </a:fontRef>
         </p:style>
       </p:cxnSp>
-      <p:sp>
-        <p:nvSpPr>
-          <p:cNvPr id="43" name="TextBox 42"/>
-          <p:cNvSpPr txBox="1"/>
-          <p:nvPr/>
-        </p:nvSpPr>
-        <p:spPr>
-          <a:xfrm>
-            <a:off x="662582" y="5638800"/>
-            <a:ext cx="1582484" cy="400110"/>
-          </a:xfrm>
-          <a:prstGeom prst="rect">
-            <a:avLst/>
-          </a:prstGeom>
-          <a:noFill/>
-        </p:spPr>
-        <p:txBody>
-          <a:bodyPr wrap="none" rtlCol="0">
-            <a:spAutoFit/>
-          </a:bodyPr>
-          <a:lstStyle/>
-          <a:p>
-            <a:r>
-              <a:rPr lang="de-CH" sz="1000" b="1" dirty="0" smtClean="0"/>
-              <a:t>Cancel order from Blotter</a:t>
-            </a:r>
-          </a:p>
-          <a:p>
-            <a:r>
-              <a:rPr lang="de-CH" sz="1000" b="1" dirty="0" smtClean="0"/>
-              <a:t>Write execution in History</a:t>
-            </a:r>
-            <a:endParaRPr lang="it-IT" sz="1000" b="1" dirty="0"/>
-          </a:p>
-        </p:txBody>
-      </p:sp>
       <p:sp>
         <p:nvSpPr>
           <p:cNvPr id="44" name="TextBox 43"/>
@@ -10932,10 +13228,2590 @@
           </a:p>
         </p:txBody>
       </p:sp>
+      <p:sp>
+        <p:nvSpPr>
+          <p:cNvPr id="6" name="Pentagon 5"/>
+          <p:cNvSpPr/>
+          <p:nvPr/>
+        </p:nvSpPr>
+        <p:spPr>
+          <a:xfrm>
+            <a:off x="1066800" y="2684620"/>
+            <a:ext cx="730758" cy="304800"/>
+          </a:xfrm>
+          <a:prstGeom prst="homePlate">
+            <a:avLst/>
+          </a:prstGeom>
+          <a:noFill/>
+          <a:ln>
+            <a:solidFill>
+              <a:schemeClr val="tx1"/>
+            </a:solidFill>
+          </a:ln>
+        </p:spPr>
+        <p:style>
+          <a:lnRef idx="2">
+            <a:schemeClr val="accent1">
+              <a:shade val="50000"/>
+            </a:schemeClr>
+          </a:lnRef>
+          <a:fillRef idx="1">
+            <a:schemeClr val="accent1"/>
+          </a:fillRef>
+          <a:effectRef idx="0">
+            <a:schemeClr val="accent1"/>
+          </a:effectRef>
+          <a:fontRef idx="minor">
+            <a:schemeClr val="lt1"/>
+          </a:fontRef>
+        </p:style>
+        <p:txBody>
+          <a:bodyPr rtlCol="0" anchor="ctr"/>
+          <a:lstStyle/>
+          <a:p>
+            <a:pPr algn="ctr"/>
+            <a:endParaRPr lang="de-CH" sz="800" b="1" dirty="0" smtClean="0">
+              <a:solidFill>
+                <a:schemeClr val="tx1"/>
+              </a:solidFill>
+            </a:endParaRPr>
+          </a:p>
+          <a:p>
+            <a:pPr algn="ctr"/>
+            <a:r>
+              <a:rPr lang="de-CH" sz="800" b="1" dirty="0" smtClean="0">
+                <a:solidFill>
+                  <a:schemeClr val="tx1"/>
+                </a:solidFill>
+              </a:rPr>
+              <a:t>Push </a:t>
+            </a:r>
+            <a:r>
+              <a:rPr lang="de-CH" sz="800" b="1" dirty="0">
+                <a:solidFill>
+                  <a:schemeClr val="tx1"/>
+                </a:solidFill>
+              </a:rPr>
+              <a:t>Send</a:t>
+            </a:r>
+          </a:p>
+          <a:p>
+            <a:pPr algn="ctr"/>
+            <a:endParaRPr lang="it-IT" sz="800" dirty="0"/>
+          </a:p>
+        </p:txBody>
+      </p:sp>
+      <p:sp>
+        <p:nvSpPr>
+          <p:cNvPr id="30" name="Pentagon 29"/>
+          <p:cNvSpPr/>
+          <p:nvPr/>
+        </p:nvSpPr>
+        <p:spPr>
+          <a:xfrm>
+            <a:off x="3657600" y="3940810"/>
+            <a:ext cx="882332" cy="304800"/>
+          </a:xfrm>
+          <a:prstGeom prst="homePlate">
+            <a:avLst/>
+          </a:prstGeom>
+          <a:noFill/>
+          <a:ln>
+            <a:solidFill>
+              <a:schemeClr val="tx1"/>
+            </a:solidFill>
+          </a:ln>
+        </p:spPr>
+        <p:style>
+          <a:lnRef idx="2">
+            <a:schemeClr val="accent1">
+              <a:shade val="50000"/>
+            </a:schemeClr>
+          </a:lnRef>
+          <a:fillRef idx="1">
+            <a:schemeClr val="accent1"/>
+          </a:fillRef>
+          <a:effectRef idx="0">
+            <a:schemeClr val="accent1"/>
+          </a:effectRef>
+          <a:fontRef idx="minor">
+            <a:schemeClr val="lt1"/>
+          </a:fontRef>
+        </p:style>
+        <p:txBody>
+          <a:bodyPr rtlCol="0" anchor="ctr">
+            <a:scene3d>
+              <a:camera prst="orthographicFront">
+                <a:rot lat="0" lon="0" rev="0"/>
+              </a:camera>
+              <a:lightRig rig="threePt" dir="t"/>
+            </a:scene3d>
+          </a:bodyPr>
+          <a:lstStyle/>
+          <a:p>
+            <a:pPr algn="ctr"/>
+            <a:endParaRPr lang="de-CH" sz="800" b="1" dirty="0" smtClean="0">
+              <a:solidFill>
+                <a:schemeClr val="tx1"/>
+              </a:solidFill>
+            </a:endParaRPr>
+          </a:p>
+          <a:p>
+            <a:pPr algn="ctr"/>
+            <a:r>
+              <a:rPr lang="de-CH" sz="800" b="1" dirty="0">
+                <a:solidFill>
+                  <a:schemeClr val="tx1"/>
+                </a:solidFill>
+              </a:rPr>
+              <a:t>Stored in BlotterSchema</a:t>
+            </a:r>
+            <a:endParaRPr lang="it-IT" sz="800" b="1" dirty="0">
+              <a:solidFill>
+                <a:schemeClr val="tx1"/>
+              </a:solidFill>
+            </a:endParaRPr>
+          </a:p>
+          <a:p>
+            <a:pPr algn="ctr"/>
+            <a:endParaRPr lang="it-IT" sz="800" dirty="0"/>
+          </a:p>
+        </p:txBody>
+      </p:sp>
+      <p:sp>
+        <p:nvSpPr>
+          <p:cNvPr id="10" name="Left Arrow 9"/>
+          <p:cNvSpPr/>
+          <p:nvPr/>
+        </p:nvSpPr>
+        <p:spPr>
+          <a:xfrm>
+            <a:off x="4589936" y="2928896"/>
+            <a:ext cx="978409" cy="308690"/>
+          </a:xfrm>
+          <a:prstGeom prst="leftArrow">
+            <a:avLst>
+              <a:gd name="adj1" fmla="val 98379"/>
+              <a:gd name="adj2" fmla="val 50000"/>
+            </a:avLst>
+          </a:prstGeom>
+          <a:noFill/>
+          <a:ln>
+            <a:solidFill>
+              <a:schemeClr val="tx1"/>
+            </a:solidFill>
+          </a:ln>
+        </p:spPr>
+        <p:style>
+          <a:lnRef idx="2">
+            <a:schemeClr val="accent1">
+              <a:shade val="50000"/>
+            </a:schemeClr>
+          </a:lnRef>
+          <a:fillRef idx="1">
+            <a:schemeClr val="accent1"/>
+          </a:fillRef>
+          <a:effectRef idx="0">
+            <a:schemeClr val="accent1"/>
+          </a:effectRef>
+          <a:fontRef idx="minor">
+            <a:schemeClr val="lt1"/>
+          </a:fontRef>
+        </p:style>
+        <p:txBody>
+          <a:bodyPr rtlCol="0" anchor="ctr"/>
+          <a:lstStyle/>
+          <a:p>
+            <a:pPr algn="ctr"/>
+            <a:endParaRPr lang="de-CH" sz="800" b="1" dirty="0" smtClean="0">
+              <a:solidFill>
+                <a:schemeClr val="tx1"/>
+              </a:solidFill>
+            </a:endParaRPr>
+          </a:p>
+          <a:p>
+            <a:pPr algn="ctr"/>
+            <a:r>
+              <a:rPr lang="de-CH" sz="800" b="1" dirty="0" smtClean="0">
+                <a:solidFill>
+                  <a:schemeClr val="tx1"/>
+                </a:solidFill>
+              </a:rPr>
+              <a:t>Store </a:t>
+            </a:r>
+            <a:r>
+              <a:rPr lang="de-CH" sz="800" b="1" dirty="0">
+                <a:solidFill>
+                  <a:schemeClr val="tx1"/>
+                </a:solidFill>
+              </a:rPr>
+              <a:t>order in BlotterSchema</a:t>
+            </a:r>
+            <a:endParaRPr lang="it-IT" sz="800" b="1" dirty="0">
+              <a:solidFill>
+                <a:schemeClr val="tx1"/>
+              </a:solidFill>
+            </a:endParaRPr>
+          </a:p>
+          <a:p>
+            <a:pPr algn="ctr"/>
+            <a:endParaRPr lang="it-IT" sz="800" dirty="0">
+              <a:solidFill>
+                <a:schemeClr val="tx1"/>
+              </a:solidFill>
+            </a:endParaRPr>
+          </a:p>
+        </p:txBody>
+      </p:sp>
+      <p:sp>
+        <p:nvSpPr>
+          <p:cNvPr id="33" name="Pentagon 32"/>
+          <p:cNvSpPr/>
+          <p:nvPr/>
+        </p:nvSpPr>
+        <p:spPr>
+          <a:xfrm>
+            <a:off x="654558" y="4017357"/>
+            <a:ext cx="1143000" cy="600758"/>
+          </a:xfrm>
+          <a:prstGeom prst="homePlate">
+            <a:avLst/>
+          </a:prstGeom>
+          <a:noFill/>
+          <a:ln>
+            <a:solidFill>
+              <a:schemeClr val="tx1"/>
+            </a:solidFill>
+          </a:ln>
+        </p:spPr>
+        <p:style>
+          <a:lnRef idx="2">
+            <a:schemeClr val="accent1">
+              <a:shade val="50000"/>
+            </a:schemeClr>
+          </a:lnRef>
+          <a:fillRef idx="1">
+            <a:schemeClr val="accent1"/>
+          </a:fillRef>
+          <a:effectRef idx="0">
+            <a:schemeClr val="accent1"/>
+          </a:effectRef>
+          <a:fontRef idx="minor">
+            <a:schemeClr val="lt1"/>
+          </a:fontRef>
+        </p:style>
+        <p:txBody>
+          <a:bodyPr rtlCol="0" anchor="ctr"/>
+          <a:lstStyle/>
+          <a:p>
+            <a:pPr algn="ctr"/>
+            <a:endParaRPr lang="de-CH" sz="800" b="1" dirty="0" smtClean="0">
+              <a:solidFill>
+                <a:schemeClr val="tx1"/>
+              </a:solidFill>
+            </a:endParaRPr>
+          </a:p>
+          <a:p>
+            <a:pPr algn="ctr"/>
+            <a:endParaRPr lang="de-CH" sz="800" b="1" dirty="0" smtClean="0">
+              <a:solidFill>
+                <a:schemeClr val="tx1"/>
+              </a:solidFill>
+            </a:endParaRPr>
+          </a:p>
+          <a:p>
+            <a:pPr algn="ctr"/>
+            <a:r>
+              <a:rPr lang="de-CH" sz="800" b="1" dirty="0" smtClean="0">
+                <a:solidFill>
+                  <a:schemeClr val="tx1"/>
+                </a:solidFill>
+              </a:rPr>
+              <a:t>Accepted </a:t>
+            </a:r>
+            <a:r>
+              <a:rPr lang="de-CH" sz="800" b="1" dirty="0">
+                <a:solidFill>
+                  <a:schemeClr val="tx1"/>
+                </a:solidFill>
+              </a:rPr>
+              <a:t>= populate </a:t>
+            </a:r>
+            <a:r>
+              <a:rPr lang="de-CH" sz="800" b="1" dirty="0" smtClean="0">
+                <a:solidFill>
+                  <a:schemeClr val="tx1"/>
+                </a:solidFill>
+              </a:rPr>
+              <a:t>Blotter</a:t>
+            </a:r>
+          </a:p>
+          <a:p>
+            <a:pPr algn="ctr"/>
+            <a:r>
+              <a:rPr lang="de-CH" sz="800" b="1" dirty="0">
+                <a:solidFill>
+                  <a:schemeClr val="tx1"/>
+                </a:solidFill>
+              </a:rPr>
+              <a:t>Rejected = populate History</a:t>
+            </a:r>
+          </a:p>
+          <a:p>
+            <a:pPr algn="ctr"/>
+            <a:endParaRPr lang="de-CH" sz="800" b="1" dirty="0" smtClean="0">
+              <a:solidFill>
+                <a:schemeClr val="tx1"/>
+              </a:solidFill>
+            </a:endParaRPr>
+          </a:p>
+          <a:p>
+            <a:pPr algn="ctr"/>
+            <a:endParaRPr lang="it-IT" sz="800" dirty="0"/>
+          </a:p>
+        </p:txBody>
+      </p:sp>
+      <p:sp>
+        <p:nvSpPr>
+          <p:cNvPr id="36" name="Pentagon 35"/>
+          <p:cNvSpPr/>
+          <p:nvPr/>
+        </p:nvSpPr>
+        <p:spPr>
+          <a:xfrm>
+            <a:off x="3236022" y="5267937"/>
+            <a:ext cx="1303910" cy="304800"/>
+          </a:xfrm>
+          <a:prstGeom prst="homePlate">
+            <a:avLst/>
+          </a:prstGeom>
+          <a:noFill/>
+          <a:ln>
+            <a:solidFill>
+              <a:schemeClr val="tx1"/>
+            </a:solidFill>
+          </a:ln>
+        </p:spPr>
+        <p:style>
+          <a:lnRef idx="2">
+            <a:schemeClr val="accent1">
+              <a:shade val="50000"/>
+            </a:schemeClr>
+          </a:lnRef>
+          <a:fillRef idx="1">
+            <a:schemeClr val="accent1"/>
+          </a:fillRef>
+          <a:effectRef idx="0">
+            <a:schemeClr val="accent1"/>
+          </a:effectRef>
+          <a:fontRef idx="minor">
+            <a:schemeClr val="lt1"/>
+          </a:fontRef>
+        </p:style>
+        <p:txBody>
+          <a:bodyPr rtlCol="0" anchor="ctr">
+            <a:scene3d>
+              <a:camera prst="orthographicFront">
+                <a:rot lat="0" lon="0" rev="0"/>
+              </a:camera>
+              <a:lightRig rig="threePt" dir="t"/>
+            </a:scene3d>
+          </a:bodyPr>
+          <a:lstStyle/>
+          <a:p>
+            <a:pPr algn="ctr"/>
+            <a:endParaRPr lang="de-CH" sz="800" b="1" dirty="0" smtClean="0">
+              <a:solidFill>
+                <a:schemeClr val="tx1"/>
+              </a:solidFill>
+            </a:endParaRPr>
+          </a:p>
+          <a:p>
+            <a:pPr algn="ctr"/>
+            <a:r>
+              <a:rPr lang="de-CH" sz="800" b="1" dirty="0" smtClean="0">
+                <a:solidFill>
+                  <a:schemeClr val="tx1"/>
+                </a:solidFill>
+              </a:rPr>
+              <a:t>Stored </a:t>
+            </a:r>
+            <a:r>
+              <a:rPr lang="de-CH" sz="800" b="1" dirty="0">
+                <a:solidFill>
+                  <a:schemeClr val="tx1"/>
+                </a:solidFill>
+              </a:rPr>
+              <a:t>in </a:t>
+            </a:r>
+            <a:r>
+              <a:rPr lang="de-CH" sz="800" b="1" dirty="0" smtClean="0">
+                <a:solidFill>
+                  <a:schemeClr val="tx1"/>
+                </a:solidFill>
+              </a:rPr>
+              <a:t>BlotterSchema and in BookSchema</a:t>
+            </a:r>
+            <a:endParaRPr lang="it-IT" sz="800" b="1" dirty="0">
+              <a:solidFill>
+                <a:schemeClr val="tx1"/>
+              </a:solidFill>
+            </a:endParaRPr>
+          </a:p>
+          <a:p>
+            <a:pPr algn="ctr"/>
+            <a:endParaRPr lang="it-IT" sz="800" dirty="0"/>
+          </a:p>
+        </p:txBody>
+      </p:sp>
+      <p:sp>
+        <p:nvSpPr>
+          <p:cNvPr id="41" name="Pentagon 40"/>
+          <p:cNvSpPr/>
+          <p:nvPr/>
+        </p:nvSpPr>
+        <p:spPr>
+          <a:xfrm>
+            <a:off x="344802" y="5628640"/>
+            <a:ext cx="1452756" cy="524558"/>
+          </a:xfrm>
+          <a:prstGeom prst="homePlate">
+            <a:avLst/>
+          </a:prstGeom>
+          <a:noFill/>
+          <a:ln>
+            <a:solidFill>
+              <a:schemeClr val="tx1"/>
+            </a:solidFill>
+          </a:ln>
+        </p:spPr>
+        <p:style>
+          <a:lnRef idx="2">
+            <a:schemeClr val="accent1">
+              <a:shade val="50000"/>
+            </a:schemeClr>
+          </a:lnRef>
+          <a:fillRef idx="1">
+            <a:schemeClr val="accent1"/>
+          </a:fillRef>
+          <a:effectRef idx="0">
+            <a:schemeClr val="accent1"/>
+          </a:effectRef>
+          <a:fontRef idx="minor">
+            <a:schemeClr val="lt1"/>
+          </a:fontRef>
+        </p:style>
+        <p:txBody>
+          <a:bodyPr rtlCol="0" anchor="ctr"/>
+          <a:lstStyle/>
+          <a:p>
+            <a:pPr algn="ctr"/>
+            <a:endParaRPr lang="de-CH" sz="800" b="1" dirty="0" smtClean="0">
+              <a:solidFill>
+                <a:schemeClr val="tx1"/>
+              </a:solidFill>
+            </a:endParaRPr>
+          </a:p>
+          <a:p>
+            <a:pPr algn="ctr"/>
+            <a:endParaRPr lang="de-CH" sz="800" b="1" dirty="0" smtClean="0">
+              <a:solidFill>
+                <a:schemeClr val="tx1"/>
+              </a:solidFill>
+            </a:endParaRPr>
+          </a:p>
+          <a:p>
+            <a:r>
+              <a:rPr lang="en-US" sz="800" b="1" dirty="0">
+                <a:solidFill>
+                  <a:schemeClr val="tx1"/>
+                </a:solidFill>
+              </a:rPr>
+              <a:t>Cancel order from Blotter</a:t>
+            </a:r>
+          </a:p>
+          <a:p>
+            <a:r>
+              <a:rPr lang="en-US" sz="800" b="1" dirty="0">
+                <a:solidFill>
+                  <a:schemeClr val="tx1"/>
+                </a:solidFill>
+              </a:rPr>
+              <a:t>Write execution in History</a:t>
+            </a:r>
+          </a:p>
+          <a:p>
+            <a:r>
+              <a:rPr lang="en-US" sz="800" b="1" dirty="0">
+                <a:solidFill>
+                  <a:schemeClr val="tx1"/>
+                </a:solidFill>
+              </a:rPr>
+              <a:t>Update analytics</a:t>
+            </a:r>
+          </a:p>
+          <a:p>
+            <a:pPr algn="ctr"/>
+            <a:endParaRPr lang="de-CH" sz="800" b="1" dirty="0" smtClean="0">
+              <a:solidFill>
+                <a:schemeClr val="tx1"/>
+              </a:solidFill>
+            </a:endParaRPr>
+          </a:p>
+          <a:p>
+            <a:pPr algn="ctr"/>
+            <a:endParaRPr lang="it-IT" sz="800" dirty="0"/>
+          </a:p>
+        </p:txBody>
+      </p:sp>
     </p:spTree>
     <p:extLst>
       <p:ext uri="{BB962C8B-B14F-4D97-AF65-F5344CB8AC3E}">
         <p14:creationId xmlns:p14="http://schemas.microsoft.com/office/powerpoint/2010/main" val="2328962635"/>
+      </p:ext>
+    </p:extLst>
+  </p:cSld>
+  <p:clrMapOvr>
+    <a:masterClrMapping/>
+  </p:clrMapOvr>
+</p:sld>
+</file>
+
+<file path=ppt/slides/slide9.xml><?xml version="1.0" encoding="utf-8"?>
+<p:sld xmlns:a="http://schemas.openxmlformats.org/drawingml/2006/main" xmlns:r="http://schemas.openxmlformats.org/officeDocument/2006/relationships" xmlns:p="http://schemas.openxmlformats.org/presentationml/2006/main">
+  <p:cSld>
+    <p:spTree>
+      <p:nvGrpSpPr>
+        <p:cNvPr id="1" name=""/>
+        <p:cNvGrpSpPr/>
+        <p:nvPr/>
+      </p:nvGrpSpPr>
+      <p:grpSpPr>
+        <a:xfrm>
+          <a:off x="0" y="0"/>
+          <a:ext cx="0" cy="0"/>
+          <a:chOff x="0" y="0"/>
+          <a:chExt cx="0" cy="0"/>
+        </a:xfrm>
+      </p:grpSpPr>
+      <p:sp>
+        <p:nvSpPr>
+          <p:cNvPr id="2" name="Title 1"/>
+          <p:cNvSpPr>
+            <a:spLocks noGrp="1"/>
+          </p:cNvSpPr>
+          <p:nvPr>
+            <p:ph type="title"/>
+          </p:nvPr>
+        </p:nvSpPr>
+        <p:spPr/>
+        <p:txBody>
+          <a:bodyPr>
+            <a:normAutofit fontScale="90000"/>
+          </a:bodyPr>
+          <a:lstStyle/>
+          <a:p>
+            <a:r>
+              <a:rPr lang="de-CH" dirty="0" smtClean="0"/>
+              <a:t>Order execution: open position analytics</a:t>
+            </a:r>
+            <a:endParaRPr lang="it-IT" dirty="0"/>
+          </a:p>
+        </p:txBody>
+      </p:sp>
+      <p:sp>
+        <p:nvSpPr>
+          <p:cNvPr id="5" name="Oval 4"/>
+          <p:cNvSpPr/>
+          <p:nvPr/>
+        </p:nvSpPr>
+        <p:spPr>
+          <a:xfrm>
+            <a:off x="990600" y="2468880"/>
+            <a:ext cx="1447800" cy="609600"/>
+          </a:xfrm>
+          <a:prstGeom prst="ellipse">
+            <a:avLst/>
+          </a:prstGeom>
+          <a:noFill/>
+          <a:ln>
+            <a:solidFill>
+              <a:schemeClr val="tx1"/>
+            </a:solidFill>
+          </a:ln>
+        </p:spPr>
+        <p:style>
+          <a:lnRef idx="2">
+            <a:schemeClr val="accent1">
+              <a:shade val="50000"/>
+            </a:schemeClr>
+          </a:lnRef>
+          <a:fillRef idx="1">
+            <a:schemeClr val="accent1"/>
+          </a:fillRef>
+          <a:effectRef idx="0">
+            <a:schemeClr val="accent1"/>
+          </a:effectRef>
+          <a:fontRef idx="minor">
+            <a:schemeClr val="lt1"/>
+          </a:fontRef>
+        </p:style>
+        <p:txBody>
+          <a:bodyPr rtlCol="0" anchor="ctr"/>
+          <a:lstStyle/>
+          <a:p>
+            <a:pPr algn="ctr"/>
+            <a:r>
+              <a:rPr lang="de-CH" sz="1000" dirty="0" smtClean="0">
+                <a:solidFill>
+                  <a:schemeClr val="tx1"/>
+                </a:solidFill>
+              </a:rPr>
+              <a:t>Wait for a new order </a:t>
+            </a:r>
+            <a:r>
+              <a:rPr lang="de-CH" sz="1000" dirty="0" smtClean="0">
+                <a:solidFill>
+                  <a:schemeClr val="tx1"/>
+                </a:solidFill>
+              </a:rPr>
+              <a:t>fill from </a:t>
+            </a:r>
+            <a:r>
+              <a:rPr lang="de-CH" sz="1000" dirty="0" smtClean="0">
+                <a:solidFill>
+                  <a:schemeClr val="tx1"/>
+                </a:solidFill>
+              </a:rPr>
+              <a:t>server</a:t>
+            </a:r>
+            <a:endParaRPr lang="it-IT" sz="1000" dirty="0">
+              <a:solidFill>
+                <a:schemeClr val="tx1"/>
+              </a:solidFill>
+            </a:endParaRPr>
+          </a:p>
+        </p:txBody>
+      </p:sp>
+      <p:sp>
+        <p:nvSpPr>
+          <p:cNvPr id="6" name="Oval 5"/>
+          <p:cNvSpPr/>
+          <p:nvPr/>
+        </p:nvSpPr>
+        <p:spPr>
+          <a:xfrm>
+            <a:off x="3848100" y="2468880"/>
+            <a:ext cx="1447800" cy="609600"/>
+          </a:xfrm>
+          <a:prstGeom prst="ellipse">
+            <a:avLst/>
+          </a:prstGeom>
+          <a:noFill/>
+          <a:ln>
+            <a:solidFill>
+              <a:schemeClr val="tx1"/>
+            </a:solidFill>
+          </a:ln>
+        </p:spPr>
+        <p:style>
+          <a:lnRef idx="2">
+            <a:schemeClr val="accent1">
+              <a:shade val="50000"/>
+            </a:schemeClr>
+          </a:lnRef>
+          <a:fillRef idx="1">
+            <a:schemeClr val="accent1"/>
+          </a:fillRef>
+          <a:effectRef idx="0">
+            <a:schemeClr val="accent1"/>
+          </a:effectRef>
+          <a:fontRef idx="minor">
+            <a:schemeClr val="lt1"/>
+          </a:fontRef>
+        </p:style>
+        <p:txBody>
+          <a:bodyPr rtlCol="0" anchor="ctr"/>
+          <a:lstStyle/>
+          <a:p>
+            <a:pPr algn="ctr"/>
+            <a:r>
+              <a:rPr lang="de-CH" sz="1000" dirty="0" smtClean="0">
+                <a:solidFill>
+                  <a:schemeClr val="tx1"/>
+                </a:solidFill>
+              </a:rPr>
+              <a:t>Wait for open positions from server </a:t>
+            </a:r>
+            <a:endParaRPr lang="it-IT" sz="1000" dirty="0">
+              <a:solidFill>
+                <a:schemeClr val="tx1"/>
+              </a:solidFill>
+            </a:endParaRPr>
+          </a:p>
+        </p:txBody>
+      </p:sp>
+      <p:sp>
+        <p:nvSpPr>
+          <p:cNvPr id="7" name="Oval 6"/>
+          <p:cNvSpPr/>
+          <p:nvPr/>
+        </p:nvSpPr>
+        <p:spPr>
+          <a:xfrm>
+            <a:off x="6705600" y="2468880"/>
+            <a:ext cx="1600200" cy="609600"/>
+          </a:xfrm>
+          <a:prstGeom prst="ellipse">
+            <a:avLst/>
+          </a:prstGeom>
+          <a:noFill/>
+          <a:ln>
+            <a:solidFill>
+              <a:schemeClr val="tx1"/>
+            </a:solidFill>
+          </a:ln>
+        </p:spPr>
+        <p:style>
+          <a:lnRef idx="2">
+            <a:schemeClr val="accent1">
+              <a:shade val="50000"/>
+            </a:schemeClr>
+          </a:lnRef>
+          <a:fillRef idx="1">
+            <a:schemeClr val="accent1"/>
+          </a:fillRef>
+          <a:effectRef idx="0">
+            <a:schemeClr val="accent1"/>
+          </a:effectRef>
+          <a:fontRef idx="minor">
+            <a:schemeClr val="lt1"/>
+          </a:fontRef>
+        </p:style>
+        <p:txBody>
+          <a:bodyPr rtlCol="0" anchor="ctr"/>
+          <a:lstStyle/>
+          <a:p>
+            <a:pPr algn="ctr"/>
+            <a:r>
+              <a:rPr lang="de-CH" sz="1000" dirty="0" smtClean="0">
+                <a:solidFill>
+                  <a:schemeClr val="tx1"/>
+                </a:solidFill>
+              </a:rPr>
+              <a:t>Wait for </a:t>
+            </a:r>
+            <a:r>
+              <a:rPr lang="de-CH" sz="1000" dirty="0" smtClean="0">
+                <a:solidFill>
+                  <a:schemeClr val="tx1"/>
+                </a:solidFill>
+              </a:rPr>
+              <a:t>booked trades for each open position</a:t>
+            </a:r>
+            <a:endParaRPr lang="it-IT" sz="1000" dirty="0">
+              <a:solidFill>
+                <a:schemeClr val="tx1"/>
+              </a:solidFill>
+            </a:endParaRPr>
+          </a:p>
+        </p:txBody>
+      </p:sp>
+      <p:graphicFrame>
+        <p:nvGraphicFramePr>
+          <p:cNvPr id="9" name="Table 8"/>
+          <p:cNvGraphicFramePr>
+            <a:graphicFrameLocks noGrp="1"/>
+          </p:cNvGraphicFramePr>
+          <p:nvPr>
+            <p:extLst>
+              <p:ext uri="{D42A27DB-BD31-4B8C-83A1-F6EECF244321}">
+                <p14:modId xmlns:p14="http://schemas.microsoft.com/office/powerpoint/2010/main" val="184833702"/>
+              </p:ext>
+            </p:extLst>
+          </p:nvPr>
+        </p:nvGraphicFramePr>
+        <p:xfrm>
+          <a:off x="1693985" y="1981200"/>
+          <a:ext cx="2895600" cy="487680"/>
+        </p:xfrm>
+        <a:graphic>
+          <a:graphicData uri="http://schemas.openxmlformats.org/drawingml/2006/table">
+            <a:tbl>
+              <a:tblPr firstRow="1" bandRow="1">
+                <a:tableStyleId>{5C22544A-7EE6-4342-B048-85BDC9FD1C3A}</a:tableStyleId>
+              </a:tblPr>
+              <a:tblGrid>
+                <a:gridCol w="2895600"/>
+              </a:tblGrid>
+              <a:tr h="228600">
+                <a:tc>
+                  <a:txBody>
+                    <a:bodyPr/>
+                    <a:lstStyle/>
+                    <a:p>
+                      <a:pPr algn="ctr"/>
+                      <a:r>
+                        <a:rPr lang="de-CH" sz="1000" b="0" dirty="0" smtClean="0">
+                          <a:solidFill>
+                            <a:schemeClr val="tx1"/>
+                          </a:solidFill>
+                        </a:rPr>
+                        <a:t>Execution message</a:t>
+                      </a:r>
+                      <a:r>
+                        <a:rPr lang="de-CH" sz="1000" b="0" baseline="0" dirty="0" smtClean="0">
+                          <a:solidFill>
+                            <a:schemeClr val="tx1"/>
+                          </a:solidFill>
+                        </a:rPr>
+                        <a:t> </a:t>
+                      </a:r>
+                      <a:r>
+                        <a:rPr lang="de-CH" sz="1000" b="0" baseline="0" dirty="0" smtClean="0">
+                          <a:solidFill>
+                            <a:schemeClr val="tx1"/>
+                          </a:solidFill>
+                        </a:rPr>
+                        <a:t>received</a:t>
+                      </a:r>
+                      <a:endParaRPr lang="it-IT" sz="1000" b="0" dirty="0">
+                        <a:solidFill>
+                          <a:schemeClr val="tx1"/>
+                        </a:solidFill>
+                      </a:endParaRPr>
+                    </a:p>
+                  </a:txBody>
+                  <a:tcPr>
+                    <a:lnL w="12700" cap="flat" cmpd="sng" algn="ctr">
+                      <a:noFill/>
+                      <a:prstDash val="solid"/>
+                      <a:round/>
+                      <a:headEnd type="none" w="med" len="med"/>
+                      <a:tailEnd type="none" w="med" len="med"/>
+                    </a:lnL>
+                    <a:lnR w="12700" cap="flat" cmpd="sng" algn="ctr">
+                      <a:noFill/>
+                      <a:prstDash val="solid"/>
+                      <a:round/>
+                      <a:headEnd type="none" w="med" len="med"/>
+                      <a:tailEnd type="none" w="med" len="med"/>
+                    </a:lnR>
+                    <a:lnT w="12700" cap="flat" cmpd="sng" algn="ctr">
+                      <a:noFill/>
+                      <a:prstDash val="solid"/>
+                      <a:round/>
+                      <a:headEnd type="none" w="med" len="med"/>
+                      <a:tailEnd type="none" w="med" len="med"/>
+                    </a:lnT>
+                    <a:lnB w="12700" cap="flat" cmpd="sng" algn="ctr">
+                      <a:solidFill>
+                        <a:schemeClr val="tx1"/>
+                      </a:solidFill>
+                      <a:prstDash val="solid"/>
+                      <a:round/>
+                      <a:headEnd type="none" w="med" len="med"/>
+                      <a:tailEnd type="none" w="med" len="med"/>
+                    </a:lnB>
+                    <a:lnTlToBr w="12700" cmpd="sng">
+                      <a:noFill/>
+                      <a:prstDash val="solid"/>
+                    </a:lnTlToBr>
+                    <a:lnBlToTr w="12700" cmpd="sng">
+                      <a:noFill/>
+                      <a:prstDash val="solid"/>
+                    </a:lnBlToTr>
+                    <a:noFill/>
+                  </a:tcPr>
+                </a:tc>
+              </a:tr>
+              <a:tr h="228600">
+                <a:tc>
+                  <a:txBody>
+                    <a:bodyPr/>
+                    <a:lstStyle/>
+                    <a:p>
+                      <a:pPr algn="ctr"/>
+                      <a:r>
+                        <a:rPr lang="de-CH" sz="1000" b="0" dirty="0" smtClean="0">
+                          <a:solidFill>
+                            <a:schemeClr val="tx1"/>
+                          </a:solidFill>
+                        </a:rPr>
+                        <a:t>Send</a:t>
+                      </a:r>
+                      <a:r>
+                        <a:rPr lang="de-CH" sz="1000" b="0" baseline="0" dirty="0" smtClean="0">
+                          <a:solidFill>
+                            <a:schemeClr val="tx1"/>
+                          </a:solidFill>
+                        </a:rPr>
+                        <a:t> open position request to DB BookSchema</a:t>
+                      </a:r>
+                      <a:endParaRPr lang="it-IT" sz="1000" b="0" dirty="0">
+                        <a:solidFill>
+                          <a:schemeClr val="tx1"/>
+                        </a:solidFill>
+                      </a:endParaRPr>
+                    </a:p>
+                  </a:txBody>
+                  <a:tcPr>
+                    <a:lnL w="12700" cap="flat" cmpd="sng" algn="ctr">
+                      <a:noFill/>
+                      <a:prstDash val="solid"/>
+                      <a:round/>
+                      <a:headEnd type="none" w="med" len="med"/>
+                      <a:tailEnd type="none" w="med" len="med"/>
+                    </a:lnL>
+                    <a:lnR w="12700" cap="flat" cmpd="sng" algn="ctr">
+                      <a:noFill/>
+                      <a:prstDash val="solid"/>
+                      <a:round/>
+                      <a:headEnd type="none" w="med" len="med"/>
+                      <a:tailEnd type="none" w="med" len="med"/>
+                    </a:lnR>
+                    <a:lnT w="12700" cap="flat" cmpd="sng" algn="ctr">
+                      <a:solidFill>
+                        <a:schemeClr val="tx1"/>
+                      </a:solidFill>
+                      <a:prstDash val="solid"/>
+                      <a:round/>
+                      <a:headEnd type="none" w="med" len="med"/>
+                      <a:tailEnd type="none" w="med" len="med"/>
+                    </a:lnT>
+                    <a:lnB w="12700" cap="flat" cmpd="sng" algn="ctr">
+                      <a:noFill/>
+                      <a:prstDash val="solid"/>
+                      <a:round/>
+                      <a:headEnd type="none" w="med" len="med"/>
+                      <a:tailEnd type="none" w="med" len="med"/>
+                    </a:lnB>
+                    <a:lnTlToBr w="12700" cmpd="sng">
+                      <a:noFill/>
+                      <a:prstDash val="solid"/>
+                    </a:lnTlToBr>
+                    <a:lnBlToTr w="12700" cmpd="sng">
+                      <a:noFill/>
+                      <a:prstDash val="solid"/>
+                    </a:lnBlToTr>
+                    <a:noFill/>
+                  </a:tcPr>
+                </a:tc>
+              </a:tr>
+            </a:tbl>
+          </a:graphicData>
+        </a:graphic>
+      </p:graphicFrame>
+      <p:graphicFrame>
+        <p:nvGraphicFramePr>
+          <p:cNvPr id="11" name="Table 10"/>
+          <p:cNvGraphicFramePr>
+            <a:graphicFrameLocks noGrp="1"/>
+          </p:cNvGraphicFramePr>
+          <p:nvPr>
+            <p:extLst>
+              <p:ext uri="{D42A27DB-BD31-4B8C-83A1-F6EECF244321}">
+                <p14:modId xmlns:p14="http://schemas.microsoft.com/office/powerpoint/2010/main" val="1677647724"/>
+              </p:ext>
+            </p:extLst>
+          </p:nvPr>
+        </p:nvGraphicFramePr>
+        <p:xfrm>
+          <a:off x="4953000" y="2011680"/>
+          <a:ext cx="2095500" cy="640080"/>
+        </p:xfrm>
+        <a:graphic>
+          <a:graphicData uri="http://schemas.openxmlformats.org/drawingml/2006/table">
+            <a:tbl>
+              <a:tblPr firstRow="1" bandRow="1">
+                <a:tableStyleId>{5C22544A-7EE6-4342-B048-85BDC9FD1C3A}</a:tableStyleId>
+              </a:tblPr>
+              <a:tblGrid>
+                <a:gridCol w="2095500"/>
+              </a:tblGrid>
+              <a:tr h="228600">
+                <a:tc>
+                  <a:txBody>
+                    <a:bodyPr/>
+                    <a:lstStyle/>
+                    <a:p>
+                      <a:pPr algn="ctr"/>
+                      <a:r>
+                        <a:rPr lang="de-CH" sz="1000" b="0" dirty="0" smtClean="0">
+                          <a:solidFill>
+                            <a:schemeClr val="tx1"/>
+                          </a:solidFill>
+                        </a:rPr>
+                        <a:t>Open positions received</a:t>
+                      </a:r>
+                      <a:endParaRPr lang="it-IT" sz="1000" b="0" dirty="0">
+                        <a:solidFill>
+                          <a:schemeClr val="tx1"/>
+                        </a:solidFill>
+                      </a:endParaRPr>
+                    </a:p>
+                  </a:txBody>
+                  <a:tcPr>
+                    <a:lnL w="12700" cap="flat" cmpd="sng" algn="ctr">
+                      <a:noFill/>
+                      <a:prstDash val="solid"/>
+                      <a:round/>
+                      <a:headEnd type="none" w="med" len="med"/>
+                      <a:tailEnd type="none" w="med" len="med"/>
+                    </a:lnL>
+                    <a:lnR w="12700" cap="flat" cmpd="sng" algn="ctr">
+                      <a:noFill/>
+                      <a:prstDash val="solid"/>
+                      <a:round/>
+                      <a:headEnd type="none" w="med" len="med"/>
+                      <a:tailEnd type="none" w="med" len="med"/>
+                    </a:lnR>
+                    <a:lnT w="12700" cap="flat" cmpd="sng" algn="ctr">
+                      <a:noFill/>
+                      <a:prstDash val="solid"/>
+                      <a:round/>
+                      <a:headEnd type="none" w="med" len="med"/>
+                      <a:tailEnd type="none" w="med" len="med"/>
+                    </a:lnT>
+                    <a:lnB w="12700" cap="flat" cmpd="sng" algn="ctr">
+                      <a:solidFill>
+                        <a:schemeClr val="tx1"/>
+                      </a:solidFill>
+                      <a:prstDash val="solid"/>
+                      <a:round/>
+                      <a:headEnd type="none" w="med" len="med"/>
+                      <a:tailEnd type="none" w="med" len="med"/>
+                    </a:lnB>
+                    <a:lnTlToBr w="12700" cmpd="sng">
+                      <a:noFill/>
+                      <a:prstDash val="solid"/>
+                    </a:lnTlToBr>
+                    <a:lnBlToTr w="12700" cmpd="sng">
+                      <a:noFill/>
+                      <a:prstDash val="solid"/>
+                    </a:lnBlToTr>
+                    <a:noFill/>
+                  </a:tcPr>
+                </a:tc>
+              </a:tr>
+              <a:tr h="228600">
+                <a:tc>
+                  <a:txBody>
+                    <a:bodyPr/>
+                    <a:lstStyle/>
+                    <a:p>
+                      <a:pPr marL="0" marR="0" indent="0" algn="ctr" defTabSz="914400" rtl="0" eaLnBrk="1" fontAlgn="auto" latinLnBrk="0" hangingPunct="1">
+                        <a:lnSpc>
+                          <a:spcPct val="100000"/>
+                        </a:lnSpc>
+                        <a:spcBef>
+                          <a:spcPts val="0"/>
+                        </a:spcBef>
+                        <a:spcAft>
+                          <a:spcPts val="0"/>
+                        </a:spcAft>
+                        <a:buClrTx/>
+                        <a:buSzTx/>
+                        <a:buFontTx/>
+                        <a:buNone/>
+                        <a:tabLst/>
+                        <a:defRPr/>
+                      </a:pPr>
+                      <a:r>
+                        <a:rPr lang="de-CH" sz="1000" b="0" dirty="0" smtClean="0">
+                          <a:solidFill>
+                            <a:schemeClr val="tx1"/>
+                          </a:solidFill>
+                        </a:rPr>
+                        <a:t>Send </a:t>
+                      </a:r>
+                      <a:r>
+                        <a:rPr lang="de-CH" sz="1000" b="0" dirty="0" smtClean="0">
+                          <a:solidFill>
+                            <a:schemeClr val="tx1"/>
+                          </a:solidFill>
+                        </a:rPr>
+                        <a:t>trades list request for each open positions</a:t>
+                      </a:r>
+                    </a:p>
+                  </a:txBody>
+                  <a:tcPr>
+                    <a:lnL w="12700" cap="flat" cmpd="sng" algn="ctr">
+                      <a:noFill/>
+                      <a:prstDash val="solid"/>
+                      <a:round/>
+                      <a:headEnd type="none" w="med" len="med"/>
+                      <a:tailEnd type="none" w="med" len="med"/>
+                    </a:lnL>
+                    <a:lnR w="12700" cap="flat" cmpd="sng" algn="ctr">
+                      <a:noFill/>
+                      <a:prstDash val="solid"/>
+                      <a:round/>
+                      <a:headEnd type="none" w="med" len="med"/>
+                      <a:tailEnd type="none" w="med" len="med"/>
+                    </a:lnR>
+                    <a:lnT w="12700" cap="flat" cmpd="sng" algn="ctr">
+                      <a:solidFill>
+                        <a:schemeClr val="tx1"/>
+                      </a:solidFill>
+                      <a:prstDash val="solid"/>
+                      <a:round/>
+                      <a:headEnd type="none" w="med" len="med"/>
+                      <a:tailEnd type="none" w="med" len="med"/>
+                    </a:lnT>
+                    <a:lnB w="12700" cap="flat" cmpd="sng" algn="ctr">
+                      <a:noFill/>
+                      <a:prstDash val="solid"/>
+                      <a:round/>
+                      <a:headEnd type="none" w="med" len="med"/>
+                      <a:tailEnd type="none" w="med" len="med"/>
+                    </a:lnB>
+                    <a:lnTlToBr w="12700" cmpd="sng">
+                      <a:noFill/>
+                      <a:prstDash val="solid"/>
+                    </a:lnTlToBr>
+                    <a:lnBlToTr w="12700" cmpd="sng">
+                      <a:noFill/>
+                      <a:prstDash val="solid"/>
+                    </a:lnBlToTr>
+                    <a:noFill/>
+                  </a:tcPr>
+                </a:tc>
+              </a:tr>
+            </a:tbl>
+          </a:graphicData>
+        </a:graphic>
+      </p:graphicFrame>
+      <p:graphicFrame>
+        <p:nvGraphicFramePr>
+          <p:cNvPr id="13" name="Table 12"/>
+          <p:cNvGraphicFramePr>
+            <a:graphicFrameLocks noGrp="1"/>
+          </p:cNvGraphicFramePr>
+          <p:nvPr>
+            <p:extLst>
+              <p:ext uri="{D42A27DB-BD31-4B8C-83A1-F6EECF244321}">
+                <p14:modId xmlns:p14="http://schemas.microsoft.com/office/powerpoint/2010/main" val="2764953794"/>
+              </p:ext>
+            </p:extLst>
+          </p:nvPr>
+        </p:nvGraphicFramePr>
+        <p:xfrm>
+          <a:off x="3352800" y="3230880"/>
+          <a:ext cx="2438400" cy="792480"/>
+        </p:xfrm>
+        <a:graphic>
+          <a:graphicData uri="http://schemas.openxmlformats.org/drawingml/2006/table">
+            <a:tbl>
+              <a:tblPr firstRow="1" bandRow="1">
+                <a:tableStyleId>{5C22544A-7EE6-4342-B048-85BDC9FD1C3A}</a:tableStyleId>
+              </a:tblPr>
+              <a:tblGrid>
+                <a:gridCol w="2438400"/>
+              </a:tblGrid>
+              <a:tr h="228600">
+                <a:tc>
+                  <a:txBody>
+                    <a:bodyPr/>
+                    <a:lstStyle/>
+                    <a:p>
+                      <a:pPr algn="ctr"/>
+                      <a:r>
+                        <a:rPr lang="de-CH" sz="1000" b="0" dirty="0" smtClean="0">
+                          <a:solidFill>
+                            <a:schemeClr val="tx1"/>
+                          </a:solidFill>
+                        </a:rPr>
+                        <a:t>Trade list</a:t>
+                      </a:r>
+                      <a:r>
+                        <a:rPr lang="de-CH" sz="1000" b="0" baseline="0" dirty="0" smtClean="0">
+                          <a:solidFill>
+                            <a:schemeClr val="tx1"/>
+                          </a:solidFill>
+                        </a:rPr>
+                        <a:t> received</a:t>
+                      </a:r>
+                      <a:endParaRPr lang="it-IT" sz="1000" b="0" dirty="0">
+                        <a:solidFill>
+                          <a:schemeClr val="tx1"/>
+                        </a:solidFill>
+                      </a:endParaRPr>
+                    </a:p>
+                  </a:txBody>
+                  <a:tcPr>
+                    <a:lnL w="12700" cap="flat" cmpd="sng" algn="ctr">
+                      <a:noFill/>
+                      <a:prstDash val="solid"/>
+                      <a:round/>
+                      <a:headEnd type="none" w="med" len="med"/>
+                      <a:tailEnd type="none" w="med" len="med"/>
+                    </a:lnL>
+                    <a:lnR w="12700" cap="flat" cmpd="sng" algn="ctr">
+                      <a:noFill/>
+                      <a:prstDash val="solid"/>
+                      <a:round/>
+                      <a:headEnd type="none" w="med" len="med"/>
+                      <a:tailEnd type="none" w="med" len="med"/>
+                    </a:lnR>
+                    <a:lnT w="12700" cap="flat" cmpd="sng" algn="ctr">
+                      <a:noFill/>
+                      <a:prstDash val="solid"/>
+                      <a:round/>
+                      <a:headEnd type="none" w="med" len="med"/>
+                      <a:tailEnd type="none" w="med" len="med"/>
+                    </a:lnT>
+                    <a:lnB w="12700" cap="flat" cmpd="sng" algn="ctr">
+                      <a:solidFill>
+                        <a:schemeClr val="tx1"/>
+                      </a:solidFill>
+                      <a:prstDash val="solid"/>
+                      <a:round/>
+                      <a:headEnd type="none" w="med" len="med"/>
+                      <a:tailEnd type="none" w="med" len="med"/>
+                    </a:lnB>
+                    <a:lnTlToBr w="12700" cmpd="sng">
+                      <a:noFill/>
+                      <a:prstDash val="solid"/>
+                    </a:lnTlToBr>
+                    <a:lnBlToTr w="12700" cmpd="sng">
+                      <a:noFill/>
+                      <a:prstDash val="solid"/>
+                    </a:lnBlToTr>
+                    <a:noFill/>
+                  </a:tcPr>
+                </a:tc>
+              </a:tr>
+              <a:tr h="228600">
+                <a:tc>
+                  <a:txBody>
+                    <a:bodyPr/>
+                    <a:lstStyle/>
+                    <a:p>
+                      <a:pPr marL="0" marR="0" indent="0" algn="ctr" defTabSz="914400" rtl="0" eaLnBrk="1" fontAlgn="auto" latinLnBrk="0" hangingPunct="1">
+                        <a:lnSpc>
+                          <a:spcPct val="100000"/>
+                        </a:lnSpc>
+                        <a:spcBef>
+                          <a:spcPts val="0"/>
+                        </a:spcBef>
+                        <a:spcAft>
+                          <a:spcPts val="0"/>
+                        </a:spcAft>
+                        <a:buClrTx/>
+                        <a:buSzTx/>
+                        <a:buFontTx/>
+                        <a:buNone/>
+                        <a:tabLst/>
+                        <a:defRPr/>
+                      </a:pPr>
+                      <a:r>
+                        <a:rPr lang="de-CH" sz="1000" b="0" dirty="0" smtClean="0">
+                          <a:solidFill>
+                            <a:schemeClr val="tx1"/>
+                          </a:solidFill>
+                        </a:rPr>
+                        <a:t>Calculate the open price with FIFO algorithm</a:t>
+                      </a:r>
+                    </a:p>
+                    <a:p>
+                      <a:pPr marL="0" marR="0" indent="0" algn="ctr" defTabSz="914400" rtl="0" eaLnBrk="1" fontAlgn="auto" latinLnBrk="0" hangingPunct="1">
+                        <a:lnSpc>
+                          <a:spcPct val="100000"/>
+                        </a:lnSpc>
+                        <a:spcBef>
+                          <a:spcPts val="0"/>
+                        </a:spcBef>
+                        <a:spcAft>
+                          <a:spcPts val="0"/>
+                        </a:spcAft>
+                        <a:buClrTx/>
+                        <a:buSzTx/>
+                        <a:buFontTx/>
+                        <a:buNone/>
+                        <a:tabLst/>
+                        <a:defRPr/>
+                      </a:pPr>
+                      <a:r>
+                        <a:rPr lang="de-CH" sz="1000" b="0" dirty="0" smtClean="0">
+                          <a:solidFill>
+                            <a:schemeClr val="tx1"/>
+                          </a:solidFill>
+                        </a:rPr>
+                        <a:t>Display open positions with open prices</a:t>
+                      </a:r>
+                      <a:endParaRPr lang="it-IT" sz="1000" b="0" dirty="0">
+                        <a:solidFill>
+                          <a:schemeClr val="tx1"/>
+                        </a:solidFill>
+                      </a:endParaRPr>
+                    </a:p>
+                  </a:txBody>
+                  <a:tcPr>
+                    <a:lnL w="12700" cap="flat" cmpd="sng" algn="ctr">
+                      <a:noFill/>
+                      <a:prstDash val="solid"/>
+                      <a:round/>
+                      <a:headEnd type="none" w="med" len="med"/>
+                      <a:tailEnd type="none" w="med" len="med"/>
+                    </a:lnL>
+                    <a:lnR w="12700" cap="flat" cmpd="sng" algn="ctr">
+                      <a:noFill/>
+                      <a:prstDash val="solid"/>
+                      <a:round/>
+                      <a:headEnd type="none" w="med" len="med"/>
+                      <a:tailEnd type="none" w="med" len="med"/>
+                    </a:lnR>
+                    <a:lnT w="12700" cap="flat" cmpd="sng" algn="ctr">
+                      <a:solidFill>
+                        <a:schemeClr val="tx1"/>
+                      </a:solidFill>
+                      <a:prstDash val="solid"/>
+                      <a:round/>
+                      <a:headEnd type="none" w="med" len="med"/>
+                      <a:tailEnd type="none" w="med" len="med"/>
+                    </a:lnT>
+                    <a:lnB w="12700" cap="flat" cmpd="sng" algn="ctr">
+                      <a:noFill/>
+                      <a:prstDash val="solid"/>
+                      <a:round/>
+                      <a:headEnd type="none" w="med" len="med"/>
+                      <a:tailEnd type="none" w="med" len="med"/>
+                    </a:lnB>
+                    <a:lnTlToBr w="12700" cmpd="sng">
+                      <a:noFill/>
+                      <a:prstDash val="solid"/>
+                    </a:lnTlToBr>
+                    <a:lnBlToTr w="12700" cmpd="sng">
+                      <a:noFill/>
+                      <a:prstDash val="solid"/>
+                    </a:lnBlToTr>
+                    <a:noFill/>
+                  </a:tcPr>
+                </a:tc>
+              </a:tr>
+            </a:tbl>
+          </a:graphicData>
+        </a:graphic>
+      </p:graphicFrame>
+      <p:cxnSp>
+        <p:nvCxnSpPr>
+          <p:cNvPr id="21" name="Straight Arrow Connector 20"/>
+          <p:cNvCxnSpPr>
+            <a:stCxn id="6" idx="6"/>
+            <a:endCxn id="7" idx="2"/>
+          </p:cNvCxnSpPr>
+          <p:nvPr/>
+        </p:nvCxnSpPr>
+        <p:spPr>
+          <a:xfrm>
+            <a:off x="5295900" y="2773680"/>
+            <a:ext cx="1409700" cy="0"/>
+          </a:xfrm>
+          <a:prstGeom prst="straightConnector1">
+            <a:avLst/>
+          </a:prstGeom>
+          <a:ln>
+            <a:solidFill>
+              <a:schemeClr val="tx1"/>
+            </a:solidFill>
+            <a:tailEnd type="triangle"/>
+          </a:ln>
+        </p:spPr>
+        <p:style>
+          <a:lnRef idx="1">
+            <a:schemeClr val="accent1"/>
+          </a:lnRef>
+          <a:fillRef idx="0">
+            <a:schemeClr val="accent1"/>
+          </a:fillRef>
+          <a:effectRef idx="0">
+            <a:schemeClr val="accent1"/>
+          </a:effectRef>
+          <a:fontRef idx="minor">
+            <a:schemeClr val="tx1"/>
+          </a:fontRef>
+        </p:style>
+      </p:cxnSp>
+      <p:cxnSp>
+        <p:nvCxnSpPr>
+          <p:cNvPr id="33" name="Straight Arrow Connector 32"/>
+          <p:cNvCxnSpPr>
+            <a:endCxn id="5" idx="2"/>
+          </p:cNvCxnSpPr>
+          <p:nvPr/>
+        </p:nvCxnSpPr>
+        <p:spPr>
+          <a:xfrm>
+            <a:off x="457200" y="2773680"/>
+            <a:ext cx="533400" cy="0"/>
+          </a:xfrm>
+          <a:prstGeom prst="straightConnector1">
+            <a:avLst/>
+          </a:prstGeom>
+          <a:ln>
+            <a:solidFill>
+              <a:schemeClr val="tx1"/>
+            </a:solidFill>
+            <a:tailEnd type="triangle"/>
+          </a:ln>
+        </p:spPr>
+        <p:style>
+          <a:lnRef idx="1">
+            <a:schemeClr val="accent1"/>
+          </a:lnRef>
+          <a:fillRef idx="0">
+            <a:schemeClr val="accent1"/>
+          </a:fillRef>
+          <a:effectRef idx="0">
+            <a:schemeClr val="accent1"/>
+          </a:effectRef>
+          <a:fontRef idx="minor">
+            <a:schemeClr val="tx1"/>
+          </a:fontRef>
+        </p:style>
+      </p:cxnSp>
+      <p:cxnSp>
+        <p:nvCxnSpPr>
+          <p:cNvPr id="18" name="Straight Arrow Connector 17"/>
+          <p:cNvCxnSpPr>
+            <a:stCxn id="5" idx="6"/>
+            <a:endCxn id="6" idx="2"/>
+          </p:cNvCxnSpPr>
+          <p:nvPr/>
+        </p:nvCxnSpPr>
+        <p:spPr>
+          <a:xfrm>
+            <a:off x="2438400" y="2773680"/>
+            <a:ext cx="1409700" cy="0"/>
+          </a:xfrm>
+          <a:prstGeom prst="straightConnector1">
+            <a:avLst/>
+          </a:prstGeom>
+          <a:ln>
+            <a:solidFill>
+              <a:schemeClr val="tx1"/>
+            </a:solidFill>
+            <a:tailEnd type="triangle"/>
+          </a:ln>
+        </p:spPr>
+        <p:style>
+          <a:lnRef idx="1">
+            <a:schemeClr val="accent1"/>
+          </a:lnRef>
+          <a:fillRef idx="0">
+            <a:schemeClr val="accent1"/>
+          </a:fillRef>
+          <a:effectRef idx="0">
+            <a:schemeClr val="accent1"/>
+          </a:effectRef>
+          <a:fontRef idx="minor">
+            <a:schemeClr val="tx1"/>
+          </a:fontRef>
+        </p:style>
+      </p:cxnSp>
+      <p:cxnSp>
+        <p:nvCxnSpPr>
+          <p:cNvPr id="23" name="Elbow Connector 22"/>
+          <p:cNvCxnSpPr>
+            <a:stCxn id="7" idx="4"/>
+            <a:endCxn id="13" idx="3"/>
+          </p:cNvCxnSpPr>
+          <p:nvPr/>
+        </p:nvCxnSpPr>
+        <p:spPr>
+          <a:xfrm rot="5400000">
+            <a:off x="6374130" y="2495550"/>
+            <a:ext cx="548640" cy="1714500"/>
+          </a:xfrm>
+          <a:prstGeom prst="bentConnector2">
+            <a:avLst/>
+          </a:prstGeom>
+          <a:ln>
+            <a:solidFill>
+              <a:schemeClr val="tx1"/>
+            </a:solidFill>
+          </a:ln>
+        </p:spPr>
+        <p:style>
+          <a:lnRef idx="1">
+            <a:schemeClr val="accent1"/>
+          </a:lnRef>
+          <a:fillRef idx="0">
+            <a:schemeClr val="accent1"/>
+          </a:fillRef>
+          <a:effectRef idx="0">
+            <a:schemeClr val="accent1"/>
+          </a:effectRef>
+          <a:fontRef idx="minor">
+            <a:schemeClr val="tx1"/>
+          </a:fontRef>
+        </p:style>
+      </p:cxnSp>
+      <p:cxnSp>
+        <p:nvCxnSpPr>
+          <p:cNvPr id="25" name="Elbow Connector 24"/>
+          <p:cNvCxnSpPr>
+            <a:stCxn id="13" idx="1"/>
+            <a:endCxn id="5" idx="4"/>
+          </p:cNvCxnSpPr>
+          <p:nvPr/>
+        </p:nvCxnSpPr>
+        <p:spPr>
+          <a:xfrm rot="10800000">
+            <a:off x="1714500" y="3078480"/>
+            <a:ext cx="1638300" cy="548640"/>
+          </a:xfrm>
+          <a:prstGeom prst="bentConnector2">
+            <a:avLst/>
+          </a:prstGeom>
+          <a:ln>
+            <a:solidFill>
+              <a:schemeClr val="tx1"/>
+            </a:solidFill>
+            <a:tailEnd type="triangle"/>
+          </a:ln>
+        </p:spPr>
+        <p:style>
+          <a:lnRef idx="1">
+            <a:schemeClr val="accent1"/>
+          </a:lnRef>
+          <a:fillRef idx="0">
+            <a:schemeClr val="accent1"/>
+          </a:fillRef>
+          <a:effectRef idx="0">
+            <a:schemeClr val="accent1"/>
+          </a:effectRef>
+          <a:fontRef idx="minor">
+            <a:schemeClr val="tx1"/>
+          </a:fontRef>
+        </p:style>
+      </p:cxnSp>
+      <p:sp>
+        <p:nvSpPr>
+          <p:cNvPr id="29" name="Oval 28"/>
+          <p:cNvSpPr/>
+          <p:nvPr/>
+        </p:nvSpPr>
+        <p:spPr>
+          <a:xfrm>
+            <a:off x="990600" y="5074920"/>
+            <a:ext cx="1447800" cy="609600"/>
+          </a:xfrm>
+          <a:prstGeom prst="ellipse">
+            <a:avLst/>
+          </a:prstGeom>
+          <a:noFill/>
+          <a:ln>
+            <a:solidFill>
+              <a:schemeClr val="tx1"/>
+            </a:solidFill>
+          </a:ln>
+        </p:spPr>
+        <p:style>
+          <a:lnRef idx="2">
+            <a:schemeClr val="accent1">
+              <a:shade val="50000"/>
+            </a:schemeClr>
+          </a:lnRef>
+          <a:fillRef idx="1">
+            <a:schemeClr val="accent1"/>
+          </a:fillRef>
+          <a:effectRef idx="0">
+            <a:schemeClr val="accent1"/>
+          </a:effectRef>
+          <a:fontRef idx="minor">
+            <a:schemeClr val="lt1"/>
+          </a:fontRef>
+        </p:style>
+        <p:txBody>
+          <a:bodyPr rtlCol="0" anchor="ctr"/>
+          <a:lstStyle/>
+          <a:p>
+            <a:pPr algn="ctr"/>
+            <a:r>
+              <a:rPr lang="de-CH" sz="1000" dirty="0" smtClean="0">
+                <a:solidFill>
+                  <a:schemeClr val="tx1"/>
+                </a:solidFill>
+              </a:rPr>
+              <a:t>Wait for a new order </a:t>
+            </a:r>
+            <a:r>
+              <a:rPr lang="de-CH" sz="1000" dirty="0" smtClean="0">
+                <a:solidFill>
+                  <a:schemeClr val="tx1"/>
+                </a:solidFill>
+              </a:rPr>
+              <a:t>fill from market</a:t>
+            </a:r>
+            <a:endParaRPr lang="it-IT" sz="1000" dirty="0">
+              <a:solidFill>
+                <a:schemeClr val="tx1"/>
+              </a:solidFill>
+            </a:endParaRPr>
+          </a:p>
+        </p:txBody>
+      </p:sp>
+      <p:sp>
+        <p:nvSpPr>
+          <p:cNvPr id="30" name="Oval 29"/>
+          <p:cNvSpPr/>
+          <p:nvPr/>
+        </p:nvSpPr>
+        <p:spPr>
+          <a:xfrm>
+            <a:off x="3848100" y="5074920"/>
+            <a:ext cx="1447800" cy="609600"/>
+          </a:xfrm>
+          <a:prstGeom prst="ellipse">
+            <a:avLst/>
+          </a:prstGeom>
+          <a:noFill/>
+          <a:ln>
+            <a:solidFill>
+              <a:schemeClr val="tx1"/>
+            </a:solidFill>
+          </a:ln>
+        </p:spPr>
+        <p:style>
+          <a:lnRef idx="2">
+            <a:schemeClr val="accent1">
+              <a:shade val="50000"/>
+            </a:schemeClr>
+          </a:lnRef>
+          <a:fillRef idx="1">
+            <a:schemeClr val="accent1"/>
+          </a:fillRef>
+          <a:effectRef idx="0">
+            <a:schemeClr val="accent1"/>
+          </a:effectRef>
+          <a:fontRef idx="minor">
+            <a:schemeClr val="lt1"/>
+          </a:fontRef>
+        </p:style>
+        <p:txBody>
+          <a:bodyPr rtlCol="0" anchor="ctr"/>
+          <a:lstStyle/>
+          <a:p>
+            <a:pPr algn="ctr"/>
+            <a:r>
+              <a:rPr lang="de-CH" sz="1000" dirty="0" smtClean="0">
+                <a:solidFill>
+                  <a:schemeClr val="tx1"/>
+                </a:solidFill>
+              </a:rPr>
+              <a:t>Wait for open positions from client </a:t>
+            </a:r>
+            <a:endParaRPr lang="it-IT" sz="1000" dirty="0">
+              <a:solidFill>
+                <a:schemeClr val="tx1"/>
+              </a:solidFill>
+            </a:endParaRPr>
+          </a:p>
+        </p:txBody>
+      </p:sp>
+      <p:sp>
+        <p:nvSpPr>
+          <p:cNvPr id="32" name="Oval 31"/>
+          <p:cNvSpPr/>
+          <p:nvPr/>
+        </p:nvSpPr>
+        <p:spPr>
+          <a:xfrm>
+            <a:off x="6705600" y="5074920"/>
+            <a:ext cx="1981200" cy="609600"/>
+          </a:xfrm>
+          <a:prstGeom prst="ellipse">
+            <a:avLst/>
+          </a:prstGeom>
+          <a:noFill/>
+          <a:ln>
+            <a:solidFill>
+              <a:schemeClr val="tx1"/>
+            </a:solidFill>
+          </a:ln>
+        </p:spPr>
+        <p:style>
+          <a:lnRef idx="2">
+            <a:schemeClr val="accent1">
+              <a:shade val="50000"/>
+            </a:schemeClr>
+          </a:lnRef>
+          <a:fillRef idx="1">
+            <a:schemeClr val="accent1"/>
+          </a:fillRef>
+          <a:effectRef idx="0">
+            <a:schemeClr val="accent1"/>
+          </a:effectRef>
+          <a:fontRef idx="minor">
+            <a:schemeClr val="lt1"/>
+          </a:fontRef>
+        </p:style>
+        <p:txBody>
+          <a:bodyPr rtlCol="0" anchor="ctr"/>
+          <a:lstStyle/>
+          <a:p>
+            <a:pPr algn="ctr"/>
+            <a:r>
+              <a:rPr lang="de-CH" sz="1000" dirty="0" smtClean="0">
+                <a:solidFill>
+                  <a:schemeClr val="tx1"/>
+                </a:solidFill>
+              </a:rPr>
+              <a:t>Wait for </a:t>
+            </a:r>
+            <a:r>
+              <a:rPr lang="de-CH" sz="1000" dirty="0" smtClean="0">
+                <a:solidFill>
+                  <a:schemeClr val="tx1"/>
+                </a:solidFill>
+              </a:rPr>
+              <a:t>booked trades for each open position from client</a:t>
+            </a:r>
+            <a:endParaRPr lang="it-IT" sz="1000" dirty="0">
+              <a:solidFill>
+                <a:schemeClr val="tx1"/>
+              </a:solidFill>
+            </a:endParaRPr>
+          </a:p>
+        </p:txBody>
+      </p:sp>
+      <p:graphicFrame>
+        <p:nvGraphicFramePr>
+          <p:cNvPr id="34" name="Table 33"/>
+          <p:cNvGraphicFramePr>
+            <a:graphicFrameLocks noGrp="1"/>
+          </p:cNvGraphicFramePr>
+          <p:nvPr>
+            <p:extLst>
+              <p:ext uri="{D42A27DB-BD31-4B8C-83A1-F6EECF244321}">
+                <p14:modId xmlns:p14="http://schemas.microsoft.com/office/powerpoint/2010/main" val="3760337047"/>
+              </p:ext>
+            </p:extLst>
+          </p:nvPr>
+        </p:nvGraphicFramePr>
+        <p:xfrm>
+          <a:off x="1693985" y="4587240"/>
+          <a:ext cx="2895600" cy="487680"/>
+        </p:xfrm>
+        <a:graphic>
+          <a:graphicData uri="http://schemas.openxmlformats.org/drawingml/2006/table">
+            <a:tbl>
+              <a:tblPr firstRow="1" bandRow="1">
+                <a:tableStyleId>{5C22544A-7EE6-4342-B048-85BDC9FD1C3A}</a:tableStyleId>
+              </a:tblPr>
+              <a:tblGrid>
+                <a:gridCol w="2895600"/>
+              </a:tblGrid>
+              <a:tr h="228600">
+                <a:tc>
+                  <a:txBody>
+                    <a:bodyPr/>
+                    <a:lstStyle/>
+                    <a:p>
+                      <a:pPr algn="ctr"/>
+                      <a:r>
+                        <a:rPr lang="de-CH" sz="1000" b="0" dirty="0" smtClean="0">
+                          <a:solidFill>
+                            <a:schemeClr val="tx1"/>
+                          </a:solidFill>
+                        </a:rPr>
+                        <a:t>Execution report</a:t>
+                      </a:r>
+                      <a:r>
+                        <a:rPr lang="de-CH" sz="1000" b="0" baseline="0" dirty="0" smtClean="0">
+                          <a:solidFill>
+                            <a:schemeClr val="tx1"/>
+                          </a:solidFill>
+                        </a:rPr>
+                        <a:t> </a:t>
+                      </a:r>
+                      <a:r>
+                        <a:rPr lang="de-CH" sz="1000" b="0" baseline="0" dirty="0" smtClean="0">
+                          <a:solidFill>
+                            <a:schemeClr val="tx1"/>
+                          </a:solidFill>
+                        </a:rPr>
+                        <a:t>received</a:t>
+                      </a:r>
+                      <a:endParaRPr lang="it-IT" sz="1000" b="0" dirty="0">
+                        <a:solidFill>
+                          <a:schemeClr val="tx1"/>
+                        </a:solidFill>
+                      </a:endParaRPr>
+                    </a:p>
+                  </a:txBody>
+                  <a:tcPr>
+                    <a:lnL w="12700" cap="flat" cmpd="sng" algn="ctr">
+                      <a:noFill/>
+                      <a:prstDash val="solid"/>
+                      <a:round/>
+                      <a:headEnd type="none" w="med" len="med"/>
+                      <a:tailEnd type="none" w="med" len="med"/>
+                    </a:lnL>
+                    <a:lnR w="12700" cap="flat" cmpd="sng" algn="ctr">
+                      <a:noFill/>
+                      <a:prstDash val="solid"/>
+                      <a:round/>
+                      <a:headEnd type="none" w="med" len="med"/>
+                      <a:tailEnd type="none" w="med" len="med"/>
+                    </a:lnR>
+                    <a:lnT w="12700" cap="flat" cmpd="sng" algn="ctr">
+                      <a:noFill/>
+                      <a:prstDash val="solid"/>
+                      <a:round/>
+                      <a:headEnd type="none" w="med" len="med"/>
+                      <a:tailEnd type="none" w="med" len="med"/>
+                    </a:lnT>
+                    <a:lnB w="12700" cap="flat" cmpd="sng" algn="ctr">
+                      <a:solidFill>
+                        <a:schemeClr val="tx1"/>
+                      </a:solidFill>
+                      <a:prstDash val="solid"/>
+                      <a:round/>
+                      <a:headEnd type="none" w="med" len="med"/>
+                      <a:tailEnd type="none" w="med" len="med"/>
+                    </a:lnB>
+                    <a:lnTlToBr w="12700" cmpd="sng">
+                      <a:noFill/>
+                      <a:prstDash val="solid"/>
+                    </a:lnTlToBr>
+                    <a:lnBlToTr w="12700" cmpd="sng">
+                      <a:noFill/>
+                      <a:prstDash val="solid"/>
+                    </a:lnBlToTr>
+                    <a:noFill/>
+                  </a:tcPr>
+                </a:tc>
+              </a:tr>
+              <a:tr h="228600">
+                <a:tc>
+                  <a:txBody>
+                    <a:bodyPr/>
+                    <a:lstStyle/>
+                    <a:p>
+                      <a:pPr algn="ctr"/>
+                      <a:r>
+                        <a:rPr lang="de-CH" sz="1000" b="0" dirty="0" smtClean="0">
+                          <a:solidFill>
+                            <a:schemeClr val="tx1"/>
+                          </a:solidFill>
+                        </a:rPr>
+                        <a:t>Send</a:t>
+                      </a:r>
+                      <a:r>
+                        <a:rPr lang="de-CH" sz="1000" b="0" baseline="0" dirty="0" smtClean="0">
+                          <a:solidFill>
+                            <a:schemeClr val="tx1"/>
+                          </a:solidFill>
+                        </a:rPr>
+                        <a:t> execution essage to client</a:t>
+                      </a:r>
+                      <a:endParaRPr lang="it-IT" sz="1000" b="0" dirty="0">
+                        <a:solidFill>
+                          <a:schemeClr val="tx1"/>
+                        </a:solidFill>
+                      </a:endParaRPr>
+                    </a:p>
+                  </a:txBody>
+                  <a:tcPr>
+                    <a:lnL w="12700" cap="flat" cmpd="sng" algn="ctr">
+                      <a:noFill/>
+                      <a:prstDash val="solid"/>
+                      <a:round/>
+                      <a:headEnd type="none" w="med" len="med"/>
+                      <a:tailEnd type="none" w="med" len="med"/>
+                    </a:lnL>
+                    <a:lnR w="12700" cap="flat" cmpd="sng" algn="ctr">
+                      <a:noFill/>
+                      <a:prstDash val="solid"/>
+                      <a:round/>
+                      <a:headEnd type="none" w="med" len="med"/>
+                      <a:tailEnd type="none" w="med" len="med"/>
+                    </a:lnR>
+                    <a:lnT w="12700" cap="flat" cmpd="sng" algn="ctr">
+                      <a:solidFill>
+                        <a:schemeClr val="tx1"/>
+                      </a:solidFill>
+                      <a:prstDash val="solid"/>
+                      <a:round/>
+                      <a:headEnd type="none" w="med" len="med"/>
+                      <a:tailEnd type="none" w="med" len="med"/>
+                    </a:lnT>
+                    <a:lnB w="12700" cap="flat" cmpd="sng" algn="ctr">
+                      <a:noFill/>
+                      <a:prstDash val="solid"/>
+                      <a:round/>
+                      <a:headEnd type="none" w="med" len="med"/>
+                      <a:tailEnd type="none" w="med" len="med"/>
+                    </a:lnB>
+                    <a:lnTlToBr w="12700" cmpd="sng">
+                      <a:noFill/>
+                      <a:prstDash val="solid"/>
+                    </a:lnTlToBr>
+                    <a:lnBlToTr w="12700" cmpd="sng">
+                      <a:noFill/>
+                      <a:prstDash val="solid"/>
+                    </a:lnBlToTr>
+                    <a:noFill/>
+                  </a:tcPr>
+                </a:tc>
+              </a:tr>
+            </a:tbl>
+          </a:graphicData>
+        </a:graphic>
+      </p:graphicFrame>
+      <p:graphicFrame>
+        <p:nvGraphicFramePr>
+          <p:cNvPr id="35" name="Table 34"/>
+          <p:cNvGraphicFramePr>
+            <a:graphicFrameLocks noGrp="1"/>
+          </p:cNvGraphicFramePr>
+          <p:nvPr>
+            <p:extLst>
+              <p:ext uri="{D42A27DB-BD31-4B8C-83A1-F6EECF244321}">
+                <p14:modId xmlns:p14="http://schemas.microsoft.com/office/powerpoint/2010/main" val="4161255900"/>
+              </p:ext>
+            </p:extLst>
+          </p:nvPr>
+        </p:nvGraphicFramePr>
+        <p:xfrm>
+          <a:off x="4953000" y="4617720"/>
+          <a:ext cx="2095500" cy="640080"/>
+        </p:xfrm>
+        <a:graphic>
+          <a:graphicData uri="http://schemas.openxmlformats.org/drawingml/2006/table">
+            <a:tbl>
+              <a:tblPr firstRow="1" bandRow="1">
+                <a:tableStyleId>{5C22544A-7EE6-4342-B048-85BDC9FD1C3A}</a:tableStyleId>
+              </a:tblPr>
+              <a:tblGrid>
+                <a:gridCol w="2095500"/>
+              </a:tblGrid>
+              <a:tr h="228600">
+                <a:tc>
+                  <a:txBody>
+                    <a:bodyPr/>
+                    <a:lstStyle/>
+                    <a:p>
+                      <a:pPr algn="ctr"/>
+                      <a:r>
+                        <a:rPr lang="de-CH" sz="1000" b="0" dirty="0" smtClean="0">
+                          <a:solidFill>
+                            <a:schemeClr val="tx1"/>
+                          </a:solidFill>
+                        </a:rPr>
+                        <a:t>Open</a:t>
+                      </a:r>
+                      <a:r>
+                        <a:rPr lang="de-CH" sz="1000" b="0" baseline="0" dirty="0" smtClean="0">
+                          <a:solidFill>
+                            <a:schemeClr val="tx1"/>
+                          </a:solidFill>
+                        </a:rPr>
+                        <a:t> position query</a:t>
+                      </a:r>
+                      <a:endParaRPr lang="it-IT" sz="1000" b="0" dirty="0">
+                        <a:solidFill>
+                          <a:schemeClr val="tx1"/>
+                        </a:solidFill>
+                      </a:endParaRPr>
+                    </a:p>
+                  </a:txBody>
+                  <a:tcPr>
+                    <a:lnL w="12700" cap="flat" cmpd="sng" algn="ctr">
+                      <a:noFill/>
+                      <a:prstDash val="solid"/>
+                      <a:round/>
+                      <a:headEnd type="none" w="med" len="med"/>
+                      <a:tailEnd type="none" w="med" len="med"/>
+                    </a:lnL>
+                    <a:lnR w="12700" cap="flat" cmpd="sng" algn="ctr">
+                      <a:noFill/>
+                      <a:prstDash val="solid"/>
+                      <a:round/>
+                      <a:headEnd type="none" w="med" len="med"/>
+                      <a:tailEnd type="none" w="med" len="med"/>
+                    </a:lnR>
+                    <a:lnT w="12700" cap="flat" cmpd="sng" algn="ctr">
+                      <a:noFill/>
+                      <a:prstDash val="solid"/>
+                      <a:round/>
+                      <a:headEnd type="none" w="med" len="med"/>
+                      <a:tailEnd type="none" w="med" len="med"/>
+                    </a:lnT>
+                    <a:lnB w="12700" cap="flat" cmpd="sng" algn="ctr">
+                      <a:solidFill>
+                        <a:schemeClr val="tx1"/>
+                      </a:solidFill>
+                      <a:prstDash val="solid"/>
+                      <a:round/>
+                      <a:headEnd type="none" w="med" len="med"/>
+                      <a:tailEnd type="none" w="med" len="med"/>
+                    </a:lnB>
+                    <a:lnTlToBr w="12700" cmpd="sng">
+                      <a:noFill/>
+                      <a:prstDash val="solid"/>
+                    </a:lnTlToBr>
+                    <a:lnBlToTr w="12700" cmpd="sng">
+                      <a:noFill/>
+                      <a:prstDash val="solid"/>
+                    </a:lnBlToTr>
+                    <a:noFill/>
+                  </a:tcPr>
+                </a:tc>
+              </a:tr>
+              <a:tr h="228600">
+                <a:tc>
+                  <a:txBody>
+                    <a:bodyPr/>
+                    <a:lstStyle/>
+                    <a:p>
+                      <a:pPr marL="0" marR="0" indent="0" algn="ctr" defTabSz="914400" rtl="0" eaLnBrk="1" fontAlgn="auto" latinLnBrk="0" hangingPunct="1">
+                        <a:lnSpc>
+                          <a:spcPct val="100000"/>
+                        </a:lnSpc>
+                        <a:spcBef>
+                          <a:spcPts val="0"/>
+                        </a:spcBef>
+                        <a:spcAft>
+                          <a:spcPts val="0"/>
+                        </a:spcAft>
+                        <a:buClrTx/>
+                        <a:buSzTx/>
+                        <a:buFontTx/>
+                        <a:buNone/>
+                        <a:tabLst/>
+                        <a:defRPr/>
+                      </a:pPr>
+                      <a:r>
+                        <a:rPr lang="de-CH" sz="1000" b="0" dirty="0" smtClean="0">
+                          <a:solidFill>
+                            <a:schemeClr val="tx1"/>
+                          </a:solidFill>
+                        </a:rPr>
+                        <a:t>Extract open positions from DB and send them to client</a:t>
+                      </a:r>
+                    </a:p>
+                  </a:txBody>
+                  <a:tcPr>
+                    <a:lnL w="12700" cap="flat" cmpd="sng" algn="ctr">
+                      <a:noFill/>
+                      <a:prstDash val="solid"/>
+                      <a:round/>
+                      <a:headEnd type="none" w="med" len="med"/>
+                      <a:tailEnd type="none" w="med" len="med"/>
+                    </a:lnL>
+                    <a:lnR w="12700" cap="flat" cmpd="sng" algn="ctr">
+                      <a:noFill/>
+                      <a:prstDash val="solid"/>
+                      <a:round/>
+                      <a:headEnd type="none" w="med" len="med"/>
+                      <a:tailEnd type="none" w="med" len="med"/>
+                    </a:lnR>
+                    <a:lnT w="12700" cap="flat" cmpd="sng" algn="ctr">
+                      <a:solidFill>
+                        <a:schemeClr val="tx1"/>
+                      </a:solidFill>
+                      <a:prstDash val="solid"/>
+                      <a:round/>
+                      <a:headEnd type="none" w="med" len="med"/>
+                      <a:tailEnd type="none" w="med" len="med"/>
+                    </a:lnT>
+                    <a:lnB w="12700" cap="flat" cmpd="sng" algn="ctr">
+                      <a:noFill/>
+                      <a:prstDash val="solid"/>
+                      <a:round/>
+                      <a:headEnd type="none" w="med" len="med"/>
+                      <a:tailEnd type="none" w="med" len="med"/>
+                    </a:lnB>
+                    <a:lnTlToBr w="12700" cmpd="sng">
+                      <a:noFill/>
+                      <a:prstDash val="solid"/>
+                    </a:lnTlToBr>
+                    <a:lnBlToTr w="12700" cmpd="sng">
+                      <a:noFill/>
+                      <a:prstDash val="solid"/>
+                    </a:lnBlToTr>
+                    <a:noFill/>
+                  </a:tcPr>
+                </a:tc>
+              </a:tr>
+            </a:tbl>
+          </a:graphicData>
+        </a:graphic>
+      </p:graphicFrame>
+      <p:graphicFrame>
+        <p:nvGraphicFramePr>
+          <p:cNvPr id="36" name="Table 35"/>
+          <p:cNvGraphicFramePr>
+            <a:graphicFrameLocks noGrp="1"/>
+          </p:cNvGraphicFramePr>
+          <p:nvPr>
+            <p:extLst>
+              <p:ext uri="{D42A27DB-BD31-4B8C-83A1-F6EECF244321}">
+                <p14:modId xmlns:p14="http://schemas.microsoft.com/office/powerpoint/2010/main" val="2639377884"/>
+              </p:ext>
+            </p:extLst>
+          </p:nvPr>
+        </p:nvGraphicFramePr>
+        <p:xfrm>
+          <a:off x="3352800" y="5836920"/>
+          <a:ext cx="2438400" cy="640080"/>
+        </p:xfrm>
+        <a:graphic>
+          <a:graphicData uri="http://schemas.openxmlformats.org/drawingml/2006/table">
+            <a:tbl>
+              <a:tblPr firstRow="1" bandRow="1">
+                <a:tableStyleId>{5C22544A-7EE6-4342-B048-85BDC9FD1C3A}</a:tableStyleId>
+              </a:tblPr>
+              <a:tblGrid>
+                <a:gridCol w="2438400"/>
+              </a:tblGrid>
+              <a:tr h="228600">
+                <a:tc>
+                  <a:txBody>
+                    <a:bodyPr/>
+                    <a:lstStyle/>
+                    <a:p>
+                      <a:pPr algn="ctr"/>
+                      <a:r>
+                        <a:rPr lang="de-CH" sz="1000" b="0" dirty="0" smtClean="0">
+                          <a:solidFill>
+                            <a:schemeClr val="tx1"/>
+                          </a:solidFill>
+                        </a:rPr>
+                        <a:t>Trade list</a:t>
+                      </a:r>
+                      <a:r>
+                        <a:rPr lang="de-CH" sz="1000" b="0" baseline="0" dirty="0" smtClean="0">
+                          <a:solidFill>
+                            <a:schemeClr val="tx1"/>
+                          </a:solidFill>
+                        </a:rPr>
+                        <a:t> query</a:t>
+                      </a:r>
+                      <a:endParaRPr lang="it-IT" sz="1000" b="0" dirty="0">
+                        <a:solidFill>
+                          <a:schemeClr val="tx1"/>
+                        </a:solidFill>
+                      </a:endParaRPr>
+                    </a:p>
+                  </a:txBody>
+                  <a:tcPr>
+                    <a:lnL w="12700" cap="flat" cmpd="sng" algn="ctr">
+                      <a:noFill/>
+                      <a:prstDash val="solid"/>
+                      <a:round/>
+                      <a:headEnd type="none" w="med" len="med"/>
+                      <a:tailEnd type="none" w="med" len="med"/>
+                    </a:lnL>
+                    <a:lnR w="12700" cap="flat" cmpd="sng" algn="ctr">
+                      <a:noFill/>
+                      <a:prstDash val="solid"/>
+                      <a:round/>
+                      <a:headEnd type="none" w="med" len="med"/>
+                      <a:tailEnd type="none" w="med" len="med"/>
+                    </a:lnR>
+                    <a:lnT w="12700" cap="flat" cmpd="sng" algn="ctr">
+                      <a:noFill/>
+                      <a:prstDash val="solid"/>
+                      <a:round/>
+                      <a:headEnd type="none" w="med" len="med"/>
+                      <a:tailEnd type="none" w="med" len="med"/>
+                    </a:lnT>
+                    <a:lnB w="12700" cap="flat" cmpd="sng" algn="ctr">
+                      <a:solidFill>
+                        <a:schemeClr val="tx1"/>
+                      </a:solidFill>
+                      <a:prstDash val="solid"/>
+                      <a:round/>
+                      <a:headEnd type="none" w="med" len="med"/>
+                      <a:tailEnd type="none" w="med" len="med"/>
+                    </a:lnB>
+                    <a:lnTlToBr w="12700" cmpd="sng">
+                      <a:noFill/>
+                      <a:prstDash val="solid"/>
+                    </a:lnTlToBr>
+                    <a:lnBlToTr w="12700" cmpd="sng">
+                      <a:noFill/>
+                      <a:prstDash val="solid"/>
+                    </a:lnBlToTr>
+                    <a:noFill/>
+                  </a:tcPr>
+                </a:tc>
+              </a:tr>
+              <a:tr h="228600">
+                <a:tc>
+                  <a:txBody>
+                    <a:bodyPr/>
+                    <a:lstStyle/>
+                    <a:p>
+                      <a:pPr marL="0" marR="0" indent="0" algn="ctr" defTabSz="914400" rtl="0" eaLnBrk="1" fontAlgn="auto" latinLnBrk="0" hangingPunct="1">
+                        <a:lnSpc>
+                          <a:spcPct val="100000"/>
+                        </a:lnSpc>
+                        <a:spcBef>
+                          <a:spcPts val="0"/>
+                        </a:spcBef>
+                        <a:spcAft>
+                          <a:spcPts val="0"/>
+                        </a:spcAft>
+                        <a:buClrTx/>
+                        <a:buSzTx/>
+                        <a:buFontTx/>
+                        <a:buNone/>
+                        <a:tabLst/>
+                        <a:defRPr/>
+                      </a:pPr>
+                      <a:r>
+                        <a:rPr lang="de-CH" sz="1000" b="0" dirty="0" smtClean="0">
+                          <a:solidFill>
+                            <a:schemeClr val="tx1"/>
+                          </a:solidFill>
+                        </a:rPr>
+                        <a:t>Extract trade list from DB BookSchema and send it to client</a:t>
+                      </a:r>
+                      <a:endParaRPr lang="it-IT" sz="1000" b="0" dirty="0">
+                        <a:solidFill>
+                          <a:schemeClr val="tx1"/>
+                        </a:solidFill>
+                      </a:endParaRPr>
+                    </a:p>
+                  </a:txBody>
+                  <a:tcPr>
+                    <a:lnL w="12700" cap="flat" cmpd="sng" algn="ctr">
+                      <a:noFill/>
+                      <a:prstDash val="solid"/>
+                      <a:round/>
+                      <a:headEnd type="none" w="med" len="med"/>
+                      <a:tailEnd type="none" w="med" len="med"/>
+                    </a:lnL>
+                    <a:lnR w="12700" cap="flat" cmpd="sng" algn="ctr">
+                      <a:noFill/>
+                      <a:prstDash val="solid"/>
+                      <a:round/>
+                      <a:headEnd type="none" w="med" len="med"/>
+                      <a:tailEnd type="none" w="med" len="med"/>
+                    </a:lnR>
+                    <a:lnT w="12700" cap="flat" cmpd="sng" algn="ctr">
+                      <a:solidFill>
+                        <a:schemeClr val="tx1"/>
+                      </a:solidFill>
+                      <a:prstDash val="solid"/>
+                      <a:round/>
+                      <a:headEnd type="none" w="med" len="med"/>
+                      <a:tailEnd type="none" w="med" len="med"/>
+                    </a:lnT>
+                    <a:lnB w="12700" cap="flat" cmpd="sng" algn="ctr">
+                      <a:noFill/>
+                      <a:prstDash val="solid"/>
+                      <a:round/>
+                      <a:headEnd type="none" w="med" len="med"/>
+                      <a:tailEnd type="none" w="med" len="med"/>
+                    </a:lnB>
+                    <a:lnTlToBr w="12700" cmpd="sng">
+                      <a:noFill/>
+                      <a:prstDash val="solid"/>
+                    </a:lnTlToBr>
+                    <a:lnBlToTr w="12700" cmpd="sng">
+                      <a:noFill/>
+                      <a:prstDash val="solid"/>
+                    </a:lnBlToTr>
+                    <a:noFill/>
+                  </a:tcPr>
+                </a:tc>
+              </a:tr>
+            </a:tbl>
+          </a:graphicData>
+        </a:graphic>
+      </p:graphicFrame>
+      <p:cxnSp>
+        <p:nvCxnSpPr>
+          <p:cNvPr id="37" name="Straight Arrow Connector 36"/>
+          <p:cNvCxnSpPr>
+            <a:stCxn id="30" idx="6"/>
+            <a:endCxn id="32" idx="2"/>
+          </p:cNvCxnSpPr>
+          <p:nvPr/>
+        </p:nvCxnSpPr>
+        <p:spPr>
+          <a:xfrm>
+            <a:off x="5295900" y="5379720"/>
+            <a:ext cx="1409700" cy="0"/>
+          </a:xfrm>
+          <a:prstGeom prst="straightConnector1">
+            <a:avLst/>
+          </a:prstGeom>
+          <a:ln>
+            <a:solidFill>
+              <a:schemeClr val="tx1"/>
+            </a:solidFill>
+            <a:tailEnd type="triangle"/>
+          </a:ln>
+        </p:spPr>
+        <p:style>
+          <a:lnRef idx="1">
+            <a:schemeClr val="accent1"/>
+          </a:lnRef>
+          <a:fillRef idx="0">
+            <a:schemeClr val="accent1"/>
+          </a:fillRef>
+          <a:effectRef idx="0">
+            <a:schemeClr val="accent1"/>
+          </a:effectRef>
+          <a:fontRef idx="minor">
+            <a:schemeClr val="tx1"/>
+          </a:fontRef>
+        </p:style>
+      </p:cxnSp>
+      <p:cxnSp>
+        <p:nvCxnSpPr>
+          <p:cNvPr id="38" name="Straight Arrow Connector 37"/>
+          <p:cNvCxnSpPr>
+            <a:endCxn id="29" idx="2"/>
+          </p:cNvCxnSpPr>
+          <p:nvPr/>
+        </p:nvCxnSpPr>
+        <p:spPr>
+          <a:xfrm>
+            <a:off x="457200" y="5379720"/>
+            <a:ext cx="533400" cy="0"/>
+          </a:xfrm>
+          <a:prstGeom prst="straightConnector1">
+            <a:avLst/>
+          </a:prstGeom>
+          <a:ln>
+            <a:solidFill>
+              <a:schemeClr val="tx1"/>
+            </a:solidFill>
+            <a:tailEnd type="triangle"/>
+          </a:ln>
+        </p:spPr>
+        <p:style>
+          <a:lnRef idx="1">
+            <a:schemeClr val="accent1"/>
+          </a:lnRef>
+          <a:fillRef idx="0">
+            <a:schemeClr val="accent1"/>
+          </a:fillRef>
+          <a:effectRef idx="0">
+            <a:schemeClr val="accent1"/>
+          </a:effectRef>
+          <a:fontRef idx="minor">
+            <a:schemeClr val="tx1"/>
+          </a:fontRef>
+        </p:style>
+      </p:cxnSp>
+      <p:cxnSp>
+        <p:nvCxnSpPr>
+          <p:cNvPr id="39" name="Straight Arrow Connector 38"/>
+          <p:cNvCxnSpPr>
+            <a:stCxn id="29" idx="6"/>
+            <a:endCxn id="30" idx="2"/>
+          </p:cNvCxnSpPr>
+          <p:nvPr/>
+        </p:nvCxnSpPr>
+        <p:spPr>
+          <a:xfrm>
+            <a:off x="2438400" y="5379720"/>
+            <a:ext cx="1409700" cy="0"/>
+          </a:xfrm>
+          <a:prstGeom prst="straightConnector1">
+            <a:avLst/>
+          </a:prstGeom>
+          <a:ln>
+            <a:solidFill>
+              <a:schemeClr val="tx1"/>
+            </a:solidFill>
+            <a:tailEnd type="triangle"/>
+          </a:ln>
+        </p:spPr>
+        <p:style>
+          <a:lnRef idx="1">
+            <a:schemeClr val="accent1"/>
+          </a:lnRef>
+          <a:fillRef idx="0">
+            <a:schemeClr val="accent1"/>
+          </a:fillRef>
+          <a:effectRef idx="0">
+            <a:schemeClr val="accent1"/>
+          </a:effectRef>
+          <a:fontRef idx="minor">
+            <a:schemeClr val="tx1"/>
+          </a:fontRef>
+        </p:style>
+      </p:cxnSp>
+      <p:cxnSp>
+        <p:nvCxnSpPr>
+          <p:cNvPr id="40" name="Elbow Connector 39"/>
+          <p:cNvCxnSpPr>
+            <a:stCxn id="32" idx="4"/>
+            <a:endCxn id="36" idx="3"/>
+          </p:cNvCxnSpPr>
+          <p:nvPr/>
+        </p:nvCxnSpPr>
+        <p:spPr>
+          <a:xfrm rot="5400000">
+            <a:off x="6507480" y="4968240"/>
+            <a:ext cx="472440" cy="1905000"/>
+          </a:xfrm>
+          <a:prstGeom prst="bentConnector2">
+            <a:avLst/>
+          </a:prstGeom>
+          <a:ln>
+            <a:solidFill>
+              <a:schemeClr val="tx1"/>
+            </a:solidFill>
+          </a:ln>
+        </p:spPr>
+        <p:style>
+          <a:lnRef idx="1">
+            <a:schemeClr val="accent1"/>
+          </a:lnRef>
+          <a:fillRef idx="0">
+            <a:schemeClr val="accent1"/>
+          </a:fillRef>
+          <a:effectRef idx="0">
+            <a:schemeClr val="accent1"/>
+          </a:effectRef>
+          <a:fontRef idx="minor">
+            <a:schemeClr val="tx1"/>
+          </a:fontRef>
+        </p:style>
+      </p:cxnSp>
+      <p:cxnSp>
+        <p:nvCxnSpPr>
+          <p:cNvPr id="41" name="Elbow Connector 40"/>
+          <p:cNvCxnSpPr>
+            <a:stCxn id="36" idx="1"/>
+            <a:endCxn id="29" idx="4"/>
+          </p:cNvCxnSpPr>
+          <p:nvPr/>
+        </p:nvCxnSpPr>
+        <p:spPr>
+          <a:xfrm rot="10800000">
+            <a:off x="1714500" y="5684520"/>
+            <a:ext cx="1638300" cy="472440"/>
+          </a:xfrm>
+          <a:prstGeom prst="bentConnector2">
+            <a:avLst/>
+          </a:prstGeom>
+          <a:ln>
+            <a:solidFill>
+              <a:schemeClr val="tx1"/>
+            </a:solidFill>
+            <a:tailEnd type="triangle"/>
+          </a:ln>
+        </p:spPr>
+        <p:style>
+          <a:lnRef idx="1">
+            <a:schemeClr val="accent1"/>
+          </a:lnRef>
+          <a:fillRef idx="0">
+            <a:schemeClr val="accent1"/>
+          </a:fillRef>
+          <a:effectRef idx="0">
+            <a:schemeClr val="accent1"/>
+          </a:effectRef>
+          <a:fontRef idx="minor">
+            <a:schemeClr val="tx1"/>
+          </a:fontRef>
+        </p:style>
+      </p:cxnSp>
+      <p:sp>
+        <p:nvSpPr>
+          <p:cNvPr id="42" name="Rectangle 41"/>
+          <p:cNvSpPr/>
+          <p:nvPr/>
+        </p:nvSpPr>
+        <p:spPr>
+          <a:xfrm>
+            <a:off x="457201" y="4343400"/>
+            <a:ext cx="990600" cy="304800"/>
+          </a:xfrm>
+          <a:prstGeom prst="rect">
+            <a:avLst/>
+          </a:prstGeom>
+        </p:spPr>
+        <p:style>
+          <a:lnRef idx="2">
+            <a:schemeClr val="accent1">
+              <a:shade val="50000"/>
+            </a:schemeClr>
+          </a:lnRef>
+          <a:fillRef idx="1">
+            <a:schemeClr val="accent1"/>
+          </a:fillRef>
+          <a:effectRef idx="0">
+            <a:schemeClr val="accent1"/>
+          </a:effectRef>
+          <a:fontRef idx="minor">
+            <a:schemeClr val="lt1"/>
+          </a:fontRef>
+        </p:style>
+        <p:txBody>
+          <a:bodyPr rtlCol="0" anchor="ctr"/>
+          <a:lstStyle/>
+          <a:p>
+            <a:pPr algn="ctr"/>
+            <a:r>
+              <a:rPr lang="de-CH" dirty="0" smtClean="0"/>
+              <a:t>Server</a:t>
+            </a:r>
+            <a:endParaRPr lang="it-IT" dirty="0"/>
+          </a:p>
+        </p:txBody>
+      </p:sp>
+      <p:sp>
+        <p:nvSpPr>
+          <p:cNvPr id="43" name="Rectangle 42"/>
+          <p:cNvSpPr/>
+          <p:nvPr/>
+        </p:nvSpPr>
+        <p:spPr>
+          <a:xfrm>
+            <a:off x="457200" y="1828800"/>
+            <a:ext cx="990600" cy="304800"/>
+          </a:xfrm>
+          <a:prstGeom prst="rect">
+            <a:avLst/>
+          </a:prstGeom>
+        </p:spPr>
+        <p:style>
+          <a:lnRef idx="2">
+            <a:schemeClr val="accent1">
+              <a:shade val="50000"/>
+            </a:schemeClr>
+          </a:lnRef>
+          <a:fillRef idx="1">
+            <a:schemeClr val="accent1"/>
+          </a:fillRef>
+          <a:effectRef idx="0">
+            <a:schemeClr val="accent1"/>
+          </a:effectRef>
+          <a:fontRef idx="minor">
+            <a:schemeClr val="lt1"/>
+          </a:fontRef>
+        </p:style>
+        <p:txBody>
+          <a:bodyPr rtlCol="0" anchor="ctr"/>
+          <a:lstStyle/>
+          <a:p>
+            <a:pPr algn="ctr"/>
+            <a:r>
+              <a:rPr lang="de-CH" dirty="0" smtClean="0"/>
+              <a:t>Client</a:t>
+            </a:r>
+            <a:endParaRPr lang="it-IT" dirty="0"/>
+          </a:p>
+        </p:txBody>
+      </p:sp>
+    </p:spTree>
+    <p:extLst>
+      <p:ext uri="{BB962C8B-B14F-4D97-AF65-F5344CB8AC3E}">
+        <p14:creationId xmlns:p14="http://schemas.microsoft.com/office/powerpoint/2010/main" val="1456487803"/>
       </p:ext>
     </p:extLst>
   </p:cSld>
